--- a/Mongo-Advance/Master.pptx
+++ b/Mongo-Advance/Master.pptx
@@ -19,6 +19,26 @@
     <p:sldId id="267" r:id="rId13"/>
     <p:sldId id="268" r:id="rId14"/>
     <p:sldId id="269" r:id="rId15"/>
+    <p:sldId id="270" r:id="rId16"/>
+    <p:sldId id="271" r:id="rId17"/>
+    <p:sldId id="272" r:id="rId18"/>
+    <p:sldId id="273" r:id="rId19"/>
+    <p:sldId id="274" r:id="rId20"/>
+    <p:sldId id="275" r:id="rId21"/>
+    <p:sldId id="276" r:id="rId22"/>
+    <p:sldId id="277" r:id="rId23"/>
+    <p:sldId id="279" r:id="rId24"/>
+    <p:sldId id="278" r:id="rId25"/>
+    <p:sldId id="280" r:id="rId26"/>
+    <p:sldId id="281" r:id="rId27"/>
+    <p:sldId id="282" r:id="rId28"/>
+    <p:sldId id="283" r:id="rId29"/>
+    <p:sldId id="284" r:id="rId30"/>
+    <p:sldId id="285" r:id="rId31"/>
+    <p:sldId id="286" r:id="rId32"/>
+    <p:sldId id="287" r:id="rId33"/>
+    <p:sldId id="289" r:id="rId34"/>
+    <p:sldId id="288" r:id="rId35"/>
   </p:sldIdLst>
   <p:sldSz cx="12192000" cy="6858000"/>
   <p:notesSz cx="6858000" cy="9144000"/>
@@ -272,7 +292,7 @@
           <a:p>
             <a:fld id="{4178D16C-85F9-4C11-9473-56CBDFBF9DB8}" type="datetimeFigureOut">
               <a:rPr lang="en-US" smtClean="0"/>
-              <a:t>6/1/2022</a:t>
+              <a:t>6/10/2022</a:t>
             </a:fld>
             <a:endParaRPr lang="en-US"/>
           </a:p>
@@ -470,7 +490,7 @@
           <a:p>
             <a:fld id="{4178D16C-85F9-4C11-9473-56CBDFBF9DB8}" type="datetimeFigureOut">
               <a:rPr lang="en-US" smtClean="0"/>
-              <a:t>6/1/2022</a:t>
+              <a:t>6/10/2022</a:t>
             </a:fld>
             <a:endParaRPr lang="en-US"/>
           </a:p>
@@ -678,7 +698,7 @@
           <a:p>
             <a:fld id="{4178D16C-85F9-4C11-9473-56CBDFBF9DB8}" type="datetimeFigureOut">
               <a:rPr lang="en-US" smtClean="0"/>
-              <a:t>6/1/2022</a:t>
+              <a:t>6/10/2022</a:t>
             </a:fld>
             <a:endParaRPr lang="en-US"/>
           </a:p>
@@ -876,7 +896,7 @@
           <a:p>
             <a:fld id="{4178D16C-85F9-4C11-9473-56CBDFBF9DB8}" type="datetimeFigureOut">
               <a:rPr lang="en-US" smtClean="0"/>
-              <a:t>6/1/2022</a:t>
+              <a:t>6/10/2022</a:t>
             </a:fld>
             <a:endParaRPr lang="en-US"/>
           </a:p>
@@ -1151,7 +1171,7 @@
           <a:p>
             <a:fld id="{4178D16C-85F9-4C11-9473-56CBDFBF9DB8}" type="datetimeFigureOut">
               <a:rPr lang="en-US" smtClean="0"/>
-              <a:t>6/1/2022</a:t>
+              <a:t>6/10/2022</a:t>
             </a:fld>
             <a:endParaRPr lang="en-US"/>
           </a:p>
@@ -1416,7 +1436,7 @@
           <a:p>
             <a:fld id="{4178D16C-85F9-4C11-9473-56CBDFBF9DB8}" type="datetimeFigureOut">
               <a:rPr lang="en-US" smtClean="0"/>
-              <a:t>6/1/2022</a:t>
+              <a:t>6/10/2022</a:t>
             </a:fld>
             <a:endParaRPr lang="en-US"/>
           </a:p>
@@ -1828,7 +1848,7 @@
           <a:p>
             <a:fld id="{4178D16C-85F9-4C11-9473-56CBDFBF9DB8}" type="datetimeFigureOut">
               <a:rPr lang="en-US" smtClean="0"/>
-              <a:t>6/1/2022</a:t>
+              <a:t>6/10/2022</a:t>
             </a:fld>
             <a:endParaRPr lang="en-US"/>
           </a:p>
@@ -1969,7 +1989,7 @@
           <a:p>
             <a:fld id="{4178D16C-85F9-4C11-9473-56CBDFBF9DB8}" type="datetimeFigureOut">
               <a:rPr lang="en-US" smtClean="0"/>
-              <a:t>6/1/2022</a:t>
+              <a:t>6/10/2022</a:t>
             </a:fld>
             <a:endParaRPr lang="en-US"/>
           </a:p>
@@ -2082,7 +2102,7 @@
           <a:p>
             <a:fld id="{4178D16C-85F9-4C11-9473-56CBDFBF9DB8}" type="datetimeFigureOut">
               <a:rPr lang="en-US" smtClean="0"/>
-              <a:t>6/1/2022</a:t>
+              <a:t>6/10/2022</a:t>
             </a:fld>
             <a:endParaRPr lang="en-US"/>
           </a:p>
@@ -2393,7 +2413,7 @@
           <a:p>
             <a:fld id="{4178D16C-85F9-4C11-9473-56CBDFBF9DB8}" type="datetimeFigureOut">
               <a:rPr lang="en-US" smtClean="0"/>
-              <a:t>6/1/2022</a:t>
+              <a:t>6/10/2022</a:t>
             </a:fld>
             <a:endParaRPr lang="en-US"/>
           </a:p>
@@ -2681,7 +2701,7 @@
           <a:p>
             <a:fld id="{4178D16C-85F9-4C11-9473-56CBDFBF9DB8}" type="datetimeFigureOut">
               <a:rPr lang="en-US" smtClean="0"/>
-              <a:t>6/1/2022</a:t>
+              <a:t>6/10/2022</a:t>
             </a:fld>
             <a:endParaRPr lang="en-US"/>
           </a:p>
@@ -2931,7 +2951,7 @@
           <a:p>
             <a:fld id="{4178D16C-85F9-4C11-9473-56CBDFBF9DB8}" type="datetimeFigureOut">
               <a:rPr lang="en-US" smtClean="0"/>
-              <a:t>6/1/2022</a:t>
+              <a:t>6/10/2022</a:t>
             </a:fld>
             <a:endParaRPr lang="en-US"/>
           </a:p>
@@ -4157,6 +4177,696 @@
     <p:extLst>
       <p:ext uri="{BB962C8B-B14F-4D97-AF65-F5344CB8AC3E}">
         <p14:creationId xmlns:p14="http://schemas.microsoft.com/office/powerpoint/2010/main" val="4128077984"/>
+      </p:ext>
+    </p:extLst>
+  </p:cSld>
+  <p:clrMapOvr>
+    <a:masterClrMapping/>
+  </p:clrMapOvr>
+</p:sld>
+</file>
+
+<file path=ppt/slides/slide15.xml><?xml version="1.0" encoding="utf-8"?>
+<p:sld xmlns:a="http://schemas.openxmlformats.org/drawingml/2006/main" xmlns:r="http://schemas.openxmlformats.org/officeDocument/2006/relationships" xmlns:p="http://schemas.openxmlformats.org/presentationml/2006/main">
+  <p:cSld>
+    <p:spTree>
+      <p:nvGrpSpPr>
+        <p:cNvPr id="1" name=""/>
+        <p:cNvGrpSpPr/>
+        <p:nvPr/>
+      </p:nvGrpSpPr>
+      <p:grpSpPr>
+        <a:xfrm>
+          <a:off x="0" y="0"/>
+          <a:ext cx="0" cy="0"/>
+          <a:chOff x="0" y="0"/>
+          <a:chExt cx="0" cy="0"/>
+        </a:xfrm>
+      </p:grpSpPr>
+      <p:sp>
+        <p:nvSpPr>
+          <p:cNvPr id="6" name="TextBox 5">
+            <a:extLst>
+              <a:ext uri="{FF2B5EF4-FFF2-40B4-BE49-F238E27FC236}">
+                <a16:creationId xmlns:a16="http://schemas.microsoft.com/office/drawing/2014/main" id="{9B7E9EF7-9A48-9236-48BE-C506A7ED34B6}"/>
+              </a:ext>
+            </a:extLst>
+          </p:cNvPr>
+          <p:cNvSpPr txBox="1"/>
+          <p:nvPr/>
+        </p:nvSpPr>
+        <p:spPr>
+          <a:xfrm>
+            <a:off x="7091265" y="3937516"/>
+            <a:ext cx="2351314" cy="646331"/>
+          </a:xfrm>
+          <a:prstGeom prst="rect">
+            <a:avLst/>
+          </a:prstGeom>
+          <a:noFill/>
+        </p:spPr>
+        <p:txBody>
+          <a:bodyPr wrap="square" rtlCol="0">
+            <a:spAutoFit/>
+          </a:bodyPr>
+          <a:lstStyle/>
+          <a:p>
+            <a:r>
+              <a:rPr lang="en-US" sz="3600" b="1" dirty="0">
+                <a:solidFill>
+                  <a:schemeClr val="bg1"/>
+                </a:solidFill>
+              </a:rPr>
+              <a:t>Master</a:t>
+            </a:r>
+          </a:p>
+        </p:txBody>
+      </p:sp>
+      <p:sp>
+        <p:nvSpPr>
+          <p:cNvPr id="9" name="TextBox 8">
+            <a:extLst>
+              <a:ext uri="{FF2B5EF4-FFF2-40B4-BE49-F238E27FC236}">
+                <a16:creationId xmlns:a16="http://schemas.microsoft.com/office/drawing/2014/main" id="{1A178001-BB54-176A-8C9F-DBD5C8E4923C}"/>
+              </a:ext>
+            </a:extLst>
+          </p:cNvPr>
+          <p:cNvSpPr txBox="1"/>
+          <p:nvPr/>
+        </p:nvSpPr>
+        <p:spPr>
+          <a:xfrm>
+            <a:off x="205273" y="154947"/>
+            <a:ext cx="4469363" cy="523220"/>
+          </a:xfrm>
+          <a:prstGeom prst="rect">
+            <a:avLst/>
+          </a:prstGeom>
+          <a:noFill/>
+        </p:spPr>
+        <p:txBody>
+          <a:bodyPr wrap="square" rtlCol="0">
+            <a:spAutoFit/>
+          </a:bodyPr>
+          <a:lstStyle/>
+          <a:p>
+            <a:r>
+              <a:rPr lang="en-US" sz="2800" b="1" dirty="0">
+                <a:solidFill>
+                  <a:srgbClr val="00B050"/>
+                </a:solidFill>
+              </a:rPr>
+              <a:t>Projection</a:t>
+            </a:r>
+          </a:p>
+        </p:txBody>
+      </p:sp>
+      <p:pic>
+        <p:nvPicPr>
+          <p:cNvPr id="4" name="Picture 3">
+            <a:extLst>
+              <a:ext uri="{FF2B5EF4-FFF2-40B4-BE49-F238E27FC236}">
+                <a16:creationId xmlns:a16="http://schemas.microsoft.com/office/drawing/2014/main" id="{C7973D5C-B6F7-FC09-1844-1D059B6D955B}"/>
+              </a:ext>
+            </a:extLst>
+          </p:cNvPr>
+          <p:cNvPicPr>
+            <a:picLocks noChangeAspect="1"/>
+          </p:cNvPicPr>
+          <p:nvPr/>
+        </p:nvPicPr>
+        <p:blipFill>
+          <a:blip r:embed="rId2"/>
+          <a:stretch>
+            <a:fillRect/>
+          </a:stretch>
+        </p:blipFill>
+        <p:spPr>
+          <a:xfrm>
+            <a:off x="468190" y="1293202"/>
+            <a:ext cx="10534650" cy="2038350"/>
+          </a:xfrm>
+          <a:prstGeom prst="rect">
+            <a:avLst/>
+          </a:prstGeom>
+        </p:spPr>
+      </p:pic>
+    </p:spTree>
+    <p:extLst>
+      <p:ext uri="{BB962C8B-B14F-4D97-AF65-F5344CB8AC3E}">
+        <p14:creationId xmlns:p14="http://schemas.microsoft.com/office/powerpoint/2010/main" val="1802470471"/>
+      </p:ext>
+    </p:extLst>
+  </p:cSld>
+  <p:clrMapOvr>
+    <a:masterClrMapping/>
+  </p:clrMapOvr>
+</p:sld>
+</file>
+
+<file path=ppt/slides/slide16.xml><?xml version="1.0" encoding="utf-8"?>
+<p:sld xmlns:a="http://schemas.openxmlformats.org/drawingml/2006/main" xmlns:r="http://schemas.openxmlformats.org/officeDocument/2006/relationships" xmlns:p="http://schemas.openxmlformats.org/presentationml/2006/main">
+  <p:cSld>
+    <p:spTree>
+      <p:nvGrpSpPr>
+        <p:cNvPr id="1" name=""/>
+        <p:cNvGrpSpPr/>
+        <p:nvPr/>
+      </p:nvGrpSpPr>
+      <p:grpSpPr>
+        <a:xfrm>
+          <a:off x="0" y="0"/>
+          <a:ext cx="0" cy="0"/>
+          <a:chOff x="0" y="0"/>
+          <a:chExt cx="0" cy="0"/>
+        </a:xfrm>
+      </p:grpSpPr>
+      <p:sp>
+        <p:nvSpPr>
+          <p:cNvPr id="6" name="TextBox 5">
+            <a:extLst>
+              <a:ext uri="{FF2B5EF4-FFF2-40B4-BE49-F238E27FC236}">
+                <a16:creationId xmlns:a16="http://schemas.microsoft.com/office/drawing/2014/main" id="{9B7E9EF7-9A48-9236-48BE-C506A7ED34B6}"/>
+              </a:ext>
+            </a:extLst>
+          </p:cNvPr>
+          <p:cNvSpPr txBox="1"/>
+          <p:nvPr/>
+        </p:nvSpPr>
+        <p:spPr>
+          <a:xfrm>
+            <a:off x="7091265" y="3937516"/>
+            <a:ext cx="2351314" cy="646331"/>
+          </a:xfrm>
+          <a:prstGeom prst="rect">
+            <a:avLst/>
+          </a:prstGeom>
+          <a:noFill/>
+        </p:spPr>
+        <p:txBody>
+          <a:bodyPr wrap="square" rtlCol="0">
+            <a:spAutoFit/>
+          </a:bodyPr>
+          <a:lstStyle/>
+          <a:p>
+            <a:r>
+              <a:rPr lang="en-US" sz="3600" b="1" dirty="0">
+                <a:solidFill>
+                  <a:schemeClr val="bg1"/>
+                </a:solidFill>
+              </a:rPr>
+              <a:t>Master</a:t>
+            </a:r>
+          </a:p>
+        </p:txBody>
+      </p:sp>
+      <p:sp>
+        <p:nvSpPr>
+          <p:cNvPr id="9" name="TextBox 8">
+            <a:extLst>
+              <a:ext uri="{FF2B5EF4-FFF2-40B4-BE49-F238E27FC236}">
+                <a16:creationId xmlns:a16="http://schemas.microsoft.com/office/drawing/2014/main" id="{1A178001-BB54-176A-8C9F-DBD5C8E4923C}"/>
+              </a:ext>
+            </a:extLst>
+          </p:cNvPr>
+          <p:cNvSpPr txBox="1"/>
+          <p:nvPr/>
+        </p:nvSpPr>
+        <p:spPr>
+          <a:xfrm>
+            <a:off x="205273" y="154947"/>
+            <a:ext cx="4469363" cy="523220"/>
+          </a:xfrm>
+          <a:prstGeom prst="rect">
+            <a:avLst/>
+          </a:prstGeom>
+          <a:noFill/>
+        </p:spPr>
+        <p:txBody>
+          <a:bodyPr wrap="square" rtlCol="0">
+            <a:spAutoFit/>
+          </a:bodyPr>
+          <a:lstStyle/>
+          <a:p>
+            <a:r>
+              <a:rPr lang="en-US" sz="2800" b="1" dirty="0">
+                <a:solidFill>
+                  <a:srgbClr val="00B050"/>
+                </a:solidFill>
+              </a:rPr>
+              <a:t>Find SKIP With LIMIT</a:t>
+            </a:r>
+          </a:p>
+        </p:txBody>
+      </p:sp>
+      <p:pic>
+        <p:nvPicPr>
+          <p:cNvPr id="3" name="Picture 2">
+            <a:extLst>
+              <a:ext uri="{FF2B5EF4-FFF2-40B4-BE49-F238E27FC236}">
+                <a16:creationId xmlns:a16="http://schemas.microsoft.com/office/drawing/2014/main" id="{3B4A138B-6515-42F0-4EB9-667BA928D9B6}"/>
+              </a:ext>
+            </a:extLst>
+          </p:cNvPr>
+          <p:cNvPicPr>
+            <a:picLocks noChangeAspect="1"/>
+          </p:cNvPicPr>
+          <p:nvPr/>
+        </p:nvPicPr>
+        <p:blipFill>
+          <a:blip r:embed="rId2"/>
+          <a:stretch>
+            <a:fillRect/>
+          </a:stretch>
+        </p:blipFill>
+        <p:spPr>
+          <a:xfrm>
+            <a:off x="526498" y="1051441"/>
+            <a:ext cx="8296275" cy="2886075"/>
+          </a:xfrm>
+          <a:prstGeom prst="rect">
+            <a:avLst/>
+          </a:prstGeom>
+        </p:spPr>
+      </p:pic>
+    </p:spTree>
+    <p:extLst>
+      <p:ext uri="{BB962C8B-B14F-4D97-AF65-F5344CB8AC3E}">
+        <p14:creationId xmlns:p14="http://schemas.microsoft.com/office/powerpoint/2010/main" val="1666939748"/>
+      </p:ext>
+    </p:extLst>
+  </p:cSld>
+  <p:clrMapOvr>
+    <a:masterClrMapping/>
+  </p:clrMapOvr>
+</p:sld>
+</file>
+
+<file path=ppt/slides/slide17.xml><?xml version="1.0" encoding="utf-8"?>
+<p:sld xmlns:a="http://schemas.openxmlformats.org/drawingml/2006/main" xmlns:r="http://schemas.openxmlformats.org/officeDocument/2006/relationships" xmlns:p="http://schemas.openxmlformats.org/presentationml/2006/main">
+  <p:cSld>
+    <p:spTree>
+      <p:nvGrpSpPr>
+        <p:cNvPr id="1" name=""/>
+        <p:cNvGrpSpPr/>
+        <p:nvPr/>
+      </p:nvGrpSpPr>
+      <p:grpSpPr>
+        <a:xfrm>
+          <a:off x="0" y="0"/>
+          <a:ext cx="0" cy="0"/>
+          <a:chOff x="0" y="0"/>
+          <a:chExt cx="0" cy="0"/>
+        </a:xfrm>
+      </p:grpSpPr>
+      <p:sp>
+        <p:nvSpPr>
+          <p:cNvPr id="6" name="TextBox 5">
+            <a:extLst>
+              <a:ext uri="{FF2B5EF4-FFF2-40B4-BE49-F238E27FC236}">
+                <a16:creationId xmlns:a16="http://schemas.microsoft.com/office/drawing/2014/main" id="{9B7E9EF7-9A48-9236-48BE-C506A7ED34B6}"/>
+              </a:ext>
+            </a:extLst>
+          </p:cNvPr>
+          <p:cNvSpPr txBox="1"/>
+          <p:nvPr/>
+        </p:nvSpPr>
+        <p:spPr>
+          <a:xfrm>
+            <a:off x="7091265" y="3937516"/>
+            <a:ext cx="2351314" cy="646331"/>
+          </a:xfrm>
+          <a:prstGeom prst="rect">
+            <a:avLst/>
+          </a:prstGeom>
+          <a:noFill/>
+        </p:spPr>
+        <p:txBody>
+          <a:bodyPr wrap="square" rtlCol="0">
+            <a:spAutoFit/>
+          </a:bodyPr>
+          <a:lstStyle/>
+          <a:p>
+            <a:r>
+              <a:rPr lang="en-US" sz="3600" b="1" dirty="0">
+                <a:solidFill>
+                  <a:schemeClr val="bg1"/>
+                </a:solidFill>
+              </a:rPr>
+              <a:t>Master</a:t>
+            </a:r>
+          </a:p>
+        </p:txBody>
+      </p:sp>
+      <p:sp>
+        <p:nvSpPr>
+          <p:cNvPr id="9" name="TextBox 8">
+            <a:extLst>
+              <a:ext uri="{FF2B5EF4-FFF2-40B4-BE49-F238E27FC236}">
+                <a16:creationId xmlns:a16="http://schemas.microsoft.com/office/drawing/2014/main" id="{1A178001-BB54-176A-8C9F-DBD5C8E4923C}"/>
+              </a:ext>
+            </a:extLst>
+          </p:cNvPr>
+          <p:cNvSpPr txBox="1"/>
+          <p:nvPr/>
+        </p:nvSpPr>
+        <p:spPr>
+          <a:xfrm>
+            <a:off x="205273" y="154947"/>
+            <a:ext cx="4469363" cy="523220"/>
+          </a:xfrm>
+          <a:prstGeom prst="rect">
+            <a:avLst/>
+          </a:prstGeom>
+          <a:noFill/>
+        </p:spPr>
+        <p:txBody>
+          <a:bodyPr wrap="square" rtlCol="0">
+            <a:spAutoFit/>
+          </a:bodyPr>
+          <a:lstStyle/>
+          <a:p>
+            <a:r>
+              <a:rPr lang="en-US" sz="2800" b="1" dirty="0">
+                <a:solidFill>
+                  <a:srgbClr val="00B050"/>
+                </a:solidFill>
+              </a:rPr>
+              <a:t>Group By</a:t>
+            </a:r>
+          </a:p>
+        </p:txBody>
+      </p:sp>
+      <p:pic>
+        <p:nvPicPr>
+          <p:cNvPr id="4" name="Picture 3">
+            <a:extLst>
+              <a:ext uri="{FF2B5EF4-FFF2-40B4-BE49-F238E27FC236}">
+                <a16:creationId xmlns:a16="http://schemas.microsoft.com/office/drawing/2014/main" id="{96DC11D7-7825-1FBE-335F-B1FB80B276ED}"/>
+              </a:ext>
+            </a:extLst>
+          </p:cNvPr>
+          <p:cNvPicPr>
+            <a:picLocks noChangeAspect="1"/>
+          </p:cNvPicPr>
+          <p:nvPr/>
+        </p:nvPicPr>
+        <p:blipFill>
+          <a:blip r:embed="rId2"/>
+          <a:stretch>
+            <a:fillRect/>
+          </a:stretch>
+        </p:blipFill>
+        <p:spPr>
+          <a:xfrm>
+            <a:off x="478814" y="1542317"/>
+            <a:ext cx="6943725" cy="1323975"/>
+          </a:xfrm>
+          <a:prstGeom prst="rect">
+            <a:avLst/>
+          </a:prstGeom>
+        </p:spPr>
+      </p:pic>
+    </p:spTree>
+    <p:extLst>
+      <p:ext uri="{BB962C8B-B14F-4D97-AF65-F5344CB8AC3E}">
+        <p14:creationId xmlns:p14="http://schemas.microsoft.com/office/powerpoint/2010/main" val="344833945"/>
+      </p:ext>
+    </p:extLst>
+  </p:cSld>
+  <p:clrMapOvr>
+    <a:masterClrMapping/>
+  </p:clrMapOvr>
+</p:sld>
+</file>
+
+<file path=ppt/slides/slide18.xml><?xml version="1.0" encoding="utf-8"?>
+<p:sld xmlns:a="http://schemas.openxmlformats.org/drawingml/2006/main" xmlns:r="http://schemas.openxmlformats.org/officeDocument/2006/relationships" xmlns:p="http://schemas.openxmlformats.org/presentationml/2006/main">
+  <p:cSld>
+    <p:spTree>
+      <p:nvGrpSpPr>
+        <p:cNvPr id="1" name=""/>
+        <p:cNvGrpSpPr/>
+        <p:nvPr/>
+      </p:nvGrpSpPr>
+      <p:grpSpPr>
+        <a:xfrm>
+          <a:off x="0" y="0"/>
+          <a:ext cx="0" cy="0"/>
+          <a:chOff x="0" y="0"/>
+          <a:chExt cx="0" cy="0"/>
+        </a:xfrm>
+      </p:grpSpPr>
+      <p:sp>
+        <p:nvSpPr>
+          <p:cNvPr id="6" name="TextBox 5">
+            <a:extLst>
+              <a:ext uri="{FF2B5EF4-FFF2-40B4-BE49-F238E27FC236}">
+                <a16:creationId xmlns:a16="http://schemas.microsoft.com/office/drawing/2014/main" id="{9B7E9EF7-9A48-9236-48BE-C506A7ED34B6}"/>
+              </a:ext>
+            </a:extLst>
+          </p:cNvPr>
+          <p:cNvSpPr txBox="1"/>
+          <p:nvPr/>
+        </p:nvSpPr>
+        <p:spPr>
+          <a:xfrm>
+            <a:off x="7091265" y="3937516"/>
+            <a:ext cx="2351314" cy="646331"/>
+          </a:xfrm>
+          <a:prstGeom prst="rect">
+            <a:avLst/>
+          </a:prstGeom>
+          <a:noFill/>
+        </p:spPr>
+        <p:txBody>
+          <a:bodyPr wrap="square" rtlCol="0">
+            <a:spAutoFit/>
+          </a:bodyPr>
+          <a:lstStyle/>
+          <a:p>
+            <a:r>
+              <a:rPr lang="en-US" sz="3600" b="1" dirty="0">
+                <a:solidFill>
+                  <a:schemeClr val="bg1"/>
+                </a:solidFill>
+              </a:rPr>
+              <a:t>Master</a:t>
+            </a:r>
+          </a:p>
+        </p:txBody>
+      </p:sp>
+      <p:sp>
+        <p:nvSpPr>
+          <p:cNvPr id="9" name="TextBox 8">
+            <a:extLst>
+              <a:ext uri="{FF2B5EF4-FFF2-40B4-BE49-F238E27FC236}">
+                <a16:creationId xmlns:a16="http://schemas.microsoft.com/office/drawing/2014/main" id="{1A178001-BB54-176A-8C9F-DBD5C8E4923C}"/>
+              </a:ext>
+            </a:extLst>
+          </p:cNvPr>
+          <p:cNvSpPr txBox="1"/>
+          <p:nvPr/>
+        </p:nvSpPr>
+        <p:spPr>
+          <a:xfrm>
+            <a:off x="205273" y="154947"/>
+            <a:ext cx="4469363" cy="523220"/>
+          </a:xfrm>
+          <a:prstGeom prst="rect">
+            <a:avLst/>
+          </a:prstGeom>
+          <a:noFill/>
+        </p:spPr>
+        <p:txBody>
+          <a:bodyPr wrap="square" rtlCol="0">
+            <a:spAutoFit/>
+          </a:bodyPr>
+          <a:lstStyle/>
+          <a:p>
+            <a:r>
+              <a:rPr lang="en-US" sz="2800" b="1" dirty="0">
+                <a:solidFill>
+                  <a:srgbClr val="00B050"/>
+                </a:solidFill>
+              </a:rPr>
+              <a:t>Group By SUM</a:t>
+            </a:r>
+          </a:p>
+        </p:txBody>
+      </p:sp>
+      <p:pic>
+        <p:nvPicPr>
+          <p:cNvPr id="3" name="Picture 2">
+            <a:extLst>
+              <a:ext uri="{FF2B5EF4-FFF2-40B4-BE49-F238E27FC236}">
+                <a16:creationId xmlns:a16="http://schemas.microsoft.com/office/drawing/2014/main" id="{CCCF2E42-8602-4EF9-07A9-AB576A70324A}"/>
+              </a:ext>
+            </a:extLst>
+          </p:cNvPr>
+          <p:cNvPicPr>
+            <a:picLocks noChangeAspect="1"/>
+          </p:cNvPicPr>
+          <p:nvPr/>
+        </p:nvPicPr>
+        <p:blipFill>
+          <a:blip r:embed="rId2"/>
+          <a:stretch>
+            <a:fillRect/>
+          </a:stretch>
+        </p:blipFill>
+        <p:spPr>
+          <a:xfrm>
+            <a:off x="360484" y="1136405"/>
+            <a:ext cx="11245362" cy="1296865"/>
+          </a:xfrm>
+          <a:prstGeom prst="rect">
+            <a:avLst/>
+          </a:prstGeom>
+        </p:spPr>
+      </p:pic>
+    </p:spTree>
+    <p:extLst>
+      <p:ext uri="{BB962C8B-B14F-4D97-AF65-F5344CB8AC3E}">
+        <p14:creationId xmlns:p14="http://schemas.microsoft.com/office/powerpoint/2010/main" val="3193447870"/>
+      </p:ext>
+    </p:extLst>
+  </p:cSld>
+  <p:clrMapOvr>
+    <a:masterClrMapping/>
+  </p:clrMapOvr>
+</p:sld>
+</file>
+
+<file path=ppt/slides/slide19.xml><?xml version="1.0" encoding="utf-8"?>
+<p:sld xmlns:a="http://schemas.openxmlformats.org/drawingml/2006/main" xmlns:r="http://schemas.openxmlformats.org/officeDocument/2006/relationships" xmlns:p="http://schemas.openxmlformats.org/presentationml/2006/main">
+  <p:cSld>
+    <p:spTree>
+      <p:nvGrpSpPr>
+        <p:cNvPr id="1" name=""/>
+        <p:cNvGrpSpPr/>
+        <p:nvPr/>
+      </p:nvGrpSpPr>
+      <p:grpSpPr>
+        <a:xfrm>
+          <a:off x="0" y="0"/>
+          <a:ext cx="0" cy="0"/>
+          <a:chOff x="0" y="0"/>
+          <a:chExt cx="0" cy="0"/>
+        </a:xfrm>
+      </p:grpSpPr>
+      <p:sp>
+        <p:nvSpPr>
+          <p:cNvPr id="6" name="TextBox 5">
+            <a:extLst>
+              <a:ext uri="{FF2B5EF4-FFF2-40B4-BE49-F238E27FC236}">
+                <a16:creationId xmlns:a16="http://schemas.microsoft.com/office/drawing/2014/main" id="{9B7E9EF7-9A48-9236-48BE-C506A7ED34B6}"/>
+              </a:ext>
+            </a:extLst>
+          </p:cNvPr>
+          <p:cNvSpPr txBox="1"/>
+          <p:nvPr/>
+        </p:nvSpPr>
+        <p:spPr>
+          <a:xfrm>
+            <a:off x="7091265" y="3937516"/>
+            <a:ext cx="2351314" cy="646331"/>
+          </a:xfrm>
+          <a:prstGeom prst="rect">
+            <a:avLst/>
+          </a:prstGeom>
+          <a:noFill/>
+        </p:spPr>
+        <p:txBody>
+          <a:bodyPr wrap="square" rtlCol="0">
+            <a:spAutoFit/>
+          </a:bodyPr>
+          <a:lstStyle/>
+          <a:p>
+            <a:r>
+              <a:rPr lang="en-US" sz="3600" b="1" dirty="0">
+                <a:solidFill>
+                  <a:schemeClr val="bg1"/>
+                </a:solidFill>
+              </a:rPr>
+              <a:t>Master</a:t>
+            </a:r>
+          </a:p>
+        </p:txBody>
+      </p:sp>
+      <p:sp>
+        <p:nvSpPr>
+          <p:cNvPr id="9" name="TextBox 8">
+            <a:extLst>
+              <a:ext uri="{FF2B5EF4-FFF2-40B4-BE49-F238E27FC236}">
+                <a16:creationId xmlns:a16="http://schemas.microsoft.com/office/drawing/2014/main" id="{1A178001-BB54-176A-8C9F-DBD5C8E4923C}"/>
+              </a:ext>
+            </a:extLst>
+          </p:cNvPr>
+          <p:cNvSpPr txBox="1"/>
+          <p:nvPr/>
+        </p:nvSpPr>
+        <p:spPr>
+          <a:xfrm>
+            <a:off x="205273" y="154947"/>
+            <a:ext cx="4469363" cy="523220"/>
+          </a:xfrm>
+          <a:prstGeom prst="rect">
+            <a:avLst/>
+          </a:prstGeom>
+          <a:noFill/>
+        </p:spPr>
+        <p:txBody>
+          <a:bodyPr wrap="square" rtlCol="0">
+            <a:spAutoFit/>
+          </a:bodyPr>
+          <a:lstStyle/>
+          <a:p>
+            <a:r>
+              <a:rPr lang="en-US" sz="2800" b="1" dirty="0">
+                <a:solidFill>
+                  <a:srgbClr val="00B050"/>
+                </a:solidFill>
+              </a:rPr>
+              <a:t>Group By Avg</a:t>
+            </a:r>
+          </a:p>
+        </p:txBody>
+      </p:sp>
+      <p:pic>
+        <p:nvPicPr>
+          <p:cNvPr id="4" name="Picture 3">
+            <a:extLst>
+              <a:ext uri="{FF2B5EF4-FFF2-40B4-BE49-F238E27FC236}">
+                <a16:creationId xmlns:a16="http://schemas.microsoft.com/office/drawing/2014/main" id="{75E3756F-5F3F-0BB8-6355-CC67DA12574D}"/>
+              </a:ext>
+            </a:extLst>
+          </p:cNvPr>
+          <p:cNvPicPr>
+            <a:picLocks noChangeAspect="1"/>
+          </p:cNvPicPr>
+          <p:nvPr/>
+        </p:nvPicPr>
+        <p:blipFill>
+          <a:blip r:embed="rId2"/>
+          <a:stretch>
+            <a:fillRect/>
+          </a:stretch>
+        </p:blipFill>
+        <p:spPr>
+          <a:xfrm>
+            <a:off x="497132" y="1433512"/>
+            <a:ext cx="9896475" cy="1019175"/>
+          </a:xfrm>
+          <a:prstGeom prst="rect">
+            <a:avLst/>
+          </a:prstGeom>
+        </p:spPr>
+      </p:pic>
+    </p:spTree>
+    <p:extLst>
+      <p:ext uri="{BB962C8B-B14F-4D97-AF65-F5344CB8AC3E}">
+        <p14:creationId xmlns:p14="http://schemas.microsoft.com/office/powerpoint/2010/main" val="820503170"/>
       </p:ext>
     </p:extLst>
   </p:cSld>
@@ -4688,6 +5398,2052 @@
 </p:sld>
 </file>
 
+<file path=ppt/slides/slide20.xml><?xml version="1.0" encoding="utf-8"?>
+<p:sld xmlns:a="http://schemas.openxmlformats.org/drawingml/2006/main" xmlns:r="http://schemas.openxmlformats.org/officeDocument/2006/relationships" xmlns:p="http://schemas.openxmlformats.org/presentationml/2006/main">
+  <p:cSld>
+    <p:spTree>
+      <p:nvGrpSpPr>
+        <p:cNvPr id="1" name=""/>
+        <p:cNvGrpSpPr/>
+        <p:nvPr/>
+      </p:nvGrpSpPr>
+      <p:grpSpPr>
+        <a:xfrm>
+          <a:off x="0" y="0"/>
+          <a:ext cx="0" cy="0"/>
+          <a:chOff x="0" y="0"/>
+          <a:chExt cx="0" cy="0"/>
+        </a:xfrm>
+      </p:grpSpPr>
+      <p:sp>
+        <p:nvSpPr>
+          <p:cNvPr id="6" name="TextBox 5">
+            <a:extLst>
+              <a:ext uri="{FF2B5EF4-FFF2-40B4-BE49-F238E27FC236}">
+                <a16:creationId xmlns:a16="http://schemas.microsoft.com/office/drawing/2014/main" id="{9B7E9EF7-9A48-9236-48BE-C506A7ED34B6}"/>
+              </a:ext>
+            </a:extLst>
+          </p:cNvPr>
+          <p:cNvSpPr txBox="1"/>
+          <p:nvPr/>
+        </p:nvSpPr>
+        <p:spPr>
+          <a:xfrm>
+            <a:off x="7091265" y="3937516"/>
+            <a:ext cx="2351314" cy="646331"/>
+          </a:xfrm>
+          <a:prstGeom prst="rect">
+            <a:avLst/>
+          </a:prstGeom>
+          <a:noFill/>
+        </p:spPr>
+        <p:txBody>
+          <a:bodyPr wrap="square" rtlCol="0">
+            <a:spAutoFit/>
+          </a:bodyPr>
+          <a:lstStyle/>
+          <a:p>
+            <a:r>
+              <a:rPr lang="en-US" sz="3600" b="1" dirty="0">
+                <a:solidFill>
+                  <a:schemeClr val="bg1"/>
+                </a:solidFill>
+              </a:rPr>
+              <a:t>Master</a:t>
+            </a:r>
+          </a:p>
+        </p:txBody>
+      </p:sp>
+      <p:sp>
+        <p:nvSpPr>
+          <p:cNvPr id="9" name="TextBox 8">
+            <a:extLst>
+              <a:ext uri="{FF2B5EF4-FFF2-40B4-BE49-F238E27FC236}">
+                <a16:creationId xmlns:a16="http://schemas.microsoft.com/office/drawing/2014/main" id="{1A178001-BB54-176A-8C9F-DBD5C8E4923C}"/>
+              </a:ext>
+            </a:extLst>
+          </p:cNvPr>
+          <p:cNvSpPr txBox="1"/>
+          <p:nvPr/>
+        </p:nvSpPr>
+        <p:spPr>
+          <a:xfrm>
+            <a:off x="205273" y="154947"/>
+            <a:ext cx="4469363" cy="523220"/>
+          </a:xfrm>
+          <a:prstGeom prst="rect">
+            <a:avLst/>
+          </a:prstGeom>
+          <a:noFill/>
+        </p:spPr>
+        <p:txBody>
+          <a:bodyPr wrap="square" rtlCol="0">
+            <a:spAutoFit/>
+          </a:bodyPr>
+          <a:lstStyle/>
+          <a:p>
+            <a:r>
+              <a:rPr lang="en-US" sz="2800" b="1" dirty="0">
+                <a:solidFill>
+                  <a:srgbClr val="00B050"/>
+                </a:solidFill>
+              </a:rPr>
+              <a:t>Group By Max Min</a:t>
+            </a:r>
+          </a:p>
+        </p:txBody>
+      </p:sp>
+      <p:pic>
+        <p:nvPicPr>
+          <p:cNvPr id="3" name="Picture 2">
+            <a:extLst>
+              <a:ext uri="{FF2B5EF4-FFF2-40B4-BE49-F238E27FC236}">
+                <a16:creationId xmlns:a16="http://schemas.microsoft.com/office/drawing/2014/main" id="{5DE1CB15-65A9-ED34-A5FE-35F24B0D76ED}"/>
+              </a:ext>
+            </a:extLst>
+          </p:cNvPr>
+          <p:cNvPicPr>
+            <a:picLocks noChangeAspect="1"/>
+          </p:cNvPicPr>
+          <p:nvPr/>
+        </p:nvPicPr>
+        <p:blipFill>
+          <a:blip r:embed="rId2"/>
+          <a:stretch>
+            <a:fillRect/>
+          </a:stretch>
+        </p:blipFill>
+        <p:spPr>
+          <a:xfrm>
+            <a:off x="408110" y="1393656"/>
+            <a:ext cx="10496550" cy="2867025"/>
+          </a:xfrm>
+          <a:prstGeom prst="rect">
+            <a:avLst/>
+          </a:prstGeom>
+        </p:spPr>
+      </p:pic>
+    </p:spTree>
+    <p:extLst>
+      <p:ext uri="{BB962C8B-B14F-4D97-AF65-F5344CB8AC3E}">
+        <p14:creationId xmlns:p14="http://schemas.microsoft.com/office/powerpoint/2010/main" val="2240213762"/>
+      </p:ext>
+    </p:extLst>
+  </p:cSld>
+  <p:clrMapOvr>
+    <a:masterClrMapping/>
+  </p:clrMapOvr>
+</p:sld>
+</file>
+
+<file path=ppt/slides/slide21.xml><?xml version="1.0" encoding="utf-8"?>
+<p:sld xmlns:a="http://schemas.openxmlformats.org/drawingml/2006/main" xmlns:r="http://schemas.openxmlformats.org/officeDocument/2006/relationships" xmlns:p="http://schemas.openxmlformats.org/presentationml/2006/main">
+  <p:cSld>
+    <p:spTree>
+      <p:nvGrpSpPr>
+        <p:cNvPr id="1" name=""/>
+        <p:cNvGrpSpPr/>
+        <p:nvPr/>
+      </p:nvGrpSpPr>
+      <p:grpSpPr>
+        <a:xfrm>
+          <a:off x="0" y="0"/>
+          <a:ext cx="0" cy="0"/>
+          <a:chOff x="0" y="0"/>
+          <a:chExt cx="0" cy="0"/>
+        </a:xfrm>
+      </p:grpSpPr>
+      <p:sp>
+        <p:nvSpPr>
+          <p:cNvPr id="6" name="TextBox 5">
+            <a:extLst>
+              <a:ext uri="{FF2B5EF4-FFF2-40B4-BE49-F238E27FC236}">
+                <a16:creationId xmlns:a16="http://schemas.microsoft.com/office/drawing/2014/main" id="{9B7E9EF7-9A48-9236-48BE-C506A7ED34B6}"/>
+              </a:ext>
+            </a:extLst>
+          </p:cNvPr>
+          <p:cNvSpPr txBox="1"/>
+          <p:nvPr/>
+        </p:nvSpPr>
+        <p:spPr>
+          <a:xfrm>
+            <a:off x="7091265" y="3937516"/>
+            <a:ext cx="2351314" cy="646331"/>
+          </a:xfrm>
+          <a:prstGeom prst="rect">
+            <a:avLst/>
+          </a:prstGeom>
+          <a:noFill/>
+        </p:spPr>
+        <p:txBody>
+          <a:bodyPr wrap="square" rtlCol="0">
+            <a:spAutoFit/>
+          </a:bodyPr>
+          <a:lstStyle/>
+          <a:p>
+            <a:r>
+              <a:rPr lang="en-US" sz="3600" b="1" dirty="0">
+                <a:solidFill>
+                  <a:schemeClr val="bg1"/>
+                </a:solidFill>
+              </a:rPr>
+              <a:t>Master</a:t>
+            </a:r>
+          </a:p>
+        </p:txBody>
+      </p:sp>
+      <p:sp>
+        <p:nvSpPr>
+          <p:cNvPr id="9" name="TextBox 8">
+            <a:extLst>
+              <a:ext uri="{FF2B5EF4-FFF2-40B4-BE49-F238E27FC236}">
+                <a16:creationId xmlns:a16="http://schemas.microsoft.com/office/drawing/2014/main" id="{1A178001-BB54-176A-8C9F-DBD5C8E4923C}"/>
+              </a:ext>
+            </a:extLst>
+          </p:cNvPr>
+          <p:cNvSpPr txBox="1"/>
+          <p:nvPr/>
+        </p:nvSpPr>
+        <p:spPr>
+          <a:xfrm>
+            <a:off x="205273" y="154947"/>
+            <a:ext cx="6591181" cy="523220"/>
+          </a:xfrm>
+          <a:prstGeom prst="rect">
+            <a:avLst/>
+          </a:prstGeom>
+          <a:noFill/>
+        </p:spPr>
+        <p:txBody>
+          <a:bodyPr wrap="square" rtlCol="0">
+            <a:spAutoFit/>
+          </a:bodyPr>
+          <a:lstStyle/>
+          <a:p>
+            <a:r>
+              <a:rPr lang="en-US" sz="2800" b="1" dirty="0">
+                <a:solidFill>
+                  <a:srgbClr val="00B050"/>
+                </a:solidFill>
+              </a:rPr>
+              <a:t>Without Group By SUM /AVG /Max/ Min</a:t>
+            </a:r>
+          </a:p>
+        </p:txBody>
+      </p:sp>
+      <p:pic>
+        <p:nvPicPr>
+          <p:cNvPr id="4" name="Picture 3">
+            <a:extLst>
+              <a:ext uri="{FF2B5EF4-FFF2-40B4-BE49-F238E27FC236}">
+                <a16:creationId xmlns:a16="http://schemas.microsoft.com/office/drawing/2014/main" id="{C1797479-83C1-0199-0168-A1935846CD95}"/>
+              </a:ext>
+            </a:extLst>
+          </p:cNvPr>
+          <p:cNvPicPr>
+            <a:picLocks noChangeAspect="1"/>
+          </p:cNvPicPr>
+          <p:nvPr/>
+        </p:nvPicPr>
+        <p:blipFill>
+          <a:blip r:embed="rId2"/>
+          <a:stretch>
+            <a:fillRect/>
+          </a:stretch>
+        </p:blipFill>
+        <p:spPr>
+          <a:xfrm>
+            <a:off x="496033" y="1351450"/>
+            <a:ext cx="9582150" cy="1323975"/>
+          </a:xfrm>
+          <a:prstGeom prst="rect">
+            <a:avLst/>
+          </a:prstGeom>
+        </p:spPr>
+      </p:pic>
+      <p:pic>
+        <p:nvPicPr>
+          <p:cNvPr id="7" name="Picture 6">
+            <a:extLst>
+              <a:ext uri="{FF2B5EF4-FFF2-40B4-BE49-F238E27FC236}">
+                <a16:creationId xmlns:a16="http://schemas.microsoft.com/office/drawing/2014/main" id="{C4B8B7CC-A33B-380F-3DF5-623A3EBB3730}"/>
+              </a:ext>
+            </a:extLst>
+          </p:cNvPr>
+          <p:cNvPicPr>
+            <a:picLocks noChangeAspect="1"/>
+          </p:cNvPicPr>
+          <p:nvPr/>
+        </p:nvPicPr>
+        <p:blipFill>
+          <a:blip r:embed="rId3"/>
+          <a:stretch>
+            <a:fillRect/>
+          </a:stretch>
+        </p:blipFill>
+        <p:spPr>
+          <a:xfrm>
+            <a:off x="538261" y="2920484"/>
+            <a:ext cx="9124950" cy="1190625"/>
+          </a:xfrm>
+          <a:prstGeom prst="rect">
+            <a:avLst/>
+          </a:prstGeom>
+        </p:spPr>
+      </p:pic>
+      <p:pic>
+        <p:nvPicPr>
+          <p:cNvPr id="10" name="Picture 9">
+            <a:extLst>
+              <a:ext uri="{FF2B5EF4-FFF2-40B4-BE49-F238E27FC236}">
+                <a16:creationId xmlns:a16="http://schemas.microsoft.com/office/drawing/2014/main" id="{C448918D-6841-C85F-75A7-78BA1EBC5C58}"/>
+              </a:ext>
+            </a:extLst>
+          </p:cNvPr>
+          <p:cNvPicPr>
+            <a:picLocks noChangeAspect="1"/>
+          </p:cNvPicPr>
+          <p:nvPr/>
+        </p:nvPicPr>
+        <p:blipFill>
+          <a:blip r:embed="rId4"/>
+          <a:stretch>
+            <a:fillRect/>
+          </a:stretch>
+        </p:blipFill>
+        <p:spPr>
+          <a:xfrm>
+            <a:off x="657958" y="4660656"/>
+            <a:ext cx="9420225" cy="1123950"/>
+          </a:xfrm>
+          <a:prstGeom prst="rect">
+            <a:avLst/>
+          </a:prstGeom>
+        </p:spPr>
+      </p:pic>
+    </p:spTree>
+    <p:extLst>
+      <p:ext uri="{BB962C8B-B14F-4D97-AF65-F5344CB8AC3E}">
+        <p14:creationId xmlns:p14="http://schemas.microsoft.com/office/powerpoint/2010/main" val="1240078695"/>
+      </p:ext>
+    </p:extLst>
+  </p:cSld>
+  <p:clrMapOvr>
+    <a:masterClrMapping/>
+  </p:clrMapOvr>
+</p:sld>
+</file>
+
+<file path=ppt/slides/slide22.xml><?xml version="1.0" encoding="utf-8"?>
+<p:sld xmlns:a="http://schemas.openxmlformats.org/drawingml/2006/main" xmlns:r="http://schemas.openxmlformats.org/officeDocument/2006/relationships" xmlns:p="http://schemas.openxmlformats.org/presentationml/2006/main">
+  <p:cSld>
+    <p:spTree>
+      <p:nvGrpSpPr>
+        <p:cNvPr id="1" name=""/>
+        <p:cNvGrpSpPr/>
+        <p:nvPr/>
+      </p:nvGrpSpPr>
+      <p:grpSpPr>
+        <a:xfrm>
+          <a:off x="0" y="0"/>
+          <a:ext cx="0" cy="0"/>
+          <a:chOff x="0" y="0"/>
+          <a:chExt cx="0" cy="0"/>
+        </a:xfrm>
+      </p:grpSpPr>
+      <p:sp>
+        <p:nvSpPr>
+          <p:cNvPr id="6" name="TextBox 5">
+            <a:extLst>
+              <a:ext uri="{FF2B5EF4-FFF2-40B4-BE49-F238E27FC236}">
+                <a16:creationId xmlns:a16="http://schemas.microsoft.com/office/drawing/2014/main" id="{9B7E9EF7-9A48-9236-48BE-C506A7ED34B6}"/>
+              </a:ext>
+            </a:extLst>
+          </p:cNvPr>
+          <p:cNvSpPr txBox="1"/>
+          <p:nvPr/>
+        </p:nvSpPr>
+        <p:spPr>
+          <a:xfrm>
+            <a:off x="7091265" y="3937516"/>
+            <a:ext cx="2351314" cy="646331"/>
+          </a:xfrm>
+          <a:prstGeom prst="rect">
+            <a:avLst/>
+          </a:prstGeom>
+          <a:noFill/>
+        </p:spPr>
+        <p:txBody>
+          <a:bodyPr wrap="square" rtlCol="0">
+            <a:spAutoFit/>
+          </a:bodyPr>
+          <a:lstStyle/>
+          <a:p>
+            <a:r>
+              <a:rPr lang="en-US" sz="3600" b="1" dirty="0">
+                <a:solidFill>
+                  <a:schemeClr val="bg1"/>
+                </a:solidFill>
+              </a:rPr>
+              <a:t>Master</a:t>
+            </a:r>
+          </a:p>
+        </p:txBody>
+      </p:sp>
+      <p:sp>
+        <p:nvSpPr>
+          <p:cNvPr id="9" name="TextBox 8">
+            <a:extLst>
+              <a:ext uri="{FF2B5EF4-FFF2-40B4-BE49-F238E27FC236}">
+                <a16:creationId xmlns:a16="http://schemas.microsoft.com/office/drawing/2014/main" id="{1A178001-BB54-176A-8C9F-DBD5C8E4923C}"/>
+              </a:ext>
+            </a:extLst>
+          </p:cNvPr>
+          <p:cNvSpPr txBox="1"/>
+          <p:nvPr/>
+        </p:nvSpPr>
+        <p:spPr>
+          <a:xfrm>
+            <a:off x="205273" y="154947"/>
+            <a:ext cx="6591181" cy="523220"/>
+          </a:xfrm>
+          <a:prstGeom prst="rect">
+            <a:avLst/>
+          </a:prstGeom>
+          <a:noFill/>
+        </p:spPr>
+        <p:txBody>
+          <a:bodyPr wrap="square" rtlCol="0">
+            <a:spAutoFit/>
+          </a:bodyPr>
+          <a:lstStyle/>
+          <a:p>
+            <a:r>
+              <a:rPr lang="en-US" sz="2800" b="1" dirty="0">
+                <a:solidFill>
+                  <a:srgbClr val="00B050"/>
+                </a:solidFill>
+              </a:rPr>
+              <a:t>Group By Multiple</a:t>
+            </a:r>
+          </a:p>
+        </p:txBody>
+      </p:sp>
+      <p:pic>
+        <p:nvPicPr>
+          <p:cNvPr id="3" name="Picture 2">
+            <a:extLst>
+              <a:ext uri="{FF2B5EF4-FFF2-40B4-BE49-F238E27FC236}">
+                <a16:creationId xmlns:a16="http://schemas.microsoft.com/office/drawing/2014/main" id="{CCB60B2E-BBAA-957B-20AB-5E92A3BF25D5}"/>
+              </a:ext>
+            </a:extLst>
+          </p:cNvPr>
+          <p:cNvPicPr>
+            <a:picLocks noChangeAspect="1"/>
+          </p:cNvPicPr>
+          <p:nvPr/>
+        </p:nvPicPr>
+        <p:blipFill>
+          <a:blip r:embed="rId2"/>
+          <a:stretch>
+            <a:fillRect/>
+          </a:stretch>
+        </p:blipFill>
+        <p:spPr>
+          <a:xfrm>
+            <a:off x="548054" y="1500187"/>
+            <a:ext cx="10515600" cy="1114425"/>
+          </a:xfrm>
+          <a:prstGeom prst="rect">
+            <a:avLst/>
+          </a:prstGeom>
+        </p:spPr>
+      </p:pic>
+    </p:spTree>
+    <p:extLst>
+      <p:ext uri="{BB962C8B-B14F-4D97-AF65-F5344CB8AC3E}">
+        <p14:creationId xmlns:p14="http://schemas.microsoft.com/office/powerpoint/2010/main" val="2479118662"/>
+      </p:ext>
+    </p:extLst>
+  </p:cSld>
+  <p:clrMapOvr>
+    <a:masterClrMapping/>
+  </p:clrMapOvr>
+</p:sld>
+</file>
+
+<file path=ppt/slides/slide23.xml><?xml version="1.0" encoding="utf-8"?>
+<p:sld xmlns:a="http://schemas.openxmlformats.org/drawingml/2006/main" xmlns:r="http://schemas.openxmlformats.org/officeDocument/2006/relationships" xmlns:p="http://schemas.openxmlformats.org/presentationml/2006/main">
+  <p:cSld>
+    <p:spTree>
+      <p:nvGrpSpPr>
+        <p:cNvPr id="1" name=""/>
+        <p:cNvGrpSpPr/>
+        <p:nvPr/>
+      </p:nvGrpSpPr>
+      <p:grpSpPr>
+        <a:xfrm>
+          <a:off x="0" y="0"/>
+          <a:ext cx="0" cy="0"/>
+          <a:chOff x="0" y="0"/>
+          <a:chExt cx="0" cy="0"/>
+        </a:xfrm>
+      </p:grpSpPr>
+      <p:sp>
+        <p:nvSpPr>
+          <p:cNvPr id="6" name="TextBox 5">
+            <a:extLst>
+              <a:ext uri="{FF2B5EF4-FFF2-40B4-BE49-F238E27FC236}">
+                <a16:creationId xmlns:a16="http://schemas.microsoft.com/office/drawing/2014/main" id="{9B7E9EF7-9A48-9236-48BE-C506A7ED34B6}"/>
+              </a:ext>
+            </a:extLst>
+          </p:cNvPr>
+          <p:cNvSpPr txBox="1"/>
+          <p:nvPr/>
+        </p:nvSpPr>
+        <p:spPr>
+          <a:xfrm>
+            <a:off x="7091265" y="3937516"/>
+            <a:ext cx="2351314" cy="646331"/>
+          </a:xfrm>
+          <a:prstGeom prst="rect">
+            <a:avLst/>
+          </a:prstGeom>
+          <a:noFill/>
+        </p:spPr>
+        <p:txBody>
+          <a:bodyPr wrap="square" rtlCol="0">
+            <a:spAutoFit/>
+          </a:bodyPr>
+          <a:lstStyle/>
+          <a:p>
+            <a:r>
+              <a:rPr lang="en-US" sz="3600" b="1" dirty="0">
+                <a:solidFill>
+                  <a:schemeClr val="bg1"/>
+                </a:solidFill>
+              </a:rPr>
+              <a:t>Master</a:t>
+            </a:r>
+          </a:p>
+        </p:txBody>
+      </p:sp>
+      <p:sp>
+        <p:nvSpPr>
+          <p:cNvPr id="9" name="TextBox 8">
+            <a:extLst>
+              <a:ext uri="{FF2B5EF4-FFF2-40B4-BE49-F238E27FC236}">
+                <a16:creationId xmlns:a16="http://schemas.microsoft.com/office/drawing/2014/main" id="{1A178001-BB54-176A-8C9F-DBD5C8E4923C}"/>
+              </a:ext>
+            </a:extLst>
+          </p:cNvPr>
+          <p:cNvSpPr txBox="1"/>
+          <p:nvPr/>
+        </p:nvSpPr>
+        <p:spPr>
+          <a:xfrm>
+            <a:off x="205273" y="154947"/>
+            <a:ext cx="6591181" cy="523220"/>
+          </a:xfrm>
+          <a:prstGeom prst="rect">
+            <a:avLst/>
+          </a:prstGeom>
+          <a:noFill/>
+        </p:spPr>
+        <p:txBody>
+          <a:bodyPr wrap="square" rtlCol="0">
+            <a:spAutoFit/>
+          </a:bodyPr>
+          <a:lstStyle/>
+          <a:p>
+            <a:r>
+              <a:rPr lang="en-US" sz="2800" b="1" dirty="0">
+                <a:solidFill>
+                  <a:srgbClr val="00B050"/>
+                </a:solidFill>
+              </a:rPr>
+              <a:t>Join By lookup operator  </a:t>
+            </a:r>
+          </a:p>
+        </p:txBody>
+      </p:sp>
+      <p:pic>
+        <p:nvPicPr>
+          <p:cNvPr id="4" name="Picture 3">
+            <a:extLst>
+              <a:ext uri="{FF2B5EF4-FFF2-40B4-BE49-F238E27FC236}">
+                <a16:creationId xmlns:a16="http://schemas.microsoft.com/office/drawing/2014/main" id="{0C82E77B-6A06-295E-4F8E-080DD6F114BB}"/>
+              </a:ext>
+            </a:extLst>
+          </p:cNvPr>
+          <p:cNvPicPr>
+            <a:picLocks noChangeAspect="1"/>
+          </p:cNvPicPr>
+          <p:nvPr/>
+        </p:nvPicPr>
+        <p:blipFill>
+          <a:blip r:embed="rId2"/>
+          <a:stretch>
+            <a:fillRect/>
+          </a:stretch>
+        </p:blipFill>
+        <p:spPr>
+          <a:xfrm>
+            <a:off x="205273" y="1257997"/>
+            <a:ext cx="11238582" cy="1644847"/>
+          </a:xfrm>
+          <a:prstGeom prst="rect">
+            <a:avLst/>
+          </a:prstGeom>
+        </p:spPr>
+      </p:pic>
+    </p:spTree>
+    <p:extLst>
+      <p:ext uri="{BB962C8B-B14F-4D97-AF65-F5344CB8AC3E}">
+        <p14:creationId xmlns:p14="http://schemas.microsoft.com/office/powerpoint/2010/main" val="3718860495"/>
+      </p:ext>
+    </p:extLst>
+  </p:cSld>
+  <p:clrMapOvr>
+    <a:masterClrMapping/>
+  </p:clrMapOvr>
+</p:sld>
+</file>
+
+<file path=ppt/slides/slide24.xml><?xml version="1.0" encoding="utf-8"?>
+<p:sld xmlns:a="http://schemas.openxmlformats.org/drawingml/2006/main" xmlns:r="http://schemas.openxmlformats.org/officeDocument/2006/relationships" xmlns:p="http://schemas.openxmlformats.org/presentationml/2006/main">
+  <p:cSld>
+    <p:spTree>
+      <p:nvGrpSpPr>
+        <p:cNvPr id="1" name=""/>
+        <p:cNvGrpSpPr/>
+        <p:nvPr/>
+      </p:nvGrpSpPr>
+      <p:grpSpPr>
+        <a:xfrm>
+          <a:off x="0" y="0"/>
+          <a:ext cx="0" cy="0"/>
+          <a:chOff x="0" y="0"/>
+          <a:chExt cx="0" cy="0"/>
+        </a:xfrm>
+      </p:grpSpPr>
+      <p:sp>
+        <p:nvSpPr>
+          <p:cNvPr id="6" name="TextBox 5">
+            <a:extLst>
+              <a:ext uri="{FF2B5EF4-FFF2-40B4-BE49-F238E27FC236}">
+                <a16:creationId xmlns:a16="http://schemas.microsoft.com/office/drawing/2014/main" id="{9B7E9EF7-9A48-9236-48BE-C506A7ED34B6}"/>
+              </a:ext>
+            </a:extLst>
+          </p:cNvPr>
+          <p:cNvSpPr txBox="1"/>
+          <p:nvPr/>
+        </p:nvSpPr>
+        <p:spPr>
+          <a:xfrm>
+            <a:off x="7091265" y="3937516"/>
+            <a:ext cx="2351314" cy="646331"/>
+          </a:xfrm>
+          <a:prstGeom prst="rect">
+            <a:avLst/>
+          </a:prstGeom>
+          <a:noFill/>
+        </p:spPr>
+        <p:txBody>
+          <a:bodyPr wrap="square" rtlCol="0">
+            <a:spAutoFit/>
+          </a:bodyPr>
+          <a:lstStyle/>
+          <a:p>
+            <a:r>
+              <a:rPr lang="en-US" sz="3600" b="1" dirty="0">
+                <a:solidFill>
+                  <a:schemeClr val="bg1"/>
+                </a:solidFill>
+              </a:rPr>
+              <a:t>Master</a:t>
+            </a:r>
+          </a:p>
+        </p:txBody>
+      </p:sp>
+      <p:sp>
+        <p:nvSpPr>
+          <p:cNvPr id="9" name="TextBox 8">
+            <a:extLst>
+              <a:ext uri="{FF2B5EF4-FFF2-40B4-BE49-F238E27FC236}">
+                <a16:creationId xmlns:a16="http://schemas.microsoft.com/office/drawing/2014/main" id="{1A178001-BB54-176A-8C9F-DBD5C8E4923C}"/>
+              </a:ext>
+            </a:extLst>
+          </p:cNvPr>
+          <p:cNvSpPr txBox="1"/>
+          <p:nvPr/>
+        </p:nvSpPr>
+        <p:spPr>
+          <a:xfrm>
+            <a:off x="205273" y="154947"/>
+            <a:ext cx="6591181" cy="523220"/>
+          </a:xfrm>
+          <a:prstGeom prst="rect">
+            <a:avLst/>
+          </a:prstGeom>
+          <a:noFill/>
+        </p:spPr>
+        <p:txBody>
+          <a:bodyPr wrap="square" rtlCol="0">
+            <a:spAutoFit/>
+          </a:bodyPr>
+          <a:lstStyle/>
+          <a:p>
+            <a:r>
+              <a:rPr lang="en-US" sz="2800" b="1" dirty="0">
+                <a:solidFill>
+                  <a:srgbClr val="00B050"/>
+                </a:solidFill>
+              </a:rPr>
+              <a:t>Join By lookup operator  </a:t>
+            </a:r>
+          </a:p>
+        </p:txBody>
+      </p:sp>
+      <p:pic>
+        <p:nvPicPr>
+          <p:cNvPr id="7" name="Picture 6">
+            <a:extLst>
+              <a:ext uri="{FF2B5EF4-FFF2-40B4-BE49-F238E27FC236}">
+                <a16:creationId xmlns:a16="http://schemas.microsoft.com/office/drawing/2014/main" id="{9DC1C83A-D12F-6222-EBF4-166FEFDA1FD4}"/>
+              </a:ext>
+            </a:extLst>
+          </p:cNvPr>
+          <p:cNvPicPr>
+            <a:picLocks noChangeAspect="1"/>
+          </p:cNvPicPr>
+          <p:nvPr/>
+        </p:nvPicPr>
+        <p:blipFill>
+          <a:blip r:embed="rId2"/>
+          <a:stretch>
+            <a:fillRect/>
+          </a:stretch>
+        </p:blipFill>
+        <p:spPr>
+          <a:xfrm>
+            <a:off x="205273" y="1192190"/>
+            <a:ext cx="11681927" cy="1944456"/>
+          </a:xfrm>
+          <a:prstGeom prst="rect">
+            <a:avLst/>
+          </a:prstGeom>
+        </p:spPr>
+      </p:pic>
+    </p:spTree>
+    <p:extLst>
+      <p:ext uri="{BB962C8B-B14F-4D97-AF65-F5344CB8AC3E}">
+        <p14:creationId xmlns:p14="http://schemas.microsoft.com/office/powerpoint/2010/main" val="3782787583"/>
+      </p:ext>
+    </p:extLst>
+  </p:cSld>
+  <p:clrMapOvr>
+    <a:masterClrMapping/>
+  </p:clrMapOvr>
+</p:sld>
+</file>
+
+<file path=ppt/slides/slide25.xml><?xml version="1.0" encoding="utf-8"?>
+<p:sld xmlns:a="http://schemas.openxmlformats.org/drawingml/2006/main" xmlns:r="http://schemas.openxmlformats.org/officeDocument/2006/relationships" xmlns:p="http://schemas.openxmlformats.org/presentationml/2006/main">
+  <p:cSld>
+    <p:spTree>
+      <p:nvGrpSpPr>
+        <p:cNvPr id="1" name=""/>
+        <p:cNvGrpSpPr/>
+        <p:nvPr/>
+      </p:nvGrpSpPr>
+      <p:grpSpPr>
+        <a:xfrm>
+          <a:off x="0" y="0"/>
+          <a:ext cx="0" cy="0"/>
+          <a:chOff x="0" y="0"/>
+          <a:chExt cx="0" cy="0"/>
+        </a:xfrm>
+      </p:grpSpPr>
+      <p:sp>
+        <p:nvSpPr>
+          <p:cNvPr id="6" name="TextBox 5">
+            <a:extLst>
+              <a:ext uri="{FF2B5EF4-FFF2-40B4-BE49-F238E27FC236}">
+                <a16:creationId xmlns:a16="http://schemas.microsoft.com/office/drawing/2014/main" id="{9B7E9EF7-9A48-9236-48BE-C506A7ED34B6}"/>
+              </a:ext>
+            </a:extLst>
+          </p:cNvPr>
+          <p:cNvSpPr txBox="1"/>
+          <p:nvPr/>
+        </p:nvSpPr>
+        <p:spPr>
+          <a:xfrm>
+            <a:off x="7091265" y="3937516"/>
+            <a:ext cx="2351314" cy="646331"/>
+          </a:xfrm>
+          <a:prstGeom prst="rect">
+            <a:avLst/>
+          </a:prstGeom>
+          <a:noFill/>
+        </p:spPr>
+        <p:txBody>
+          <a:bodyPr wrap="square" rtlCol="0">
+            <a:spAutoFit/>
+          </a:bodyPr>
+          <a:lstStyle/>
+          <a:p>
+            <a:r>
+              <a:rPr lang="en-US" sz="3600" b="1" dirty="0">
+                <a:solidFill>
+                  <a:schemeClr val="bg1"/>
+                </a:solidFill>
+              </a:rPr>
+              <a:t>Master</a:t>
+            </a:r>
+          </a:p>
+        </p:txBody>
+      </p:sp>
+      <p:sp>
+        <p:nvSpPr>
+          <p:cNvPr id="9" name="TextBox 8">
+            <a:extLst>
+              <a:ext uri="{FF2B5EF4-FFF2-40B4-BE49-F238E27FC236}">
+                <a16:creationId xmlns:a16="http://schemas.microsoft.com/office/drawing/2014/main" id="{1A178001-BB54-176A-8C9F-DBD5C8E4923C}"/>
+              </a:ext>
+            </a:extLst>
+          </p:cNvPr>
+          <p:cNvSpPr txBox="1"/>
+          <p:nvPr/>
+        </p:nvSpPr>
+        <p:spPr>
+          <a:xfrm>
+            <a:off x="205273" y="154947"/>
+            <a:ext cx="6591181" cy="523220"/>
+          </a:xfrm>
+          <a:prstGeom prst="rect">
+            <a:avLst/>
+          </a:prstGeom>
+          <a:noFill/>
+        </p:spPr>
+        <p:txBody>
+          <a:bodyPr wrap="square" rtlCol="0">
+            <a:spAutoFit/>
+          </a:bodyPr>
+          <a:lstStyle/>
+          <a:p>
+            <a:r>
+              <a:rPr lang="en-US" sz="2800" b="1" dirty="0">
+                <a:solidFill>
+                  <a:srgbClr val="00B050"/>
+                </a:solidFill>
+                <a:latin typeface="Consolas" panose="020B0609020204030204" pitchFamily="49" charset="0"/>
+              </a:rPr>
+              <a:t>Facet </a:t>
+            </a:r>
+            <a:r>
+              <a:rPr lang="en-US" sz="2800" b="1" dirty="0">
+                <a:solidFill>
+                  <a:srgbClr val="00B050"/>
+                </a:solidFill>
+              </a:rPr>
+              <a:t>operator  </a:t>
+            </a:r>
+          </a:p>
+        </p:txBody>
+      </p:sp>
+      <p:pic>
+        <p:nvPicPr>
+          <p:cNvPr id="3" name="Picture 2">
+            <a:extLst>
+              <a:ext uri="{FF2B5EF4-FFF2-40B4-BE49-F238E27FC236}">
+                <a16:creationId xmlns:a16="http://schemas.microsoft.com/office/drawing/2014/main" id="{48613BC4-9A21-0064-451C-C8F7F4095417}"/>
+              </a:ext>
+            </a:extLst>
+          </p:cNvPr>
+          <p:cNvPicPr>
+            <a:picLocks noChangeAspect="1"/>
+          </p:cNvPicPr>
+          <p:nvPr/>
+        </p:nvPicPr>
+        <p:blipFill>
+          <a:blip r:embed="rId2"/>
+          <a:stretch>
+            <a:fillRect/>
+          </a:stretch>
+        </p:blipFill>
+        <p:spPr>
+          <a:xfrm>
+            <a:off x="418367" y="1086921"/>
+            <a:ext cx="4514850" cy="3667125"/>
+          </a:xfrm>
+          <a:prstGeom prst="rect">
+            <a:avLst/>
+          </a:prstGeom>
+        </p:spPr>
+      </p:pic>
+    </p:spTree>
+    <p:extLst>
+      <p:ext uri="{BB962C8B-B14F-4D97-AF65-F5344CB8AC3E}">
+        <p14:creationId xmlns:p14="http://schemas.microsoft.com/office/powerpoint/2010/main" val="392737060"/>
+      </p:ext>
+    </p:extLst>
+  </p:cSld>
+  <p:clrMapOvr>
+    <a:masterClrMapping/>
+  </p:clrMapOvr>
+</p:sld>
+</file>
+
+<file path=ppt/slides/slide26.xml><?xml version="1.0" encoding="utf-8"?>
+<p:sld xmlns:a="http://schemas.openxmlformats.org/drawingml/2006/main" xmlns:r="http://schemas.openxmlformats.org/officeDocument/2006/relationships" xmlns:p="http://schemas.openxmlformats.org/presentationml/2006/main">
+  <p:cSld>
+    <p:spTree>
+      <p:nvGrpSpPr>
+        <p:cNvPr id="1" name=""/>
+        <p:cNvGrpSpPr/>
+        <p:nvPr/>
+      </p:nvGrpSpPr>
+      <p:grpSpPr>
+        <a:xfrm>
+          <a:off x="0" y="0"/>
+          <a:ext cx="0" cy="0"/>
+          <a:chOff x="0" y="0"/>
+          <a:chExt cx="0" cy="0"/>
+        </a:xfrm>
+      </p:grpSpPr>
+      <p:sp>
+        <p:nvSpPr>
+          <p:cNvPr id="6" name="TextBox 5">
+            <a:extLst>
+              <a:ext uri="{FF2B5EF4-FFF2-40B4-BE49-F238E27FC236}">
+                <a16:creationId xmlns:a16="http://schemas.microsoft.com/office/drawing/2014/main" id="{9B7E9EF7-9A48-9236-48BE-C506A7ED34B6}"/>
+              </a:ext>
+            </a:extLst>
+          </p:cNvPr>
+          <p:cNvSpPr txBox="1"/>
+          <p:nvPr/>
+        </p:nvSpPr>
+        <p:spPr>
+          <a:xfrm>
+            <a:off x="7091265" y="3937516"/>
+            <a:ext cx="2351314" cy="646331"/>
+          </a:xfrm>
+          <a:prstGeom prst="rect">
+            <a:avLst/>
+          </a:prstGeom>
+          <a:noFill/>
+        </p:spPr>
+        <p:txBody>
+          <a:bodyPr wrap="square" rtlCol="0">
+            <a:spAutoFit/>
+          </a:bodyPr>
+          <a:lstStyle/>
+          <a:p>
+            <a:r>
+              <a:rPr lang="en-US" sz="3600" b="1" dirty="0">
+                <a:solidFill>
+                  <a:schemeClr val="bg1"/>
+                </a:solidFill>
+              </a:rPr>
+              <a:t>Master</a:t>
+            </a:r>
+          </a:p>
+        </p:txBody>
+      </p:sp>
+      <p:sp>
+        <p:nvSpPr>
+          <p:cNvPr id="9" name="TextBox 8">
+            <a:extLst>
+              <a:ext uri="{FF2B5EF4-FFF2-40B4-BE49-F238E27FC236}">
+                <a16:creationId xmlns:a16="http://schemas.microsoft.com/office/drawing/2014/main" id="{1A178001-BB54-176A-8C9F-DBD5C8E4923C}"/>
+              </a:ext>
+            </a:extLst>
+          </p:cNvPr>
+          <p:cNvSpPr txBox="1"/>
+          <p:nvPr/>
+        </p:nvSpPr>
+        <p:spPr>
+          <a:xfrm>
+            <a:off x="205273" y="154947"/>
+            <a:ext cx="6591181" cy="523220"/>
+          </a:xfrm>
+          <a:prstGeom prst="rect">
+            <a:avLst/>
+          </a:prstGeom>
+          <a:noFill/>
+        </p:spPr>
+        <p:txBody>
+          <a:bodyPr wrap="square" rtlCol="0">
+            <a:spAutoFit/>
+          </a:bodyPr>
+          <a:lstStyle/>
+          <a:p>
+            <a:r>
+              <a:rPr lang="en-US" sz="2800" b="1" dirty="0">
+                <a:solidFill>
+                  <a:srgbClr val="00B050"/>
+                </a:solidFill>
+                <a:latin typeface="Consolas" panose="020B0609020204030204" pitchFamily="49" charset="0"/>
+              </a:rPr>
+              <a:t>Project after Join </a:t>
+            </a:r>
+            <a:endParaRPr lang="en-US" sz="2800" b="1" dirty="0">
+              <a:solidFill>
+                <a:srgbClr val="00B050"/>
+              </a:solidFill>
+            </a:endParaRPr>
+          </a:p>
+        </p:txBody>
+      </p:sp>
+      <p:pic>
+        <p:nvPicPr>
+          <p:cNvPr id="4" name="Picture 3">
+            <a:extLst>
+              <a:ext uri="{FF2B5EF4-FFF2-40B4-BE49-F238E27FC236}">
+                <a16:creationId xmlns:a16="http://schemas.microsoft.com/office/drawing/2014/main" id="{86DAB6BE-2411-65FA-44CC-4E45CBCBB907}"/>
+              </a:ext>
+            </a:extLst>
+          </p:cNvPr>
+          <p:cNvPicPr>
+            <a:picLocks noChangeAspect="1"/>
+          </p:cNvPicPr>
+          <p:nvPr/>
+        </p:nvPicPr>
+        <p:blipFill>
+          <a:blip r:embed="rId2"/>
+          <a:stretch>
+            <a:fillRect/>
+          </a:stretch>
+        </p:blipFill>
+        <p:spPr>
+          <a:xfrm>
+            <a:off x="298938" y="1313230"/>
+            <a:ext cx="11272070" cy="4231539"/>
+          </a:xfrm>
+          <a:prstGeom prst="rect">
+            <a:avLst/>
+          </a:prstGeom>
+        </p:spPr>
+      </p:pic>
+    </p:spTree>
+    <p:extLst>
+      <p:ext uri="{BB962C8B-B14F-4D97-AF65-F5344CB8AC3E}">
+        <p14:creationId xmlns:p14="http://schemas.microsoft.com/office/powerpoint/2010/main" val="4200394200"/>
+      </p:ext>
+    </p:extLst>
+  </p:cSld>
+  <p:clrMapOvr>
+    <a:masterClrMapping/>
+  </p:clrMapOvr>
+</p:sld>
+</file>
+
+<file path=ppt/slides/slide27.xml><?xml version="1.0" encoding="utf-8"?>
+<p:sld xmlns:a="http://schemas.openxmlformats.org/drawingml/2006/main" xmlns:r="http://schemas.openxmlformats.org/officeDocument/2006/relationships" xmlns:p="http://schemas.openxmlformats.org/presentationml/2006/main">
+  <p:cSld>
+    <p:spTree>
+      <p:nvGrpSpPr>
+        <p:cNvPr id="1" name=""/>
+        <p:cNvGrpSpPr/>
+        <p:nvPr/>
+      </p:nvGrpSpPr>
+      <p:grpSpPr>
+        <a:xfrm>
+          <a:off x="0" y="0"/>
+          <a:ext cx="0" cy="0"/>
+          <a:chOff x="0" y="0"/>
+          <a:chExt cx="0" cy="0"/>
+        </a:xfrm>
+      </p:grpSpPr>
+      <p:sp>
+        <p:nvSpPr>
+          <p:cNvPr id="6" name="TextBox 5">
+            <a:extLst>
+              <a:ext uri="{FF2B5EF4-FFF2-40B4-BE49-F238E27FC236}">
+                <a16:creationId xmlns:a16="http://schemas.microsoft.com/office/drawing/2014/main" id="{9B7E9EF7-9A48-9236-48BE-C506A7ED34B6}"/>
+              </a:ext>
+            </a:extLst>
+          </p:cNvPr>
+          <p:cNvSpPr txBox="1"/>
+          <p:nvPr/>
+        </p:nvSpPr>
+        <p:spPr>
+          <a:xfrm>
+            <a:off x="7091265" y="3937516"/>
+            <a:ext cx="2351314" cy="646331"/>
+          </a:xfrm>
+          <a:prstGeom prst="rect">
+            <a:avLst/>
+          </a:prstGeom>
+          <a:noFill/>
+        </p:spPr>
+        <p:txBody>
+          <a:bodyPr wrap="square" rtlCol="0">
+            <a:spAutoFit/>
+          </a:bodyPr>
+          <a:lstStyle/>
+          <a:p>
+            <a:r>
+              <a:rPr lang="en-US" sz="3600" b="1" dirty="0">
+                <a:solidFill>
+                  <a:schemeClr val="bg1"/>
+                </a:solidFill>
+              </a:rPr>
+              <a:t>Master</a:t>
+            </a:r>
+          </a:p>
+        </p:txBody>
+      </p:sp>
+      <p:sp>
+        <p:nvSpPr>
+          <p:cNvPr id="9" name="TextBox 8">
+            <a:extLst>
+              <a:ext uri="{FF2B5EF4-FFF2-40B4-BE49-F238E27FC236}">
+                <a16:creationId xmlns:a16="http://schemas.microsoft.com/office/drawing/2014/main" id="{1A178001-BB54-176A-8C9F-DBD5C8E4923C}"/>
+              </a:ext>
+            </a:extLst>
+          </p:cNvPr>
+          <p:cNvSpPr txBox="1"/>
+          <p:nvPr/>
+        </p:nvSpPr>
+        <p:spPr>
+          <a:xfrm>
+            <a:off x="205273" y="154947"/>
+            <a:ext cx="6591181" cy="523220"/>
+          </a:xfrm>
+          <a:prstGeom prst="rect">
+            <a:avLst/>
+          </a:prstGeom>
+          <a:noFill/>
+        </p:spPr>
+        <p:txBody>
+          <a:bodyPr wrap="square" rtlCol="0">
+            <a:spAutoFit/>
+          </a:bodyPr>
+          <a:lstStyle/>
+          <a:p>
+            <a:r>
+              <a:rPr lang="en-US" sz="2800" b="1" dirty="0">
+                <a:solidFill>
+                  <a:srgbClr val="00B050"/>
+                </a:solidFill>
+                <a:latin typeface="Consolas" panose="020B0609020204030204" pitchFamily="49" charset="0"/>
+              </a:rPr>
+              <a:t>Add Extra Field</a:t>
+            </a:r>
+            <a:endParaRPr lang="en-US" sz="2800" b="1" dirty="0">
+              <a:solidFill>
+                <a:srgbClr val="00B050"/>
+              </a:solidFill>
+            </a:endParaRPr>
+          </a:p>
+        </p:txBody>
+      </p:sp>
+      <p:pic>
+        <p:nvPicPr>
+          <p:cNvPr id="3" name="Picture 2">
+            <a:extLst>
+              <a:ext uri="{FF2B5EF4-FFF2-40B4-BE49-F238E27FC236}">
+                <a16:creationId xmlns:a16="http://schemas.microsoft.com/office/drawing/2014/main" id="{863B8EAB-5861-A1DD-E3A9-8FF228F63CAA}"/>
+              </a:ext>
+            </a:extLst>
+          </p:cNvPr>
+          <p:cNvPicPr>
+            <a:picLocks noChangeAspect="1"/>
+          </p:cNvPicPr>
+          <p:nvPr/>
+        </p:nvPicPr>
+        <p:blipFill>
+          <a:blip r:embed="rId2"/>
+          <a:stretch>
+            <a:fillRect/>
+          </a:stretch>
+        </p:blipFill>
+        <p:spPr>
+          <a:xfrm>
+            <a:off x="434911" y="1217002"/>
+            <a:ext cx="6361543" cy="1355241"/>
+          </a:xfrm>
+          <a:prstGeom prst="rect">
+            <a:avLst/>
+          </a:prstGeom>
+        </p:spPr>
+      </p:pic>
+      <p:pic>
+        <p:nvPicPr>
+          <p:cNvPr id="7" name="Picture 6">
+            <a:extLst>
+              <a:ext uri="{FF2B5EF4-FFF2-40B4-BE49-F238E27FC236}">
+                <a16:creationId xmlns:a16="http://schemas.microsoft.com/office/drawing/2014/main" id="{E596E95B-BEEE-6F24-D4E7-516D0EE11455}"/>
+              </a:ext>
+            </a:extLst>
+          </p:cNvPr>
+          <p:cNvPicPr>
+            <a:picLocks noChangeAspect="1"/>
+          </p:cNvPicPr>
+          <p:nvPr/>
+        </p:nvPicPr>
+        <p:blipFill>
+          <a:blip r:embed="rId3"/>
+          <a:stretch>
+            <a:fillRect/>
+          </a:stretch>
+        </p:blipFill>
+        <p:spPr>
+          <a:xfrm>
+            <a:off x="434911" y="3172952"/>
+            <a:ext cx="6933043" cy="1547400"/>
+          </a:xfrm>
+          <a:prstGeom prst="rect">
+            <a:avLst/>
+          </a:prstGeom>
+        </p:spPr>
+      </p:pic>
+    </p:spTree>
+    <p:extLst>
+      <p:ext uri="{BB962C8B-B14F-4D97-AF65-F5344CB8AC3E}">
+        <p14:creationId xmlns:p14="http://schemas.microsoft.com/office/powerpoint/2010/main" val="2343174762"/>
+      </p:ext>
+    </p:extLst>
+  </p:cSld>
+  <p:clrMapOvr>
+    <a:masterClrMapping/>
+  </p:clrMapOvr>
+</p:sld>
+</file>
+
+<file path=ppt/slides/slide28.xml><?xml version="1.0" encoding="utf-8"?>
+<p:sld xmlns:a="http://schemas.openxmlformats.org/drawingml/2006/main" xmlns:r="http://schemas.openxmlformats.org/officeDocument/2006/relationships" xmlns:p="http://schemas.openxmlformats.org/presentationml/2006/main">
+  <p:cSld>
+    <p:spTree>
+      <p:nvGrpSpPr>
+        <p:cNvPr id="1" name=""/>
+        <p:cNvGrpSpPr/>
+        <p:nvPr/>
+      </p:nvGrpSpPr>
+      <p:grpSpPr>
+        <a:xfrm>
+          <a:off x="0" y="0"/>
+          <a:ext cx="0" cy="0"/>
+          <a:chOff x="0" y="0"/>
+          <a:chExt cx="0" cy="0"/>
+        </a:xfrm>
+      </p:grpSpPr>
+      <p:sp>
+        <p:nvSpPr>
+          <p:cNvPr id="6" name="TextBox 5">
+            <a:extLst>
+              <a:ext uri="{FF2B5EF4-FFF2-40B4-BE49-F238E27FC236}">
+                <a16:creationId xmlns:a16="http://schemas.microsoft.com/office/drawing/2014/main" id="{9B7E9EF7-9A48-9236-48BE-C506A7ED34B6}"/>
+              </a:ext>
+            </a:extLst>
+          </p:cNvPr>
+          <p:cNvSpPr txBox="1"/>
+          <p:nvPr/>
+        </p:nvSpPr>
+        <p:spPr>
+          <a:xfrm>
+            <a:off x="7091265" y="3937516"/>
+            <a:ext cx="2351314" cy="646331"/>
+          </a:xfrm>
+          <a:prstGeom prst="rect">
+            <a:avLst/>
+          </a:prstGeom>
+          <a:noFill/>
+        </p:spPr>
+        <p:txBody>
+          <a:bodyPr wrap="square" rtlCol="0">
+            <a:spAutoFit/>
+          </a:bodyPr>
+          <a:lstStyle/>
+          <a:p>
+            <a:r>
+              <a:rPr lang="en-US" sz="3600" b="1" dirty="0">
+                <a:solidFill>
+                  <a:schemeClr val="bg1"/>
+                </a:solidFill>
+              </a:rPr>
+              <a:t>Master</a:t>
+            </a:r>
+          </a:p>
+        </p:txBody>
+      </p:sp>
+      <p:sp>
+        <p:nvSpPr>
+          <p:cNvPr id="9" name="TextBox 8">
+            <a:extLst>
+              <a:ext uri="{FF2B5EF4-FFF2-40B4-BE49-F238E27FC236}">
+                <a16:creationId xmlns:a16="http://schemas.microsoft.com/office/drawing/2014/main" id="{1A178001-BB54-176A-8C9F-DBD5C8E4923C}"/>
+              </a:ext>
+            </a:extLst>
+          </p:cNvPr>
+          <p:cNvSpPr txBox="1"/>
+          <p:nvPr/>
+        </p:nvSpPr>
+        <p:spPr>
+          <a:xfrm>
+            <a:off x="205273" y="154947"/>
+            <a:ext cx="6591181" cy="523220"/>
+          </a:xfrm>
+          <a:prstGeom prst="rect">
+            <a:avLst/>
+          </a:prstGeom>
+          <a:noFill/>
+        </p:spPr>
+        <p:txBody>
+          <a:bodyPr wrap="square" rtlCol="0">
+            <a:spAutoFit/>
+          </a:bodyPr>
+          <a:lstStyle/>
+          <a:p>
+            <a:r>
+              <a:rPr lang="en-US" sz="2800" b="1" dirty="0">
+                <a:solidFill>
+                  <a:srgbClr val="00B050"/>
+                </a:solidFill>
+                <a:latin typeface="Consolas" panose="020B0609020204030204" pitchFamily="49" charset="0"/>
+              </a:rPr>
+              <a:t>Arithmetic Aggregation Operators</a:t>
+            </a:r>
+            <a:endParaRPr lang="en-US" sz="2800" b="1" dirty="0">
+              <a:solidFill>
+                <a:srgbClr val="00B050"/>
+              </a:solidFill>
+            </a:endParaRPr>
+          </a:p>
+        </p:txBody>
+      </p:sp>
+      <p:graphicFrame>
+        <p:nvGraphicFramePr>
+          <p:cNvPr id="4" name="Table 4">
+            <a:extLst>
+              <a:ext uri="{FF2B5EF4-FFF2-40B4-BE49-F238E27FC236}">
+                <a16:creationId xmlns:a16="http://schemas.microsoft.com/office/drawing/2014/main" id="{1A16A90B-6E48-C5D9-5622-090C857D35CD}"/>
+              </a:ext>
+            </a:extLst>
+          </p:cNvPr>
+          <p:cNvGraphicFramePr>
+            <a:graphicFrameLocks noGrp="1"/>
+          </p:cNvGraphicFramePr>
+          <p:nvPr>
+            <p:extLst>
+              <p:ext uri="{D42A27DB-BD31-4B8C-83A1-F6EECF244321}">
+                <p14:modId xmlns:p14="http://schemas.microsoft.com/office/powerpoint/2010/main" val="4157930289"/>
+              </p:ext>
+            </p:extLst>
+          </p:nvPr>
+        </p:nvGraphicFramePr>
+        <p:xfrm>
+          <a:off x="138922" y="1087965"/>
+          <a:ext cx="11739486" cy="5523846"/>
+        </p:xfrm>
+        <a:graphic>
+          <a:graphicData uri="http://schemas.openxmlformats.org/drawingml/2006/table">
+            <a:tbl>
+              <a:tblPr firstRow="1" bandRow="1">
+                <a:tableStyleId>{5C22544A-7EE6-4342-B048-85BDC9FD1C3A}</a:tableStyleId>
+              </a:tblPr>
+              <a:tblGrid>
+                <a:gridCol w="1109586">
+                  <a:extLst>
+                    <a:ext uri="{9D8B030D-6E8A-4147-A177-3AD203B41FA5}">
+                      <a16:colId xmlns:a16="http://schemas.microsoft.com/office/drawing/2014/main" val="2468772690"/>
+                    </a:ext>
+                  </a:extLst>
+                </a:gridCol>
+                <a:gridCol w="10629900">
+                  <a:extLst>
+                    <a:ext uri="{9D8B030D-6E8A-4147-A177-3AD203B41FA5}">
+                      <a16:colId xmlns:a16="http://schemas.microsoft.com/office/drawing/2014/main" val="1979571992"/>
+                    </a:ext>
+                  </a:extLst>
+                </a:gridCol>
+              </a:tblGrid>
+              <a:tr h="682191">
+                <a:tc>
+                  <a:txBody>
+                    <a:bodyPr/>
+                    <a:lstStyle/>
+                    <a:p>
+                      <a:r>
+                        <a:rPr lang="en-US" sz="1600" dirty="0"/>
+                        <a:t>$abs </a:t>
+                      </a:r>
+                    </a:p>
+                  </a:txBody>
+                  <a:tcPr/>
+                </a:tc>
+                <a:tc>
+                  <a:txBody>
+                    <a:bodyPr/>
+                    <a:lstStyle/>
+                    <a:p>
+                      <a:r>
+                        <a:rPr lang="en-US" sz="1600" dirty="0"/>
+                        <a:t>Returns the absolute value of a number.</a:t>
+                      </a:r>
+                    </a:p>
+                  </a:txBody>
+                  <a:tcPr/>
+                </a:tc>
+                <a:extLst>
+                  <a:ext uri="{0D108BD9-81ED-4DB2-BD59-A6C34878D82A}">
+                    <a16:rowId xmlns:a16="http://schemas.microsoft.com/office/drawing/2014/main" val="3237714857"/>
+                  </a:ext>
+                </a:extLst>
+              </a:tr>
+              <a:tr h="691665">
+                <a:tc>
+                  <a:txBody>
+                    <a:bodyPr/>
+                    <a:lstStyle/>
+                    <a:p>
+                      <a:r>
+                        <a:rPr lang="en-US" sz="1600" dirty="0"/>
+                        <a:t>$add</a:t>
+                      </a:r>
+                    </a:p>
+                  </a:txBody>
+                  <a:tcPr/>
+                </a:tc>
+                <a:tc>
+                  <a:txBody>
+                    <a:bodyPr/>
+                    <a:lstStyle/>
+                    <a:p>
+                      <a:r>
+                        <a:rPr lang="en-US" sz="1600" dirty="0"/>
+                        <a:t>Adds numbers to return the sum, or adds numbers and a date to return a new date. If adding numbers and a date, treats the numbers as milliseconds. Accepts any number of argument expressions, but at most, one expression can resolve to a date.</a:t>
+                      </a:r>
+                    </a:p>
+                  </a:txBody>
+                  <a:tcPr/>
+                </a:tc>
+                <a:extLst>
+                  <a:ext uri="{0D108BD9-81ED-4DB2-BD59-A6C34878D82A}">
+                    <a16:rowId xmlns:a16="http://schemas.microsoft.com/office/drawing/2014/main" val="3501679011"/>
+                  </a:ext>
+                </a:extLst>
+              </a:tr>
+              <a:tr h="691665">
+                <a:tc>
+                  <a:txBody>
+                    <a:bodyPr/>
+                    <a:lstStyle/>
+                    <a:p>
+                      <a:r>
+                        <a:rPr lang="en-US" sz="1600" dirty="0"/>
+                        <a:t>$ceil</a:t>
+                      </a:r>
+                    </a:p>
+                  </a:txBody>
+                  <a:tcPr/>
+                </a:tc>
+                <a:tc>
+                  <a:txBody>
+                    <a:bodyPr/>
+                    <a:lstStyle/>
+                    <a:p>
+                      <a:r>
+                        <a:rPr lang="en-US" sz="1600" dirty="0"/>
+                        <a:t>Returns the smallest integer greater than or equal to the specified number.</a:t>
+                      </a:r>
+                    </a:p>
+                  </a:txBody>
+                  <a:tcPr/>
+                </a:tc>
+                <a:extLst>
+                  <a:ext uri="{0D108BD9-81ED-4DB2-BD59-A6C34878D82A}">
+                    <a16:rowId xmlns:a16="http://schemas.microsoft.com/office/drawing/2014/main" val="2730696999"/>
+                  </a:ext>
+                </a:extLst>
+              </a:tr>
+              <a:tr h="691665">
+                <a:tc>
+                  <a:txBody>
+                    <a:bodyPr/>
+                    <a:lstStyle/>
+                    <a:p>
+                      <a:r>
+                        <a:rPr lang="en-US" sz="1600" dirty="0"/>
+                        <a:t>$divide</a:t>
+                      </a:r>
+                    </a:p>
+                  </a:txBody>
+                  <a:tcPr/>
+                </a:tc>
+                <a:tc>
+                  <a:txBody>
+                    <a:bodyPr/>
+                    <a:lstStyle/>
+                    <a:p>
+                      <a:r>
+                        <a:rPr lang="en-US" sz="1600" dirty="0"/>
+                        <a:t>Returns the result of dividing the first number by the second. Accepts two argument expressions.</a:t>
+                      </a:r>
+                    </a:p>
+                  </a:txBody>
+                  <a:tcPr/>
+                </a:tc>
+                <a:extLst>
+                  <a:ext uri="{0D108BD9-81ED-4DB2-BD59-A6C34878D82A}">
+                    <a16:rowId xmlns:a16="http://schemas.microsoft.com/office/drawing/2014/main" val="246498707"/>
+                  </a:ext>
+                </a:extLst>
+              </a:tr>
+              <a:tr h="691665">
+                <a:tc>
+                  <a:txBody>
+                    <a:bodyPr/>
+                    <a:lstStyle/>
+                    <a:p>
+                      <a:r>
+                        <a:rPr lang="en-US" sz="1600" dirty="0"/>
+                        <a:t>$exp </a:t>
+                      </a:r>
+                    </a:p>
+                  </a:txBody>
+                  <a:tcPr/>
+                </a:tc>
+                <a:tc>
+                  <a:txBody>
+                    <a:bodyPr/>
+                    <a:lstStyle/>
+                    <a:p>
+                      <a:r>
+                        <a:rPr lang="en-US" sz="1600" dirty="0"/>
+                        <a:t>Raises e to the specified exponent.</a:t>
+                      </a:r>
+                    </a:p>
+                  </a:txBody>
+                  <a:tcPr/>
+                </a:tc>
+                <a:extLst>
+                  <a:ext uri="{0D108BD9-81ED-4DB2-BD59-A6C34878D82A}">
+                    <a16:rowId xmlns:a16="http://schemas.microsoft.com/office/drawing/2014/main" val="1519909763"/>
+                  </a:ext>
+                </a:extLst>
+              </a:tr>
+              <a:tr h="691665">
+                <a:tc>
+                  <a:txBody>
+                    <a:bodyPr/>
+                    <a:lstStyle/>
+                    <a:p>
+                      <a:r>
+                        <a:rPr lang="en-US" sz="1600" dirty="0"/>
+                        <a:t>$floor</a:t>
+                      </a:r>
+                    </a:p>
+                  </a:txBody>
+                  <a:tcPr/>
+                </a:tc>
+                <a:tc>
+                  <a:txBody>
+                    <a:bodyPr/>
+                    <a:lstStyle/>
+                    <a:p>
+                      <a:r>
+                        <a:rPr lang="en-US" sz="1600" dirty="0"/>
+                        <a:t>Returns the largest integer less than or equal to the specified number.</a:t>
+                      </a:r>
+                    </a:p>
+                  </a:txBody>
+                  <a:tcPr/>
+                </a:tc>
+                <a:extLst>
+                  <a:ext uri="{0D108BD9-81ED-4DB2-BD59-A6C34878D82A}">
+                    <a16:rowId xmlns:a16="http://schemas.microsoft.com/office/drawing/2014/main" val="996999344"/>
+                  </a:ext>
+                </a:extLst>
+              </a:tr>
+              <a:tr h="691665">
+                <a:tc>
+                  <a:txBody>
+                    <a:bodyPr/>
+                    <a:lstStyle/>
+                    <a:p>
+                      <a:r>
+                        <a:rPr lang="en-US" sz="1600" dirty="0"/>
+                        <a:t>$ln</a:t>
+                      </a:r>
+                    </a:p>
+                  </a:txBody>
+                  <a:tcPr/>
+                </a:tc>
+                <a:tc>
+                  <a:txBody>
+                    <a:bodyPr/>
+                    <a:lstStyle/>
+                    <a:p>
+                      <a:r>
+                        <a:rPr lang="en-US" sz="1600" dirty="0"/>
+                        <a:t>Calculates the natural log of a number.</a:t>
+                      </a:r>
+                    </a:p>
+                  </a:txBody>
+                  <a:tcPr/>
+                </a:tc>
+                <a:extLst>
+                  <a:ext uri="{0D108BD9-81ED-4DB2-BD59-A6C34878D82A}">
+                    <a16:rowId xmlns:a16="http://schemas.microsoft.com/office/drawing/2014/main" val="3448345847"/>
+                  </a:ext>
+                </a:extLst>
+              </a:tr>
+              <a:tr h="691665">
+                <a:tc>
+                  <a:txBody>
+                    <a:bodyPr/>
+                    <a:lstStyle/>
+                    <a:p>
+                      <a:r>
+                        <a:rPr lang="en-US" sz="1600" dirty="0"/>
+                        <a:t>$log </a:t>
+                      </a:r>
+                    </a:p>
+                  </a:txBody>
+                  <a:tcPr/>
+                </a:tc>
+                <a:tc>
+                  <a:txBody>
+                    <a:bodyPr/>
+                    <a:lstStyle/>
+                    <a:p>
+                      <a:r>
+                        <a:rPr lang="en-US" sz="1600" dirty="0"/>
+                        <a:t>Calculates the log of a number in the specified base.</a:t>
+                      </a:r>
+                    </a:p>
+                  </a:txBody>
+                  <a:tcPr/>
+                </a:tc>
+                <a:extLst>
+                  <a:ext uri="{0D108BD9-81ED-4DB2-BD59-A6C34878D82A}">
+                    <a16:rowId xmlns:a16="http://schemas.microsoft.com/office/drawing/2014/main" val="2232887330"/>
+                  </a:ext>
+                </a:extLst>
+              </a:tr>
+            </a:tbl>
+          </a:graphicData>
+        </a:graphic>
+      </p:graphicFrame>
+    </p:spTree>
+    <p:extLst>
+      <p:ext uri="{BB962C8B-B14F-4D97-AF65-F5344CB8AC3E}">
+        <p14:creationId xmlns:p14="http://schemas.microsoft.com/office/powerpoint/2010/main" val="4085557364"/>
+      </p:ext>
+    </p:extLst>
+  </p:cSld>
+  <p:clrMapOvr>
+    <a:masterClrMapping/>
+  </p:clrMapOvr>
+</p:sld>
+</file>
+
+<file path=ppt/slides/slide29.xml><?xml version="1.0" encoding="utf-8"?>
+<p:sld xmlns:a="http://schemas.openxmlformats.org/drawingml/2006/main" xmlns:r="http://schemas.openxmlformats.org/officeDocument/2006/relationships" xmlns:p="http://schemas.openxmlformats.org/presentationml/2006/main">
+  <p:cSld>
+    <p:spTree>
+      <p:nvGrpSpPr>
+        <p:cNvPr id="1" name=""/>
+        <p:cNvGrpSpPr/>
+        <p:nvPr/>
+      </p:nvGrpSpPr>
+      <p:grpSpPr>
+        <a:xfrm>
+          <a:off x="0" y="0"/>
+          <a:ext cx="0" cy="0"/>
+          <a:chOff x="0" y="0"/>
+          <a:chExt cx="0" cy="0"/>
+        </a:xfrm>
+      </p:grpSpPr>
+      <p:sp>
+        <p:nvSpPr>
+          <p:cNvPr id="6" name="TextBox 5">
+            <a:extLst>
+              <a:ext uri="{FF2B5EF4-FFF2-40B4-BE49-F238E27FC236}">
+                <a16:creationId xmlns:a16="http://schemas.microsoft.com/office/drawing/2014/main" id="{9B7E9EF7-9A48-9236-48BE-C506A7ED34B6}"/>
+              </a:ext>
+            </a:extLst>
+          </p:cNvPr>
+          <p:cNvSpPr txBox="1"/>
+          <p:nvPr/>
+        </p:nvSpPr>
+        <p:spPr>
+          <a:xfrm>
+            <a:off x="7091265" y="3937516"/>
+            <a:ext cx="2351314" cy="646331"/>
+          </a:xfrm>
+          <a:prstGeom prst="rect">
+            <a:avLst/>
+          </a:prstGeom>
+          <a:noFill/>
+        </p:spPr>
+        <p:txBody>
+          <a:bodyPr wrap="square" rtlCol="0">
+            <a:spAutoFit/>
+          </a:bodyPr>
+          <a:lstStyle/>
+          <a:p>
+            <a:r>
+              <a:rPr lang="en-US" sz="3600" b="1" dirty="0">
+                <a:solidFill>
+                  <a:schemeClr val="bg1"/>
+                </a:solidFill>
+              </a:rPr>
+              <a:t>Master</a:t>
+            </a:r>
+          </a:p>
+        </p:txBody>
+      </p:sp>
+      <p:sp>
+        <p:nvSpPr>
+          <p:cNvPr id="9" name="TextBox 8">
+            <a:extLst>
+              <a:ext uri="{FF2B5EF4-FFF2-40B4-BE49-F238E27FC236}">
+                <a16:creationId xmlns:a16="http://schemas.microsoft.com/office/drawing/2014/main" id="{1A178001-BB54-176A-8C9F-DBD5C8E4923C}"/>
+              </a:ext>
+            </a:extLst>
+          </p:cNvPr>
+          <p:cNvSpPr txBox="1"/>
+          <p:nvPr/>
+        </p:nvSpPr>
+        <p:spPr>
+          <a:xfrm>
+            <a:off x="205273" y="154947"/>
+            <a:ext cx="6591181" cy="523220"/>
+          </a:xfrm>
+          <a:prstGeom prst="rect">
+            <a:avLst/>
+          </a:prstGeom>
+          <a:noFill/>
+        </p:spPr>
+        <p:txBody>
+          <a:bodyPr wrap="square" rtlCol="0">
+            <a:spAutoFit/>
+          </a:bodyPr>
+          <a:lstStyle/>
+          <a:p>
+            <a:r>
+              <a:rPr lang="en-US" sz="2800" b="1" dirty="0">
+                <a:solidFill>
+                  <a:srgbClr val="00B050"/>
+                </a:solidFill>
+                <a:latin typeface="Consolas" panose="020B0609020204030204" pitchFamily="49" charset="0"/>
+              </a:rPr>
+              <a:t>Arithmetic Aggregation Operators</a:t>
+            </a:r>
+            <a:endParaRPr lang="en-US" sz="2800" b="1" dirty="0">
+              <a:solidFill>
+                <a:srgbClr val="00B050"/>
+              </a:solidFill>
+            </a:endParaRPr>
+          </a:p>
+        </p:txBody>
+      </p:sp>
+      <p:graphicFrame>
+        <p:nvGraphicFramePr>
+          <p:cNvPr id="4" name="Table 4">
+            <a:extLst>
+              <a:ext uri="{FF2B5EF4-FFF2-40B4-BE49-F238E27FC236}">
+                <a16:creationId xmlns:a16="http://schemas.microsoft.com/office/drawing/2014/main" id="{1A16A90B-6E48-C5D9-5622-090C857D35CD}"/>
+              </a:ext>
+            </a:extLst>
+          </p:cNvPr>
+          <p:cNvGraphicFramePr>
+            <a:graphicFrameLocks noGrp="1"/>
+          </p:cNvGraphicFramePr>
+          <p:nvPr>
+            <p:extLst>
+              <p:ext uri="{D42A27DB-BD31-4B8C-83A1-F6EECF244321}">
+                <p14:modId xmlns:p14="http://schemas.microsoft.com/office/powerpoint/2010/main" val="1248489510"/>
+              </p:ext>
+            </p:extLst>
+          </p:nvPr>
+        </p:nvGraphicFramePr>
+        <p:xfrm>
+          <a:off x="138922" y="1087965"/>
+          <a:ext cx="11685588" cy="4911337"/>
+        </p:xfrm>
+        <a:graphic>
+          <a:graphicData uri="http://schemas.openxmlformats.org/drawingml/2006/table">
+            <a:tbl>
+              <a:tblPr firstRow="1" bandRow="1">
+                <a:tableStyleId>{5C22544A-7EE6-4342-B048-85BDC9FD1C3A}</a:tableStyleId>
+              </a:tblPr>
+              <a:tblGrid>
+                <a:gridCol w="1055688">
+                  <a:extLst>
+                    <a:ext uri="{9D8B030D-6E8A-4147-A177-3AD203B41FA5}">
+                      <a16:colId xmlns:a16="http://schemas.microsoft.com/office/drawing/2014/main" val="2468772690"/>
+                    </a:ext>
+                  </a:extLst>
+                </a:gridCol>
+                <a:gridCol w="10629900">
+                  <a:extLst>
+                    <a:ext uri="{9D8B030D-6E8A-4147-A177-3AD203B41FA5}">
+                      <a16:colId xmlns:a16="http://schemas.microsoft.com/office/drawing/2014/main" val="1979571992"/>
+                    </a:ext>
+                  </a:extLst>
+                </a:gridCol>
+              </a:tblGrid>
+              <a:tr h="682191">
+                <a:tc>
+                  <a:txBody>
+                    <a:bodyPr/>
+                    <a:lstStyle/>
+                    <a:p>
+                      <a:r>
+                        <a:rPr lang="en-US" sz="1600" dirty="0"/>
+                        <a:t>$log10 </a:t>
+                      </a:r>
+                    </a:p>
+                  </a:txBody>
+                  <a:tcPr/>
+                </a:tc>
+                <a:tc>
+                  <a:txBody>
+                    <a:bodyPr/>
+                    <a:lstStyle/>
+                    <a:p>
+                      <a:r>
+                        <a:rPr lang="en-US" sz="1600" dirty="0"/>
+                        <a:t>Calculates the log base 10 of a number.</a:t>
+                      </a:r>
+                    </a:p>
+                  </a:txBody>
+                  <a:tcPr/>
+                </a:tc>
+                <a:extLst>
+                  <a:ext uri="{0D108BD9-81ED-4DB2-BD59-A6C34878D82A}">
+                    <a16:rowId xmlns:a16="http://schemas.microsoft.com/office/drawing/2014/main" val="3237714857"/>
+                  </a:ext>
+                </a:extLst>
+              </a:tr>
+              <a:tr h="770821">
+                <a:tc>
+                  <a:txBody>
+                    <a:bodyPr/>
+                    <a:lstStyle/>
+                    <a:p>
+                      <a:r>
+                        <a:rPr lang="en-US" sz="1600" dirty="0"/>
+                        <a:t>$mod </a:t>
+                      </a:r>
+                    </a:p>
+                  </a:txBody>
+                  <a:tcPr/>
+                </a:tc>
+                <a:tc>
+                  <a:txBody>
+                    <a:bodyPr/>
+                    <a:lstStyle/>
+                    <a:p>
+                      <a:r>
+                        <a:rPr lang="en-US" sz="1600" dirty="0"/>
+                        <a:t>Returns the remainder of the first number divided by the second. Accepts two argument expressions.</a:t>
+                      </a:r>
+                    </a:p>
+                  </a:txBody>
+                  <a:tcPr/>
+                </a:tc>
+                <a:extLst>
+                  <a:ext uri="{0D108BD9-81ED-4DB2-BD59-A6C34878D82A}">
+                    <a16:rowId xmlns:a16="http://schemas.microsoft.com/office/drawing/2014/main" val="3501679011"/>
+                  </a:ext>
+                </a:extLst>
+              </a:tr>
+              <a:tr h="691665">
+                <a:tc>
+                  <a:txBody>
+                    <a:bodyPr/>
+                    <a:lstStyle/>
+                    <a:p>
+                      <a:r>
+                        <a:rPr lang="en-US" sz="1600" dirty="0"/>
+                        <a:t>$multiply </a:t>
+                      </a:r>
+                    </a:p>
+                  </a:txBody>
+                  <a:tcPr/>
+                </a:tc>
+                <a:tc>
+                  <a:txBody>
+                    <a:bodyPr/>
+                    <a:lstStyle/>
+                    <a:p>
+                      <a:r>
+                        <a:rPr lang="en-US" sz="1600" dirty="0"/>
+                        <a:t>Multiplies numbers to return the product. Accepts any number of argument expressions.</a:t>
+                      </a:r>
+                    </a:p>
+                  </a:txBody>
+                  <a:tcPr/>
+                </a:tc>
+                <a:extLst>
+                  <a:ext uri="{0D108BD9-81ED-4DB2-BD59-A6C34878D82A}">
+                    <a16:rowId xmlns:a16="http://schemas.microsoft.com/office/drawing/2014/main" val="2730696999"/>
+                  </a:ext>
+                </a:extLst>
+              </a:tr>
+              <a:tr h="691665">
+                <a:tc>
+                  <a:txBody>
+                    <a:bodyPr/>
+                    <a:lstStyle/>
+                    <a:p>
+                      <a:r>
+                        <a:rPr lang="en-US" sz="1600" dirty="0"/>
+                        <a:t>$pow </a:t>
+                      </a:r>
+                    </a:p>
+                  </a:txBody>
+                  <a:tcPr/>
+                </a:tc>
+                <a:tc>
+                  <a:txBody>
+                    <a:bodyPr/>
+                    <a:lstStyle/>
+                    <a:p>
+                      <a:r>
+                        <a:rPr lang="en-US" sz="1600" dirty="0"/>
+                        <a:t>Raises a number to the specified exponent.</a:t>
+                      </a:r>
+                    </a:p>
+                  </a:txBody>
+                  <a:tcPr/>
+                </a:tc>
+                <a:extLst>
+                  <a:ext uri="{0D108BD9-81ED-4DB2-BD59-A6C34878D82A}">
+                    <a16:rowId xmlns:a16="http://schemas.microsoft.com/office/drawing/2014/main" val="246498707"/>
+                  </a:ext>
+                </a:extLst>
+              </a:tr>
+              <a:tr h="691665">
+                <a:tc>
+                  <a:txBody>
+                    <a:bodyPr/>
+                    <a:lstStyle/>
+                    <a:p>
+                      <a:r>
+                        <a:rPr lang="en-US" sz="1600" dirty="0"/>
+                        <a:t>$sqrt </a:t>
+                      </a:r>
+                    </a:p>
+                  </a:txBody>
+                  <a:tcPr/>
+                </a:tc>
+                <a:tc>
+                  <a:txBody>
+                    <a:bodyPr/>
+                    <a:lstStyle/>
+                    <a:p>
+                      <a:r>
+                        <a:rPr lang="en-US" sz="1600" dirty="0"/>
+                        <a:t>Calculates the square root.</a:t>
+                      </a:r>
+                    </a:p>
+                  </a:txBody>
+                  <a:tcPr/>
+                </a:tc>
+                <a:extLst>
+                  <a:ext uri="{0D108BD9-81ED-4DB2-BD59-A6C34878D82A}">
+                    <a16:rowId xmlns:a16="http://schemas.microsoft.com/office/drawing/2014/main" val="1519909763"/>
+                  </a:ext>
+                </a:extLst>
+              </a:tr>
+              <a:tr h="691665">
+                <a:tc>
+                  <a:txBody>
+                    <a:bodyPr/>
+                    <a:lstStyle/>
+                    <a:p>
+                      <a:r>
+                        <a:rPr lang="en-US" sz="1600" dirty="0"/>
+                        <a:t>$subtract </a:t>
+                      </a:r>
+                    </a:p>
+                  </a:txBody>
+                  <a:tcPr/>
+                </a:tc>
+                <a:tc>
+                  <a:txBody>
+                    <a:bodyPr/>
+                    <a:lstStyle/>
+                    <a:p>
+                      <a:r>
+                        <a:rPr lang="en-US" sz="1600" dirty="0"/>
+                        <a:t>Returns the result of subtracting the second value from the first. If the two values are numbers, return the difference. If the two values are dates, return the difference in milliseconds.</a:t>
+                      </a:r>
+                    </a:p>
+                  </a:txBody>
+                  <a:tcPr/>
+                </a:tc>
+                <a:extLst>
+                  <a:ext uri="{0D108BD9-81ED-4DB2-BD59-A6C34878D82A}">
+                    <a16:rowId xmlns:a16="http://schemas.microsoft.com/office/drawing/2014/main" val="996999344"/>
+                  </a:ext>
+                </a:extLst>
+              </a:tr>
+              <a:tr h="691665">
+                <a:tc>
+                  <a:txBody>
+                    <a:bodyPr/>
+                    <a:lstStyle/>
+                    <a:p>
+                      <a:r>
+                        <a:rPr lang="en-US" sz="1600" dirty="0"/>
+                        <a:t>$</a:t>
+                      </a:r>
+                      <a:r>
+                        <a:rPr lang="en-US" sz="1600" dirty="0" err="1"/>
+                        <a:t>trunc</a:t>
+                      </a:r>
+                      <a:r>
+                        <a:rPr lang="en-US" sz="1600" dirty="0"/>
+                        <a:t> </a:t>
+                      </a:r>
+                    </a:p>
+                  </a:txBody>
+                  <a:tcPr/>
+                </a:tc>
+                <a:tc>
+                  <a:txBody>
+                    <a:bodyPr/>
+                    <a:lstStyle/>
+                    <a:p>
+                      <a:r>
+                        <a:rPr lang="en-US" sz="1600" dirty="0"/>
+                        <a:t>Truncates a number to its integer.</a:t>
+                      </a:r>
+                    </a:p>
+                  </a:txBody>
+                  <a:tcPr/>
+                </a:tc>
+                <a:extLst>
+                  <a:ext uri="{0D108BD9-81ED-4DB2-BD59-A6C34878D82A}">
+                    <a16:rowId xmlns:a16="http://schemas.microsoft.com/office/drawing/2014/main" val="3448345847"/>
+                  </a:ext>
+                </a:extLst>
+              </a:tr>
+            </a:tbl>
+          </a:graphicData>
+        </a:graphic>
+      </p:graphicFrame>
+    </p:spTree>
+    <p:extLst>
+      <p:ext uri="{BB962C8B-B14F-4D97-AF65-F5344CB8AC3E}">
+        <p14:creationId xmlns:p14="http://schemas.microsoft.com/office/powerpoint/2010/main" val="3303408596"/>
+      </p:ext>
+    </p:extLst>
+  </p:cSld>
+  <p:clrMapOvr>
+    <a:masterClrMapping/>
+  </p:clrMapOvr>
+</p:sld>
+</file>
+
 <file path=ppt/slides/slide3.xml><?xml version="1.0" encoding="utf-8"?>
 <p:sld xmlns:a="http://schemas.openxmlformats.org/drawingml/2006/main" xmlns:r="http://schemas.openxmlformats.org/officeDocument/2006/relationships" xmlns:p="http://schemas.openxmlformats.org/presentationml/2006/main">
   <p:cSld>
@@ -4853,6 +7609,1926 @@
     <p:extLst>
       <p:ext uri="{BB962C8B-B14F-4D97-AF65-F5344CB8AC3E}">
         <p14:creationId xmlns:p14="http://schemas.microsoft.com/office/powerpoint/2010/main" val="2866939021"/>
+      </p:ext>
+    </p:extLst>
+  </p:cSld>
+  <p:clrMapOvr>
+    <a:masterClrMapping/>
+  </p:clrMapOvr>
+</p:sld>
+</file>
+
+<file path=ppt/slides/slide30.xml><?xml version="1.0" encoding="utf-8"?>
+<p:sld xmlns:a="http://schemas.openxmlformats.org/drawingml/2006/main" xmlns:r="http://schemas.openxmlformats.org/officeDocument/2006/relationships" xmlns:p="http://schemas.openxmlformats.org/presentationml/2006/main">
+  <p:cSld>
+    <p:spTree>
+      <p:nvGrpSpPr>
+        <p:cNvPr id="1" name=""/>
+        <p:cNvGrpSpPr/>
+        <p:nvPr/>
+      </p:nvGrpSpPr>
+      <p:grpSpPr>
+        <a:xfrm>
+          <a:off x="0" y="0"/>
+          <a:ext cx="0" cy="0"/>
+          <a:chOff x="0" y="0"/>
+          <a:chExt cx="0" cy="0"/>
+        </a:xfrm>
+      </p:grpSpPr>
+      <p:sp>
+        <p:nvSpPr>
+          <p:cNvPr id="6" name="TextBox 5">
+            <a:extLst>
+              <a:ext uri="{FF2B5EF4-FFF2-40B4-BE49-F238E27FC236}">
+                <a16:creationId xmlns:a16="http://schemas.microsoft.com/office/drawing/2014/main" id="{9B7E9EF7-9A48-9236-48BE-C506A7ED34B6}"/>
+              </a:ext>
+            </a:extLst>
+          </p:cNvPr>
+          <p:cNvSpPr txBox="1"/>
+          <p:nvPr/>
+        </p:nvSpPr>
+        <p:spPr>
+          <a:xfrm>
+            <a:off x="7091265" y="3937516"/>
+            <a:ext cx="2351314" cy="646331"/>
+          </a:xfrm>
+          <a:prstGeom prst="rect">
+            <a:avLst/>
+          </a:prstGeom>
+          <a:noFill/>
+        </p:spPr>
+        <p:txBody>
+          <a:bodyPr wrap="square" rtlCol="0">
+            <a:spAutoFit/>
+          </a:bodyPr>
+          <a:lstStyle/>
+          <a:p>
+            <a:r>
+              <a:rPr lang="en-US" sz="3600" b="1" dirty="0">
+                <a:solidFill>
+                  <a:schemeClr val="bg1"/>
+                </a:solidFill>
+              </a:rPr>
+              <a:t>Master</a:t>
+            </a:r>
+          </a:p>
+        </p:txBody>
+      </p:sp>
+      <p:sp>
+        <p:nvSpPr>
+          <p:cNvPr id="9" name="TextBox 8">
+            <a:extLst>
+              <a:ext uri="{FF2B5EF4-FFF2-40B4-BE49-F238E27FC236}">
+                <a16:creationId xmlns:a16="http://schemas.microsoft.com/office/drawing/2014/main" id="{1A178001-BB54-176A-8C9F-DBD5C8E4923C}"/>
+              </a:ext>
+            </a:extLst>
+          </p:cNvPr>
+          <p:cNvSpPr txBox="1"/>
+          <p:nvPr/>
+        </p:nvSpPr>
+        <p:spPr>
+          <a:xfrm>
+            <a:off x="205273" y="154947"/>
+            <a:ext cx="6591181" cy="523220"/>
+          </a:xfrm>
+          <a:prstGeom prst="rect">
+            <a:avLst/>
+          </a:prstGeom>
+          <a:noFill/>
+        </p:spPr>
+        <p:txBody>
+          <a:bodyPr wrap="square" rtlCol="0">
+            <a:spAutoFit/>
+          </a:bodyPr>
+          <a:lstStyle/>
+          <a:p>
+            <a:r>
+              <a:rPr lang="en-US" sz="2800" b="1" dirty="0">
+                <a:solidFill>
+                  <a:srgbClr val="00B050"/>
+                </a:solidFill>
+                <a:latin typeface="Consolas" panose="020B0609020204030204" pitchFamily="49" charset="0"/>
+              </a:rPr>
+              <a:t>String Aggregation Operators</a:t>
+            </a:r>
+            <a:endParaRPr lang="en-US" sz="2800" b="1" dirty="0">
+              <a:solidFill>
+                <a:srgbClr val="00B050"/>
+              </a:solidFill>
+            </a:endParaRPr>
+          </a:p>
+        </p:txBody>
+      </p:sp>
+      <p:graphicFrame>
+        <p:nvGraphicFramePr>
+          <p:cNvPr id="4" name="Table 4">
+            <a:extLst>
+              <a:ext uri="{FF2B5EF4-FFF2-40B4-BE49-F238E27FC236}">
+                <a16:creationId xmlns:a16="http://schemas.microsoft.com/office/drawing/2014/main" id="{1A16A90B-6E48-C5D9-5622-090C857D35CD}"/>
+              </a:ext>
+            </a:extLst>
+          </p:cNvPr>
+          <p:cNvGraphicFramePr>
+            <a:graphicFrameLocks noGrp="1"/>
+          </p:cNvGraphicFramePr>
+          <p:nvPr>
+            <p:extLst>
+              <p:ext uri="{D42A27DB-BD31-4B8C-83A1-F6EECF244321}">
+                <p14:modId xmlns:p14="http://schemas.microsoft.com/office/powerpoint/2010/main" val="3763854225"/>
+              </p:ext>
+            </p:extLst>
+          </p:nvPr>
+        </p:nvGraphicFramePr>
+        <p:xfrm>
+          <a:off x="138922" y="1087965"/>
+          <a:ext cx="11685588" cy="4961189"/>
+        </p:xfrm>
+        <a:graphic>
+          <a:graphicData uri="http://schemas.openxmlformats.org/drawingml/2006/table">
+            <a:tbl>
+              <a:tblPr firstRow="1" bandRow="1">
+                <a:tableStyleId>{5C22544A-7EE6-4342-B048-85BDC9FD1C3A}</a:tableStyleId>
+              </a:tblPr>
+              <a:tblGrid>
+                <a:gridCol w="1795386">
+                  <a:extLst>
+                    <a:ext uri="{9D8B030D-6E8A-4147-A177-3AD203B41FA5}">
+                      <a16:colId xmlns:a16="http://schemas.microsoft.com/office/drawing/2014/main" val="2468772690"/>
+                    </a:ext>
+                  </a:extLst>
+                </a:gridCol>
+                <a:gridCol w="9890202">
+                  <a:extLst>
+                    <a:ext uri="{9D8B030D-6E8A-4147-A177-3AD203B41FA5}">
+                      <a16:colId xmlns:a16="http://schemas.microsoft.com/office/drawing/2014/main" val="1979571992"/>
+                    </a:ext>
+                  </a:extLst>
+                </a:gridCol>
+              </a:tblGrid>
+              <a:tr h="732043">
+                <a:tc>
+                  <a:txBody>
+                    <a:bodyPr/>
+                    <a:lstStyle/>
+                    <a:p>
+                      <a:r>
+                        <a:rPr lang="en-US" sz="1600" dirty="0"/>
+                        <a:t>$concat</a:t>
+                      </a:r>
+                    </a:p>
+                  </a:txBody>
+                  <a:tcPr/>
+                </a:tc>
+                <a:tc>
+                  <a:txBody>
+                    <a:bodyPr/>
+                    <a:lstStyle/>
+                    <a:p>
+                      <a:r>
+                        <a:rPr lang="en-US" sz="1600" dirty="0"/>
+                        <a:t>Concatenates any number of strings.</a:t>
+                      </a:r>
+                    </a:p>
+                  </a:txBody>
+                  <a:tcPr/>
+                </a:tc>
+                <a:extLst>
+                  <a:ext uri="{0D108BD9-81ED-4DB2-BD59-A6C34878D82A}">
+                    <a16:rowId xmlns:a16="http://schemas.microsoft.com/office/drawing/2014/main" val="3237714857"/>
+                  </a:ext>
+                </a:extLst>
+              </a:tr>
+              <a:tr h="770821">
+                <a:tc>
+                  <a:txBody>
+                    <a:bodyPr/>
+                    <a:lstStyle/>
+                    <a:p>
+                      <a:r>
+                        <a:rPr lang="en-US" sz="1600" dirty="0"/>
+                        <a:t>$split</a:t>
+                      </a:r>
+                    </a:p>
+                  </a:txBody>
+                  <a:tcPr/>
+                </a:tc>
+                <a:tc>
+                  <a:txBody>
+                    <a:bodyPr/>
+                    <a:lstStyle/>
+                    <a:p>
+                      <a:r>
+                        <a:rPr lang="en-US" sz="1600" dirty="0"/>
+                        <a:t>Splits a string into substrings based on a delimiter. Returns an array of substrings.</a:t>
+                      </a:r>
+                    </a:p>
+                  </a:txBody>
+                  <a:tcPr/>
+                </a:tc>
+                <a:extLst>
+                  <a:ext uri="{0D108BD9-81ED-4DB2-BD59-A6C34878D82A}">
+                    <a16:rowId xmlns:a16="http://schemas.microsoft.com/office/drawing/2014/main" val="3501679011"/>
+                  </a:ext>
+                </a:extLst>
+              </a:tr>
+              <a:tr h="691665">
+                <a:tc>
+                  <a:txBody>
+                    <a:bodyPr/>
+                    <a:lstStyle/>
+                    <a:p>
+                      <a:r>
+                        <a:rPr lang="en-US" sz="1600" dirty="0"/>
+                        <a:t>$toLower</a:t>
+                      </a:r>
+                    </a:p>
+                  </a:txBody>
+                  <a:tcPr/>
+                </a:tc>
+                <a:tc>
+                  <a:txBody>
+                    <a:bodyPr/>
+                    <a:lstStyle/>
+                    <a:p>
+                      <a:r>
+                        <a:rPr lang="en-US" sz="1600" dirty="0"/>
+                        <a:t>Converts a string to lowercase. </a:t>
+                      </a:r>
+                    </a:p>
+                  </a:txBody>
+                  <a:tcPr/>
+                </a:tc>
+                <a:extLst>
+                  <a:ext uri="{0D108BD9-81ED-4DB2-BD59-A6C34878D82A}">
+                    <a16:rowId xmlns:a16="http://schemas.microsoft.com/office/drawing/2014/main" val="2730696999"/>
+                  </a:ext>
+                </a:extLst>
+              </a:tr>
+              <a:tr h="691665">
+                <a:tc>
+                  <a:txBody>
+                    <a:bodyPr/>
+                    <a:lstStyle/>
+                    <a:p>
+                      <a:r>
+                        <a:rPr lang="en-US" sz="1600" dirty="0"/>
+                        <a:t>$toUpper</a:t>
+                      </a:r>
+                    </a:p>
+                  </a:txBody>
+                  <a:tcPr/>
+                </a:tc>
+                <a:tc>
+                  <a:txBody>
+                    <a:bodyPr/>
+                    <a:lstStyle/>
+                    <a:p>
+                      <a:r>
+                        <a:rPr lang="en-US" sz="1600" dirty="0"/>
+                        <a:t>Converts a string to uppercase</a:t>
+                      </a:r>
+                    </a:p>
+                  </a:txBody>
+                  <a:tcPr/>
+                </a:tc>
+                <a:extLst>
+                  <a:ext uri="{0D108BD9-81ED-4DB2-BD59-A6C34878D82A}">
+                    <a16:rowId xmlns:a16="http://schemas.microsoft.com/office/drawing/2014/main" val="246498707"/>
+                  </a:ext>
+                </a:extLst>
+              </a:tr>
+              <a:tr h="691665">
+                <a:tc>
+                  <a:txBody>
+                    <a:bodyPr/>
+                    <a:lstStyle/>
+                    <a:p>
+                      <a:r>
+                        <a:rPr lang="en-US" sz="1600" dirty="0"/>
+                        <a:t>$substrBytes</a:t>
+                      </a:r>
+                    </a:p>
+                  </a:txBody>
+                  <a:tcPr/>
+                </a:tc>
+                <a:tc>
+                  <a:txBody>
+                    <a:bodyPr/>
+                    <a:lstStyle/>
+                    <a:p>
+                      <a:r>
+                        <a:rPr lang="en-US" sz="1600" dirty="0"/>
+                        <a:t>Returns the substring of a string</a:t>
+                      </a:r>
+                    </a:p>
+                  </a:txBody>
+                  <a:tcPr/>
+                </a:tc>
+                <a:extLst>
+                  <a:ext uri="{0D108BD9-81ED-4DB2-BD59-A6C34878D82A}">
+                    <a16:rowId xmlns:a16="http://schemas.microsoft.com/office/drawing/2014/main" val="1519909763"/>
+                  </a:ext>
+                </a:extLst>
+              </a:tr>
+              <a:tr h="691665">
+                <a:tc>
+                  <a:txBody>
+                    <a:bodyPr/>
+                    <a:lstStyle/>
+                    <a:p>
+                      <a:r>
+                        <a:rPr lang="en-US" sz="1600" dirty="0"/>
+                        <a:t>$indexOfBytes</a:t>
+                      </a:r>
+                    </a:p>
+                  </a:txBody>
+                  <a:tcPr/>
+                </a:tc>
+                <a:tc>
+                  <a:txBody>
+                    <a:bodyPr/>
+                    <a:lstStyle/>
+                    <a:p>
+                      <a:r>
+                        <a:rPr lang="en-US" sz="1600" dirty="0"/>
+                        <a:t>Searches a string for an occurrence of a substring and returns the UTF-8 byte index of the first </a:t>
+                      </a:r>
+                      <a:r>
+                        <a:rPr lang="en-US" sz="1600" dirty="0" err="1"/>
+                        <a:t>occurence</a:t>
+                      </a:r>
+                      <a:endParaRPr lang="en-US" sz="1600" dirty="0"/>
+                    </a:p>
+                  </a:txBody>
+                  <a:tcPr/>
+                </a:tc>
+                <a:extLst>
+                  <a:ext uri="{0D108BD9-81ED-4DB2-BD59-A6C34878D82A}">
+                    <a16:rowId xmlns:a16="http://schemas.microsoft.com/office/drawing/2014/main" val="996999344"/>
+                  </a:ext>
+                </a:extLst>
+              </a:tr>
+              <a:tr h="691665">
+                <a:tc>
+                  <a:txBody>
+                    <a:bodyPr/>
+                    <a:lstStyle/>
+                    <a:p>
+                      <a:r>
+                        <a:rPr lang="en-US" sz="1600" dirty="0"/>
+                        <a:t>$indexOfCP</a:t>
+                      </a:r>
+                    </a:p>
+                  </a:txBody>
+                  <a:tcPr/>
+                </a:tc>
+                <a:tc>
+                  <a:txBody>
+                    <a:bodyPr/>
+                    <a:lstStyle/>
+                    <a:p>
+                      <a:r>
+                        <a:rPr lang="en-US" sz="1600" dirty="0"/>
+                        <a:t>Searches a string for an occurrence of a substring and returns the UTF-8 code point index of the first </a:t>
+                      </a:r>
+                      <a:r>
+                        <a:rPr lang="en-US" sz="1600" dirty="0" err="1"/>
+                        <a:t>occurence</a:t>
+                      </a:r>
+                      <a:r>
+                        <a:rPr lang="en-US" sz="1600" dirty="0"/>
+                        <a:t>.</a:t>
+                      </a:r>
+                    </a:p>
+                  </a:txBody>
+                  <a:tcPr/>
+                </a:tc>
+                <a:extLst>
+                  <a:ext uri="{0D108BD9-81ED-4DB2-BD59-A6C34878D82A}">
+                    <a16:rowId xmlns:a16="http://schemas.microsoft.com/office/drawing/2014/main" val="3448345847"/>
+                  </a:ext>
+                </a:extLst>
+              </a:tr>
+            </a:tbl>
+          </a:graphicData>
+        </a:graphic>
+      </p:graphicFrame>
+    </p:spTree>
+    <p:extLst>
+      <p:ext uri="{BB962C8B-B14F-4D97-AF65-F5344CB8AC3E}">
+        <p14:creationId xmlns:p14="http://schemas.microsoft.com/office/powerpoint/2010/main" val="1346103228"/>
+      </p:ext>
+    </p:extLst>
+  </p:cSld>
+  <p:clrMapOvr>
+    <a:masterClrMapping/>
+  </p:clrMapOvr>
+</p:sld>
+</file>
+
+<file path=ppt/slides/slide31.xml><?xml version="1.0" encoding="utf-8"?>
+<p:sld xmlns:a="http://schemas.openxmlformats.org/drawingml/2006/main" xmlns:r="http://schemas.openxmlformats.org/officeDocument/2006/relationships" xmlns:p="http://schemas.openxmlformats.org/presentationml/2006/main">
+  <p:cSld>
+    <p:spTree>
+      <p:nvGrpSpPr>
+        <p:cNvPr id="1" name=""/>
+        <p:cNvGrpSpPr/>
+        <p:nvPr/>
+      </p:nvGrpSpPr>
+      <p:grpSpPr>
+        <a:xfrm>
+          <a:off x="0" y="0"/>
+          <a:ext cx="0" cy="0"/>
+          <a:chOff x="0" y="0"/>
+          <a:chExt cx="0" cy="0"/>
+        </a:xfrm>
+      </p:grpSpPr>
+      <p:sp>
+        <p:nvSpPr>
+          <p:cNvPr id="6" name="TextBox 5">
+            <a:extLst>
+              <a:ext uri="{FF2B5EF4-FFF2-40B4-BE49-F238E27FC236}">
+                <a16:creationId xmlns:a16="http://schemas.microsoft.com/office/drawing/2014/main" id="{9B7E9EF7-9A48-9236-48BE-C506A7ED34B6}"/>
+              </a:ext>
+            </a:extLst>
+          </p:cNvPr>
+          <p:cNvSpPr txBox="1"/>
+          <p:nvPr/>
+        </p:nvSpPr>
+        <p:spPr>
+          <a:xfrm>
+            <a:off x="7091265" y="3937516"/>
+            <a:ext cx="2351314" cy="646331"/>
+          </a:xfrm>
+          <a:prstGeom prst="rect">
+            <a:avLst/>
+          </a:prstGeom>
+          <a:noFill/>
+        </p:spPr>
+        <p:txBody>
+          <a:bodyPr wrap="square" rtlCol="0">
+            <a:spAutoFit/>
+          </a:bodyPr>
+          <a:lstStyle/>
+          <a:p>
+            <a:r>
+              <a:rPr lang="en-US" sz="3600" b="1" dirty="0">
+                <a:solidFill>
+                  <a:schemeClr val="bg1"/>
+                </a:solidFill>
+              </a:rPr>
+              <a:t>Master</a:t>
+            </a:r>
+          </a:p>
+        </p:txBody>
+      </p:sp>
+      <p:sp>
+        <p:nvSpPr>
+          <p:cNvPr id="9" name="TextBox 8">
+            <a:extLst>
+              <a:ext uri="{FF2B5EF4-FFF2-40B4-BE49-F238E27FC236}">
+                <a16:creationId xmlns:a16="http://schemas.microsoft.com/office/drawing/2014/main" id="{1A178001-BB54-176A-8C9F-DBD5C8E4923C}"/>
+              </a:ext>
+            </a:extLst>
+          </p:cNvPr>
+          <p:cNvSpPr txBox="1"/>
+          <p:nvPr/>
+        </p:nvSpPr>
+        <p:spPr>
+          <a:xfrm>
+            <a:off x="205273" y="154947"/>
+            <a:ext cx="6591181" cy="523220"/>
+          </a:xfrm>
+          <a:prstGeom prst="rect">
+            <a:avLst/>
+          </a:prstGeom>
+          <a:noFill/>
+        </p:spPr>
+        <p:txBody>
+          <a:bodyPr wrap="square" rtlCol="0">
+            <a:spAutoFit/>
+          </a:bodyPr>
+          <a:lstStyle/>
+          <a:p>
+            <a:r>
+              <a:rPr lang="en-US" sz="2800" b="1" dirty="0">
+                <a:solidFill>
+                  <a:srgbClr val="00B050"/>
+                </a:solidFill>
+                <a:latin typeface="Consolas" panose="020B0609020204030204" pitchFamily="49" charset="0"/>
+              </a:rPr>
+              <a:t>String Aggregation Operators</a:t>
+            </a:r>
+            <a:endParaRPr lang="en-US" sz="2800" b="1" dirty="0">
+              <a:solidFill>
+                <a:srgbClr val="00B050"/>
+              </a:solidFill>
+            </a:endParaRPr>
+          </a:p>
+        </p:txBody>
+      </p:sp>
+      <p:graphicFrame>
+        <p:nvGraphicFramePr>
+          <p:cNvPr id="4" name="Table 4">
+            <a:extLst>
+              <a:ext uri="{FF2B5EF4-FFF2-40B4-BE49-F238E27FC236}">
+                <a16:creationId xmlns:a16="http://schemas.microsoft.com/office/drawing/2014/main" id="{1A16A90B-6E48-C5D9-5622-090C857D35CD}"/>
+              </a:ext>
+            </a:extLst>
+          </p:cNvPr>
+          <p:cNvGraphicFramePr>
+            <a:graphicFrameLocks noGrp="1"/>
+          </p:cNvGraphicFramePr>
+          <p:nvPr>
+            <p:extLst>
+              <p:ext uri="{D42A27DB-BD31-4B8C-83A1-F6EECF244321}">
+                <p14:modId xmlns:p14="http://schemas.microsoft.com/office/powerpoint/2010/main" val="3198487808"/>
+              </p:ext>
+            </p:extLst>
+          </p:nvPr>
+        </p:nvGraphicFramePr>
+        <p:xfrm>
+          <a:off x="138922" y="1087965"/>
+          <a:ext cx="11182110" cy="4911337"/>
+        </p:xfrm>
+        <a:graphic>
+          <a:graphicData uri="http://schemas.openxmlformats.org/drawingml/2006/table">
+            <a:tbl>
+              <a:tblPr firstRow="1" bandRow="1">
+                <a:tableStyleId>{5C22544A-7EE6-4342-B048-85BDC9FD1C3A}</a:tableStyleId>
+              </a:tblPr>
+              <a:tblGrid>
+                <a:gridCol w="1291908">
+                  <a:extLst>
+                    <a:ext uri="{9D8B030D-6E8A-4147-A177-3AD203B41FA5}">
+                      <a16:colId xmlns:a16="http://schemas.microsoft.com/office/drawing/2014/main" val="2468772690"/>
+                    </a:ext>
+                  </a:extLst>
+                </a:gridCol>
+                <a:gridCol w="9890202">
+                  <a:extLst>
+                    <a:ext uri="{9D8B030D-6E8A-4147-A177-3AD203B41FA5}">
+                      <a16:colId xmlns:a16="http://schemas.microsoft.com/office/drawing/2014/main" val="1979571992"/>
+                    </a:ext>
+                  </a:extLst>
+                </a:gridCol>
+              </a:tblGrid>
+              <a:tr h="682191">
+                <a:tc>
+                  <a:txBody>
+                    <a:bodyPr/>
+                    <a:lstStyle/>
+                    <a:p>
+                      <a:r>
+                        <a:rPr lang="en-US" sz="1600" dirty="0"/>
+                        <a:t>$strcasecmp</a:t>
+                      </a:r>
+                    </a:p>
+                  </a:txBody>
+                  <a:tcPr/>
+                </a:tc>
+                <a:tc>
+                  <a:txBody>
+                    <a:bodyPr/>
+                    <a:lstStyle/>
+                    <a:p>
+                      <a:r>
+                        <a:rPr lang="en-US" sz="1600" dirty="0"/>
+                        <a:t>Performs case-insensitive string comparison and returns: 0 if two strings are equivalent</a:t>
+                      </a:r>
+                    </a:p>
+                  </a:txBody>
+                  <a:tcPr/>
+                </a:tc>
+                <a:extLst>
+                  <a:ext uri="{0D108BD9-81ED-4DB2-BD59-A6C34878D82A}">
+                    <a16:rowId xmlns:a16="http://schemas.microsoft.com/office/drawing/2014/main" val="3237714857"/>
+                  </a:ext>
+                </a:extLst>
+              </a:tr>
+              <a:tr h="770821">
+                <a:tc>
+                  <a:txBody>
+                    <a:bodyPr/>
+                    <a:lstStyle/>
+                    <a:p>
+                      <a:r>
+                        <a:rPr lang="en-US" sz="1600" dirty="0"/>
+                        <a:t>$strLenBytes</a:t>
+                      </a:r>
+                    </a:p>
+                  </a:txBody>
+                  <a:tcPr/>
+                </a:tc>
+                <a:tc>
+                  <a:txBody>
+                    <a:bodyPr/>
+                    <a:lstStyle/>
+                    <a:p>
+                      <a:r>
+                        <a:rPr lang="en-US" sz="1600" dirty="0"/>
+                        <a:t> Returns the number of UTF-8 encoded bytes in a string</a:t>
+                      </a:r>
+                    </a:p>
+                  </a:txBody>
+                  <a:tcPr/>
+                </a:tc>
+                <a:extLst>
+                  <a:ext uri="{0D108BD9-81ED-4DB2-BD59-A6C34878D82A}">
+                    <a16:rowId xmlns:a16="http://schemas.microsoft.com/office/drawing/2014/main" val="3501679011"/>
+                  </a:ext>
+                </a:extLst>
+              </a:tr>
+              <a:tr h="691665">
+                <a:tc>
+                  <a:txBody>
+                    <a:bodyPr/>
+                    <a:lstStyle/>
+                    <a:p>
+                      <a:r>
+                        <a:rPr lang="en-US" sz="1600" dirty="0"/>
+                        <a:t>$strLenCP</a:t>
+                      </a:r>
+                    </a:p>
+                  </a:txBody>
+                  <a:tcPr/>
+                </a:tc>
+                <a:tc>
+                  <a:txBody>
+                    <a:bodyPr/>
+                    <a:lstStyle/>
+                    <a:p>
+                      <a:r>
+                        <a:rPr lang="en-US" sz="1600" dirty="0"/>
+                        <a:t>Returns the number of UTF-8 code points in a string.</a:t>
+                      </a:r>
+                    </a:p>
+                  </a:txBody>
+                  <a:tcPr/>
+                </a:tc>
+                <a:extLst>
+                  <a:ext uri="{0D108BD9-81ED-4DB2-BD59-A6C34878D82A}">
+                    <a16:rowId xmlns:a16="http://schemas.microsoft.com/office/drawing/2014/main" val="2730696999"/>
+                  </a:ext>
+                </a:extLst>
+              </a:tr>
+              <a:tr h="691665">
+                <a:tc>
+                  <a:txBody>
+                    <a:bodyPr/>
+                    <a:lstStyle/>
+                    <a:p>
+                      <a:r>
+                        <a:rPr lang="en-US" sz="1600" dirty="0"/>
+                        <a:t>$strcasecmp</a:t>
+                      </a:r>
+                    </a:p>
+                  </a:txBody>
+                  <a:tcPr/>
+                </a:tc>
+                <a:tc>
+                  <a:txBody>
+                    <a:bodyPr/>
+                    <a:lstStyle/>
+                    <a:p>
+                      <a:r>
+                        <a:rPr lang="en-US" sz="1600" dirty="0"/>
+                        <a:t>Performs case-insensitive string comparison and returns: 0 if two strings are equivalent</a:t>
+                      </a:r>
+                    </a:p>
+                  </a:txBody>
+                  <a:tcPr/>
+                </a:tc>
+                <a:extLst>
+                  <a:ext uri="{0D108BD9-81ED-4DB2-BD59-A6C34878D82A}">
+                    <a16:rowId xmlns:a16="http://schemas.microsoft.com/office/drawing/2014/main" val="246498707"/>
+                  </a:ext>
+                </a:extLst>
+              </a:tr>
+              <a:tr h="691665">
+                <a:tc>
+                  <a:txBody>
+                    <a:bodyPr/>
+                    <a:lstStyle/>
+                    <a:p>
+                      <a:r>
+                        <a:rPr lang="en-US" sz="1600" u="none" dirty="0"/>
+                        <a:t>$substrCP</a:t>
+                      </a:r>
+                    </a:p>
+                  </a:txBody>
+                  <a:tcPr/>
+                </a:tc>
+                <a:tc>
+                  <a:txBody>
+                    <a:bodyPr/>
+                    <a:lstStyle/>
+                    <a:p>
+                      <a:r>
+                        <a:rPr lang="en-US" sz="1600" dirty="0"/>
+                        <a:t>Returns the substring of a string. Starts with the character at the specified UTF-8 code point (CP)</a:t>
+                      </a:r>
+                    </a:p>
+                  </a:txBody>
+                  <a:tcPr/>
+                </a:tc>
+                <a:extLst>
+                  <a:ext uri="{0D108BD9-81ED-4DB2-BD59-A6C34878D82A}">
+                    <a16:rowId xmlns:a16="http://schemas.microsoft.com/office/drawing/2014/main" val="1519909763"/>
+                  </a:ext>
+                </a:extLst>
+              </a:tr>
+              <a:tr h="691665">
+                <a:tc>
+                  <a:txBody>
+                    <a:bodyPr/>
+                    <a:lstStyle/>
+                    <a:p>
+                      <a:endParaRPr lang="en-US" sz="1600" dirty="0"/>
+                    </a:p>
+                  </a:txBody>
+                  <a:tcPr/>
+                </a:tc>
+                <a:tc>
+                  <a:txBody>
+                    <a:bodyPr/>
+                    <a:lstStyle/>
+                    <a:p>
+                      <a:endParaRPr lang="en-US" sz="1600" dirty="0"/>
+                    </a:p>
+                  </a:txBody>
+                  <a:tcPr/>
+                </a:tc>
+                <a:extLst>
+                  <a:ext uri="{0D108BD9-81ED-4DB2-BD59-A6C34878D82A}">
+                    <a16:rowId xmlns:a16="http://schemas.microsoft.com/office/drawing/2014/main" val="996999344"/>
+                  </a:ext>
+                </a:extLst>
+              </a:tr>
+              <a:tr h="691665">
+                <a:tc>
+                  <a:txBody>
+                    <a:bodyPr/>
+                    <a:lstStyle/>
+                    <a:p>
+                      <a:endParaRPr lang="en-US" sz="1600" dirty="0"/>
+                    </a:p>
+                  </a:txBody>
+                  <a:tcPr/>
+                </a:tc>
+                <a:tc>
+                  <a:txBody>
+                    <a:bodyPr/>
+                    <a:lstStyle/>
+                    <a:p>
+                      <a:endParaRPr lang="en-US" sz="1600" dirty="0"/>
+                    </a:p>
+                  </a:txBody>
+                  <a:tcPr/>
+                </a:tc>
+                <a:extLst>
+                  <a:ext uri="{0D108BD9-81ED-4DB2-BD59-A6C34878D82A}">
+                    <a16:rowId xmlns:a16="http://schemas.microsoft.com/office/drawing/2014/main" val="3448345847"/>
+                  </a:ext>
+                </a:extLst>
+              </a:tr>
+            </a:tbl>
+          </a:graphicData>
+        </a:graphic>
+      </p:graphicFrame>
+    </p:spTree>
+    <p:extLst>
+      <p:ext uri="{BB962C8B-B14F-4D97-AF65-F5344CB8AC3E}">
+        <p14:creationId xmlns:p14="http://schemas.microsoft.com/office/powerpoint/2010/main" val="1680539297"/>
+      </p:ext>
+    </p:extLst>
+  </p:cSld>
+  <p:clrMapOvr>
+    <a:masterClrMapping/>
+  </p:clrMapOvr>
+</p:sld>
+</file>
+
+<file path=ppt/slides/slide32.xml><?xml version="1.0" encoding="utf-8"?>
+<p:sld xmlns:a="http://schemas.openxmlformats.org/drawingml/2006/main" xmlns:r="http://schemas.openxmlformats.org/officeDocument/2006/relationships" xmlns:p="http://schemas.openxmlformats.org/presentationml/2006/main">
+  <p:cSld>
+    <p:spTree>
+      <p:nvGrpSpPr>
+        <p:cNvPr id="1" name=""/>
+        <p:cNvGrpSpPr/>
+        <p:nvPr/>
+      </p:nvGrpSpPr>
+      <p:grpSpPr>
+        <a:xfrm>
+          <a:off x="0" y="0"/>
+          <a:ext cx="0" cy="0"/>
+          <a:chOff x="0" y="0"/>
+          <a:chExt cx="0" cy="0"/>
+        </a:xfrm>
+      </p:grpSpPr>
+      <p:sp>
+        <p:nvSpPr>
+          <p:cNvPr id="6" name="TextBox 5">
+            <a:extLst>
+              <a:ext uri="{FF2B5EF4-FFF2-40B4-BE49-F238E27FC236}">
+                <a16:creationId xmlns:a16="http://schemas.microsoft.com/office/drawing/2014/main" id="{9B7E9EF7-9A48-9236-48BE-C506A7ED34B6}"/>
+              </a:ext>
+            </a:extLst>
+          </p:cNvPr>
+          <p:cNvSpPr txBox="1"/>
+          <p:nvPr/>
+        </p:nvSpPr>
+        <p:spPr>
+          <a:xfrm>
+            <a:off x="7091265" y="3937516"/>
+            <a:ext cx="2351314" cy="646331"/>
+          </a:xfrm>
+          <a:prstGeom prst="rect">
+            <a:avLst/>
+          </a:prstGeom>
+          <a:noFill/>
+        </p:spPr>
+        <p:txBody>
+          <a:bodyPr wrap="square" rtlCol="0">
+            <a:spAutoFit/>
+          </a:bodyPr>
+          <a:lstStyle/>
+          <a:p>
+            <a:r>
+              <a:rPr lang="en-US" sz="3600" b="1" dirty="0">
+                <a:solidFill>
+                  <a:schemeClr val="bg1"/>
+                </a:solidFill>
+              </a:rPr>
+              <a:t>Master</a:t>
+            </a:r>
+          </a:p>
+        </p:txBody>
+      </p:sp>
+      <p:sp>
+        <p:nvSpPr>
+          <p:cNvPr id="9" name="TextBox 8">
+            <a:extLst>
+              <a:ext uri="{FF2B5EF4-FFF2-40B4-BE49-F238E27FC236}">
+                <a16:creationId xmlns:a16="http://schemas.microsoft.com/office/drawing/2014/main" id="{1A178001-BB54-176A-8C9F-DBD5C8E4923C}"/>
+              </a:ext>
+            </a:extLst>
+          </p:cNvPr>
+          <p:cNvSpPr txBox="1"/>
+          <p:nvPr/>
+        </p:nvSpPr>
+        <p:spPr>
+          <a:xfrm>
+            <a:off x="205273" y="154947"/>
+            <a:ext cx="6591181" cy="523220"/>
+          </a:xfrm>
+          <a:prstGeom prst="rect">
+            <a:avLst/>
+          </a:prstGeom>
+          <a:noFill/>
+        </p:spPr>
+        <p:txBody>
+          <a:bodyPr wrap="square" rtlCol="0">
+            <a:spAutoFit/>
+          </a:bodyPr>
+          <a:lstStyle/>
+          <a:p>
+            <a:r>
+              <a:rPr lang="en-US" sz="2800" b="1" dirty="0">
+                <a:solidFill>
+                  <a:srgbClr val="00B050"/>
+                </a:solidFill>
+                <a:latin typeface="Consolas" panose="020B0609020204030204" pitchFamily="49" charset="0"/>
+              </a:rPr>
+              <a:t>Date Aggregation Operators</a:t>
+            </a:r>
+            <a:endParaRPr lang="en-US" sz="2800" b="1" dirty="0">
+              <a:solidFill>
+                <a:srgbClr val="00B050"/>
+              </a:solidFill>
+            </a:endParaRPr>
+          </a:p>
+        </p:txBody>
+      </p:sp>
+      <p:graphicFrame>
+        <p:nvGraphicFramePr>
+          <p:cNvPr id="4" name="Table 4">
+            <a:extLst>
+              <a:ext uri="{FF2B5EF4-FFF2-40B4-BE49-F238E27FC236}">
+                <a16:creationId xmlns:a16="http://schemas.microsoft.com/office/drawing/2014/main" id="{1A16A90B-6E48-C5D9-5622-090C857D35CD}"/>
+              </a:ext>
+            </a:extLst>
+          </p:cNvPr>
+          <p:cNvGraphicFramePr>
+            <a:graphicFrameLocks noGrp="1"/>
+          </p:cNvGraphicFramePr>
+          <p:nvPr>
+            <p:extLst>
+              <p:ext uri="{D42A27DB-BD31-4B8C-83A1-F6EECF244321}">
+                <p14:modId xmlns:p14="http://schemas.microsoft.com/office/powerpoint/2010/main" val="1689173596"/>
+              </p:ext>
+            </p:extLst>
+          </p:nvPr>
+        </p:nvGraphicFramePr>
+        <p:xfrm>
+          <a:off x="290146" y="1087965"/>
+          <a:ext cx="11030887" cy="4911337"/>
+        </p:xfrm>
+        <a:graphic>
+          <a:graphicData uri="http://schemas.openxmlformats.org/drawingml/2006/table">
+            <a:tbl>
+              <a:tblPr firstRow="1" bandRow="1">
+                <a:tableStyleId>{5940675A-B579-460E-94D1-54222C63F5DA}</a:tableStyleId>
+              </a:tblPr>
+              <a:tblGrid>
+                <a:gridCol w="1667399">
+                  <a:extLst>
+                    <a:ext uri="{9D8B030D-6E8A-4147-A177-3AD203B41FA5}">
+                      <a16:colId xmlns:a16="http://schemas.microsoft.com/office/drawing/2014/main" val="2468772690"/>
+                    </a:ext>
+                  </a:extLst>
+                </a:gridCol>
+                <a:gridCol w="9363488">
+                  <a:extLst>
+                    <a:ext uri="{9D8B030D-6E8A-4147-A177-3AD203B41FA5}">
+                      <a16:colId xmlns:a16="http://schemas.microsoft.com/office/drawing/2014/main" val="1979571992"/>
+                    </a:ext>
+                  </a:extLst>
+                </a:gridCol>
+              </a:tblGrid>
+              <a:tr h="682191">
+                <a:tc>
+                  <a:txBody>
+                    <a:bodyPr/>
+                    <a:lstStyle/>
+                    <a:p>
+                      <a:r>
+                        <a:rPr lang="en-US" sz="1600" dirty="0"/>
+                        <a:t>$</a:t>
+                      </a:r>
+                      <a:r>
+                        <a:rPr lang="en-US" sz="1600" dirty="0" err="1"/>
+                        <a:t>dayOfYear</a:t>
+                      </a:r>
+                      <a:endParaRPr lang="en-US" sz="1600" dirty="0"/>
+                    </a:p>
+                  </a:txBody>
+                  <a:tcPr/>
+                </a:tc>
+                <a:tc>
+                  <a:txBody>
+                    <a:bodyPr/>
+                    <a:lstStyle/>
+                    <a:p>
+                      <a:r>
+                        <a:rPr lang="en-US" sz="1600" dirty="0"/>
+                        <a:t>Returns the day of the year for a date as a number between 1 and 366 (leap year).</a:t>
+                      </a:r>
+                    </a:p>
+                  </a:txBody>
+                  <a:tcPr/>
+                </a:tc>
+                <a:extLst>
+                  <a:ext uri="{0D108BD9-81ED-4DB2-BD59-A6C34878D82A}">
+                    <a16:rowId xmlns:a16="http://schemas.microsoft.com/office/drawing/2014/main" val="3237714857"/>
+                  </a:ext>
+                </a:extLst>
+              </a:tr>
+              <a:tr h="770821">
+                <a:tc>
+                  <a:txBody>
+                    <a:bodyPr/>
+                    <a:lstStyle/>
+                    <a:p>
+                      <a:r>
+                        <a:rPr lang="en-US" sz="1600" dirty="0"/>
+                        <a:t>$</a:t>
+                      </a:r>
+                      <a:r>
+                        <a:rPr lang="en-US" sz="1600" dirty="0" err="1"/>
+                        <a:t>dayOfMonth</a:t>
+                      </a:r>
+                      <a:endParaRPr lang="en-US" sz="1600" dirty="0"/>
+                    </a:p>
+                  </a:txBody>
+                  <a:tcPr/>
+                </a:tc>
+                <a:tc>
+                  <a:txBody>
+                    <a:bodyPr/>
+                    <a:lstStyle/>
+                    <a:p>
+                      <a:r>
+                        <a:rPr lang="en-US" sz="1600" dirty="0"/>
+                        <a:t> Returns the day of the month for a date as a number between 1 and 31</a:t>
+                      </a:r>
+                    </a:p>
+                  </a:txBody>
+                  <a:tcPr/>
+                </a:tc>
+                <a:extLst>
+                  <a:ext uri="{0D108BD9-81ED-4DB2-BD59-A6C34878D82A}">
+                    <a16:rowId xmlns:a16="http://schemas.microsoft.com/office/drawing/2014/main" val="3501679011"/>
+                  </a:ext>
+                </a:extLst>
+              </a:tr>
+              <a:tr h="691665">
+                <a:tc>
+                  <a:txBody>
+                    <a:bodyPr/>
+                    <a:lstStyle/>
+                    <a:p>
+                      <a:r>
+                        <a:rPr lang="en-US" sz="1600" dirty="0"/>
+                        <a:t>$</a:t>
+                      </a:r>
+                      <a:r>
+                        <a:rPr lang="en-US" sz="1600" dirty="0" err="1"/>
+                        <a:t>dayOfWeek</a:t>
+                      </a:r>
+                      <a:endParaRPr lang="en-US" sz="1600" dirty="0"/>
+                    </a:p>
+                  </a:txBody>
+                  <a:tcPr/>
+                </a:tc>
+                <a:tc>
+                  <a:txBody>
+                    <a:bodyPr/>
+                    <a:lstStyle/>
+                    <a:p>
+                      <a:r>
+                        <a:rPr lang="en-US" sz="1600" dirty="0"/>
+                        <a:t>Returns the day of the week for a date as a number between 1 (Sunday) and 7 (Saturday)</a:t>
+                      </a:r>
+                    </a:p>
+                  </a:txBody>
+                  <a:tcPr/>
+                </a:tc>
+                <a:extLst>
+                  <a:ext uri="{0D108BD9-81ED-4DB2-BD59-A6C34878D82A}">
+                    <a16:rowId xmlns:a16="http://schemas.microsoft.com/office/drawing/2014/main" val="2730696999"/>
+                  </a:ext>
+                </a:extLst>
+              </a:tr>
+              <a:tr h="691665">
+                <a:tc>
+                  <a:txBody>
+                    <a:bodyPr/>
+                    <a:lstStyle/>
+                    <a:p>
+                      <a:r>
+                        <a:rPr lang="en-US" sz="1600" dirty="0"/>
+                        <a:t>$year</a:t>
+                      </a:r>
+                    </a:p>
+                  </a:txBody>
+                  <a:tcPr/>
+                </a:tc>
+                <a:tc>
+                  <a:txBody>
+                    <a:bodyPr/>
+                    <a:lstStyle/>
+                    <a:p>
+                      <a:r>
+                        <a:rPr lang="en-US" sz="1600" dirty="0"/>
+                        <a:t>Returns the year for a date as a number </a:t>
+                      </a:r>
+                    </a:p>
+                  </a:txBody>
+                  <a:tcPr/>
+                </a:tc>
+                <a:extLst>
+                  <a:ext uri="{0D108BD9-81ED-4DB2-BD59-A6C34878D82A}">
+                    <a16:rowId xmlns:a16="http://schemas.microsoft.com/office/drawing/2014/main" val="246498707"/>
+                  </a:ext>
+                </a:extLst>
+              </a:tr>
+              <a:tr h="691665">
+                <a:tc>
+                  <a:txBody>
+                    <a:bodyPr/>
+                    <a:lstStyle/>
+                    <a:p>
+                      <a:r>
+                        <a:rPr lang="en-US" sz="1600" dirty="0"/>
+                        <a:t>$month</a:t>
+                      </a:r>
+                      <a:endParaRPr lang="en-US" sz="1600" u="none" dirty="0"/>
+                    </a:p>
+                  </a:txBody>
+                  <a:tcPr/>
+                </a:tc>
+                <a:tc>
+                  <a:txBody>
+                    <a:bodyPr/>
+                    <a:lstStyle/>
+                    <a:p>
+                      <a:r>
+                        <a:rPr lang="en-US" sz="1600" dirty="0"/>
+                        <a:t> Returns the month for a date as a number between 1 (January) and 12 (December).</a:t>
+                      </a:r>
+                    </a:p>
+                  </a:txBody>
+                  <a:tcPr/>
+                </a:tc>
+                <a:extLst>
+                  <a:ext uri="{0D108BD9-81ED-4DB2-BD59-A6C34878D82A}">
+                    <a16:rowId xmlns:a16="http://schemas.microsoft.com/office/drawing/2014/main" val="1519909763"/>
+                  </a:ext>
+                </a:extLst>
+              </a:tr>
+              <a:tr h="691665">
+                <a:tc>
+                  <a:txBody>
+                    <a:bodyPr/>
+                    <a:lstStyle/>
+                    <a:p>
+                      <a:r>
+                        <a:rPr lang="en-US" sz="1600" dirty="0"/>
+                        <a:t>$week</a:t>
+                      </a:r>
+                    </a:p>
+                  </a:txBody>
+                  <a:tcPr/>
+                </a:tc>
+                <a:tc>
+                  <a:txBody>
+                    <a:bodyPr/>
+                    <a:lstStyle/>
+                    <a:p>
+                      <a:r>
+                        <a:rPr lang="en-US" sz="1600" dirty="0"/>
+                        <a:t>Returns the week number for a date as a number between 0 (the partial week that precedes the first Sunday of the year) and 53 (leap year).</a:t>
+                      </a:r>
+                    </a:p>
+                  </a:txBody>
+                  <a:tcPr/>
+                </a:tc>
+                <a:extLst>
+                  <a:ext uri="{0D108BD9-81ED-4DB2-BD59-A6C34878D82A}">
+                    <a16:rowId xmlns:a16="http://schemas.microsoft.com/office/drawing/2014/main" val="996999344"/>
+                  </a:ext>
+                </a:extLst>
+              </a:tr>
+              <a:tr h="691665">
+                <a:tc>
+                  <a:txBody>
+                    <a:bodyPr/>
+                    <a:lstStyle/>
+                    <a:p>
+                      <a:r>
+                        <a:rPr lang="en-US" sz="1600" dirty="0"/>
+                        <a:t>$hour</a:t>
+                      </a:r>
+                    </a:p>
+                  </a:txBody>
+                  <a:tcPr/>
+                </a:tc>
+                <a:tc>
+                  <a:txBody>
+                    <a:bodyPr/>
+                    <a:lstStyle/>
+                    <a:p>
+                      <a:r>
+                        <a:rPr lang="en-US" sz="1600" dirty="0"/>
+                        <a:t>Returns the hour for a date as a number between 0 and 23.</a:t>
+                      </a:r>
+                    </a:p>
+                  </a:txBody>
+                  <a:tcPr/>
+                </a:tc>
+                <a:extLst>
+                  <a:ext uri="{0D108BD9-81ED-4DB2-BD59-A6C34878D82A}">
+                    <a16:rowId xmlns:a16="http://schemas.microsoft.com/office/drawing/2014/main" val="3448345847"/>
+                  </a:ext>
+                </a:extLst>
+              </a:tr>
+            </a:tbl>
+          </a:graphicData>
+        </a:graphic>
+      </p:graphicFrame>
+    </p:spTree>
+    <p:extLst>
+      <p:ext uri="{BB962C8B-B14F-4D97-AF65-F5344CB8AC3E}">
+        <p14:creationId xmlns:p14="http://schemas.microsoft.com/office/powerpoint/2010/main" val="3166528759"/>
+      </p:ext>
+    </p:extLst>
+  </p:cSld>
+  <p:clrMapOvr>
+    <a:masterClrMapping/>
+  </p:clrMapOvr>
+</p:sld>
+</file>
+
+<file path=ppt/slides/slide33.xml><?xml version="1.0" encoding="utf-8"?>
+<p:sld xmlns:a="http://schemas.openxmlformats.org/drawingml/2006/main" xmlns:r="http://schemas.openxmlformats.org/officeDocument/2006/relationships" xmlns:p="http://schemas.openxmlformats.org/presentationml/2006/main">
+  <p:cSld>
+    <p:spTree>
+      <p:nvGrpSpPr>
+        <p:cNvPr id="1" name=""/>
+        <p:cNvGrpSpPr/>
+        <p:nvPr/>
+      </p:nvGrpSpPr>
+      <p:grpSpPr>
+        <a:xfrm>
+          <a:off x="0" y="0"/>
+          <a:ext cx="0" cy="0"/>
+          <a:chOff x="0" y="0"/>
+          <a:chExt cx="0" cy="0"/>
+        </a:xfrm>
+      </p:grpSpPr>
+      <p:sp>
+        <p:nvSpPr>
+          <p:cNvPr id="6" name="TextBox 5">
+            <a:extLst>
+              <a:ext uri="{FF2B5EF4-FFF2-40B4-BE49-F238E27FC236}">
+                <a16:creationId xmlns:a16="http://schemas.microsoft.com/office/drawing/2014/main" id="{9B7E9EF7-9A48-9236-48BE-C506A7ED34B6}"/>
+              </a:ext>
+            </a:extLst>
+          </p:cNvPr>
+          <p:cNvSpPr txBox="1"/>
+          <p:nvPr/>
+        </p:nvSpPr>
+        <p:spPr>
+          <a:xfrm>
+            <a:off x="7091265" y="3937516"/>
+            <a:ext cx="2351314" cy="646331"/>
+          </a:xfrm>
+          <a:prstGeom prst="rect">
+            <a:avLst/>
+          </a:prstGeom>
+          <a:noFill/>
+        </p:spPr>
+        <p:txBody>
+          <a:bodyPr wrap="square" rtlCol="0">
+            <a:spAutoFit/>
+          </a:bodyPr>
+          <a:lstStyle/>
+          <a:p>
+            <a:r>
+              <a:rPr lang="en-US" sz="3600" b="1" dirty="0">
+                <a:solidFill>
+                  <a:schemeClr val="bg1"/>
+                </a:solidFill>
+              </a:rPr>
+              <a:t>Master</a:t>
+            </a:r>
+          </a:p>
+        </p:txBody>
+      </p:sp>
+      <p:sp>
+        <p:nvSpPr>
+          <p:cNvPr id="9" name="TextBox 8">
+            <a:extLst>
+              <a:ext uri="{FF2B5EF4-FFF2-40B4-BE49-F238E27FC236}">
+                <a16:creationId xmlns:a16="http://schemas.microsoft.com/office/drawing/2014/main" id="{1A178001-BB54-176A-8C9F-DBD5C8E4923C}"/>
+              </a:ext>
+            </a:extLst>
+          </p:cNvPr>
+          <p:cNvSpPr txBox="1"/>
+          <p:nvPr/>
+        </p:nvSpPr>
+        <p:spPr>
+          <a:xfrm>
+            <a:off x="205273" y="154947"/>
+            <a:ext cx="6591181" cy="523220"/>
+          </a:xfrm>
+          <a:prstGeom prst="rect">
+            <a:avLst/>
+          </a:prstGeom>
+          <a:noFill/>
+        </p:spPr>
+        <p:txBody>
+          <a:bodyPr wrap="square" rtlCol="0">
+            <a:spAutoFit/>
+          </a:bodyPr>
+          <a:lstStyle/>
+          <a:p>
+            <a:r>
+              <a:rPr lang="en-US" sz="2800" b="1" dirty="0">
+                <a:solidFill>
+                  <a:srgbClr val="00B050"/>
+                </a:solidFill>
+                <a:latin typeface="Consolas" panose="020B0609020204030204" pitchFamily="49" charset="0"/>
+              </a:rPr>
+              <a:t>Date Aggregation Operators</a:t>
+            </a:r>
+            <a:endParaRPr lang="en-US" sz="2800" b="1" dirty="0">
+              <a:solidFill>
+                <a:srgbClr val="00B050"/>
+              </a:solidFill>
+            </a:endParaRPr>
+          </a:p>
+        </p:txBody>
+      </p:sp>
+      <p:graphicFrame>
+        <p:nvGraphicFramePr>
+          <p:cNvPr id="4" name="Table 4">
+            <a:extLst>
+              <a:ext uri="{FF2B5EF4-FFF2-40B4-BE49-F238E27FC236}">
+                <a16:creationId xmlns:a16="http://schemas.microsoft.com/office/drawing/2014/main" id="{1A16A90B-6E48-C5D9-5622-090C857D35CD}"/>
+              </a:ext>
+            </a:extLst>
+          </p:cNvPr>
+          <p:cNvGraphicFramePr>
+            <a:graphicFrameLocks noGrp="1"/>
+          </p:cNvGraphicFramePr>
+          <p:nvPr/>
+        </p:nvGraphicFramePr>
+        <p:xfrm>
+          <a:off x="272563" y="1087965"/>
+          <a:ext cx="11048470" cy="4219672"/>
+        </p:xfrm>
+        <a:graphic>
+          <a:graphicData uri="http://schemas.openxmlformats.org/drawingml/2006/table">
+            <a:tbl>
+              <a:tblPr firstRow="1" bandRow="1">
+                <a:tableStyleId>{5940675A-B579-460E-94D1-54222C63F5DA}</a:tableStyleId>
+              </a:tblPr>
+              <a:tblGrid>
+                <a:gridCol w="1684982">
+                  <a:extLst>
+                    <a:ext uri="{9D8B030D-6E8A-4147-A177-3AD203B41FA5}">
+                      <a16:colId xmlns:a16="http://schemas.microsoft.com/office/drawing/2014/main" val="2468772690"/>
+                    </a:ext>
+                  </a:extLst>
+                </a:gridCol>
+                <a:gridCol w="9363488">
+                  <a:extLst>
+                    <a:ext uri="{9D8B030D-6E8A-4147-A177-3AD203B41FA5}">
+                      <a16:colId xmlns:a16="http://schemas.microsoft.com/office/drawing/2014/main" val="1979571992"/>
+                    </a:ext>
+                  </a:extLst>
+                </a:gridCol>
+              </a:tblGrid>
+              <a:tr h="682191">
+                <a:tc>
+                  <a:txBody>
+                    <a:bodyPr/>
+                    <a:lstStyle/>
+                    <a:p>
+                      <a:r>
+                        <a:rPr lang="en-US" sz="1600" dirty="0"/>
+                        <a:t>$minute</a:t>
+                      </a:r>
+                    </a:p>
+                  </a:txBody>
+                  <a:tcPr/>
+                </a:tc>
+                <a:tc>
+                  <a:txBody>
+                    <a:bodyPr/>
+                    <a:lstStyle/>
+                    <a:p>
+                      <a:r>
+                        <a:rPr lang="en-US" sz="1600" dirty="0"/>
+                        <a:t>Returns the minute for a date as a number between 0 and 59.</a:t>
+                      </a:r>
+                    </a:p>
+                  </a:txBody>
+                  <a:tcPr/>
+                </a:tc>
+                <a:extLst>
+                  <a:ext uri="{0D108BD9-81ED-4DB2-BD59-A6C34878D82A}">
+                    <a16:rowId xmlns:a16="http://schemas.microsoft.com/office/drawing/2014/main" val="3237714857"/>
+                  </a:ext>
+                </a:extLst>
+              </a:tr>
+              <a:tr h="770821">
+                <a:tc>
+                  <a:txBody>
+                    <a:bodyPr/>
+                    <a:lstStyle/>
+                    <a:p>
+                      <a:r>
+                        <a:rPr lang="en-US" sz="1600" dirty="0"/>
+                        <a:t>$second</a:t>
+                      </a:r>
+                    </a:p>
+                  </a:txBody>
+                  <a:tcPr/>
+                </a:tc>
+                <a:tc>
+                  <a:txBody>
+                    <a:bodyPr/>
+                    <a:lstStyle/>
+                    <a:p>
+                      <a:r>
+                        <a:rPr lang="en-US" sz="1600" dirty="0"/>
+                        <a:t> Returns the seconds for a date as a number between 0 and 60 (leap seconds).</a:t>
+                      </a:r>
+                    </a:p>
+                  </a:txBody>
+                  <a:tcPr/>
+                </a:tc>
+                <a:extLst>
+                  <a:ext uri="{0D108BD9-81ED-4DB2-BD59-A6C34878D82A}">
+                    <a16:rowId xmlns:a16="http://schemas.microsoft.com/office/drawing/2014/main" val="3501679011"/>
+                  </a:ext>
+                </a:extLst>
+              </a:tr>
+              <a:tr h="691665">
+                <a:tc>
+                  <a:txBody>
+                    <a:bodyPr/>
+                    <a:lstStyle/>
+                    <a:p>
+                      <a:r>
+                        <a:rPr lang="en-US" sz="1600" dirty="0"/>
+                        <a:t>$millisecond</a:t>
+                      </a:r>
+                    </a:p>
+                  </a:txBody>
+                  <a:tcPr/>
+                </a:tc>
+                <a:tc>
+                  <a:txBody>
+                    <a:bodyPr/>
+                    <a:lstStyle/>
+                    <a:p>
+                      <a:r>
+                        <a:rPr lang="en-US" sz="1600" dirty="0"/>
+                        <a:t>Returns the milliseconds of a date as a number between 0 and 999.</a:t>
+                      </a:r>
+                    </a:p>
+                  </a:txBody>
+                  <a:tcPr/>
+                </a:tc>
+                <a:extLst>
+                  <a:ext uri="{0D108BD9-81ED-4DB2-BD59-A6C34878D82A}">
+                    <a16:rowId xmlns:a16="http://schemas.microsoft.com/office/drawing/2014/main" val="2730696999"/>
+                  </a:ext>
+                </a:extLst>
+              </a:tr>
+              <a:tr h="691665">
+                <a:tc>
+                  <a:txBody>
+                    <a:bodyPr/>
+                    <a:lstStyle/>
+                    <a:p>
+                      <a:r>
+                        <a:rPr lang="en-US" sz="1600" dirty="0"/>
+                        <a:t>$dateToString</a:t>
+                      </a:r>
+                    </a:p>
+                  </a:txBody>
+                  <a:tcPr/>
+                </a:tc>
+                <a:tc>
+                  <a:txBody>
+                    <a:bodyPr/>
+                    <a:lstStyle/>
+                    <a:p>
+                      <a:r>
+                        <a:rPr lang="en-US" sz="1600" dirty="0"/>
+                        <a:t>Returns the date as a formatted string.</a:t>
+                      </a:r>
+                    </a:p>
+                  </a:txBody>
+                  <a:tcPr/>
+                </a:tc>
+                <a:extLst>
+                  <a:ext uri="{0D108BD9-81ED-4DB2-BD59-A6C34878D82A}">
+                    <a16:rowId xmlns:a16="http://schemas.microsoft.com/office/drawing/2014/main" val="246498707"/>
+                  </a:ext>
+                </a:extLst>
+              </a:tr>
+              <a:tr h="691665">
+                <a:tc>
+                  <a:txBody>
+                    <a:bodyPr/>
+                    <a:lstStyle/>
+                    <a:p>
+                      <a:endParaRPr lang="en-US" sz="1600" u="none" dirty="0"/>
+                    </a:p>
+                  </a:txBody>
+                  <a:tcPr/>
+                </a:tc>
+                <a:tc>
+                  <a:txBody>
+                    <a:bodyPr/>
+                    <a:lstStyle/>
+                    <a:p>
+                      <a:r>
+                        <a:rPr lang="en-US" sz="1600" dirty="0"/>
+                        <a:t> </a:t>
+                      </a:r>
+                    </a:p>
+                  </a:txBody>
+                  <a:tcPr/>
+                </a:tc>
+                <a:extLst>
+                  <a:ext uri="{0D108BD9-81ED-4DB2-BD59-A6C34878D82A}">
+                    <a16:rowId xmlns:a16="http://schemas.microsoft.com/office/drawing/2014/main" val="1519909763"/>
+                  </a:ext>
+                </a:extLst>
+              </a:tr>
+              <a:tr h="691665">
+                <a:tc>
+                  <a:txBody>
+                    <a:bodyPr/>
+                    <a:lstStyle/>
+                    <a:p>
+                      <a:endParaRPr lang="en-US" sz="1600" dirty="0"/>
+                    </a:p>
+                  </a:txBody>
+                  <a:tcPr/>
+                </a:tc>
+                <a:tc>
+                  <a:txBody>
+                    <a:bodyPr/>
+                    <a:lstStyle/>
+                    <a:p>
+                      <a:endParaRPr lang="en-US" sz="1600" dirty="0"/>
+                    </a:p>
+                  </a:txBody>
+                  <a:tcPr/>
+                </a:tc>
+                <a:extLst>
+                  <a:ext uri="{0D108BD9-81ED-4DB2-BD59-A6C34878D82A}">
+                    <a16:rowId xmlns:a16="http://schemas.microsoft.com/office/drawing/2014/main" val="3448345847"/>
+                  </a:ext>
+                </a:extLst>
+              </a:tr>
+            </a:tbl>
+          </a:graphicData>
+        </a:graphic>
+      </p:graphicFrame>
+    </p:spTree>
+    <p:extLst>
+      <p:ext uri="{BB962C8B-B14F-4D97-AF65-F5344CB8AC3E}">
+        <p14:creationId xmlns:p14="http://schemas.microsoft.com/office/powerpoint/2010/main" val="571027016"/>
+      </p:ext>
+    </p:extLst>
+  </p:cSld>
+  <p:clrMapOvr>
+    <a:masterClrMapping/>
+  </p:clrMapOvr>
+</p:sld>
+</file>
+
+<file path=ppt/slides/slide34.xml><?xml version="1.0" encoding="utf-8"?>
+<p:sld xmlns:a="http://schemas.openxmlformats.org/drawingml/2006/main" xmlns:r="http://schemas.openxmlformats.org/officeDocument/2006/relationships" xmlns:p="http://schemas.openxmlformats.org/presentationml/2006/main">
+  <p:cSld>
+    <p:spTree>
+      <p:nvGrpSpPr>
+        <p:cNvPr id="1" name=""/>
+        <p:cNvGrpSpPr/>
+        <p:nvPr/>
+      </p:nvGrpSpPr>
+      <p:grpSpPr>
+        <a:xfrm>
+          <a:off x="0" y="0"/>
+          <a:ext cx="0" cy="0"/>
+          <a:chOff x="0" y="0"/>
+          <a:chExt cx="0" cy="0"/>
+        </a:xfrm>
+      </p:grpSpPr>
+      <p:sp>
+        <p:nvSpPr>
+          <p:cNvPr id="6" name="TextBox 5">
+            <a:extLst>
+              <a:ext uri="{FF2B5EF4-FFF2-40B4-BE49-F238E27FC236}">
+                <a16:creationId xmlns:a16="http://schemas.microsoft.com/office/drawing/2014/main" id="{9B7E9EF7-9A48-9236-48BE-C506A7ED34B6}"/>
+              </a:ext>
+            </a:extLst>
+          </p:cNvPr>
+          <p:cNvSpPr txBox="1"/>
+          <p:nvPr/>
+        </p:nvSpPr>
+        <p:spPr>
+          <a:xfrm>
+            <a:off x="7091265" y="3937516"/>
+            <a:ext cx="2351314" cy="646331"/>
+          </a:xfrm>
+          <a:prstGeom prst="rect">
+            <a:avLst/>
+          </a:prstGeom>
+          <a:noFill/>
+        </p:spPr>
+        <p:txBody>
+          <a:bodyPr wrap="square" rtlCol="0">
+            <a:spAutoFit/>
+          </a:bodyPr>
+          <a:lstStyle/>
+          <a:p>
+            <a:r>
+              <a:rPr lang="en-US" sz="3600" b="1" dirty="0">
+                <a:solidFill>
+                  <a:schemeClr val="bg1"/>
+                </a:solidFill>
+              </a:rPr>
+              <a:t>Master</a:t>
+            </a:r>
+          </a:p>
+        </p:txBody>
+      </p:sp>
+      <p:sp>
+        <p:nvSpPr>
+          <p:cNvPr id="9" name="TextBox 8">
+            <a:extLst>
+              <a:ext uri="{FF2B5EF4-FFF2-40B4-BE49-F238E27FC236}">
+                <a16:creationId xmlns:a16="http://schemas.microsoft.com/office/drawing/2014/main" id="{1A178001-BB54-176A-8C9F-DBD5C8E4923C}"/>
+              </a:ext>
+            </a:extLst>
+          </p:cNvPr>
+          <p:cNvSpPr txBox="1"/>
+          <p:nvPr/>
+        </p:nvSpPr>
+        <p:spPr>
+          <a:xfrm>
+            <a:off x="205273" y="154947"/>
+            <a:ext cx="6591181" cy="523220"/>
+          </a:xfrm>
+          <a:prstGeom prst="rect">
+            <a:avLst/>
+          </a:prstGeom>
+          <a:noFill/>
+        </p:spPr>
+        <p:txBody>
+          <a:bodyPr wrap="square" rtlCol="0">
+            <a:spAutoFit/>
+          </a:bodyPr>
+          <a:lstStyle/>
+          <a:p>
+            <a:r>
+              <a:rPr lang="en-US" sz="2800" b="1" dirty="0">
+                <a:solidFill>
+                  <a:srgbClr val="00B050"/>
+                </a:solidFill>
+                <a:latin typeface="Consolas" panose="020B0609020204030204" pitchFamily="49" charset="0"/>
+              </a:rPr>
+              <a:t>Comparison Aggregation Operators</a:t>
+            </a:r>
+            <a:endParaRPr lang="en-US" sz="2800" b="1" dirty="0">
+              <a:solidFill>
+                <a:srgbClr val="00B050"/>
+              </a:solidFill>
+            </a:endParaRPr>
+          </a:p>
+        </p:txBody>
+      </p:sp>
+      <p:graphicFrame>
+        <p:nvGraphicFramePr>
+          <p:cNvPr id="4" name="Table 4">
+            <a:extLst>
+              <a:ext uri="{FF2B5EF4-FFF2-40B4-BE49-F238E27FC236}">
+                <a16:creationId xmlns:a16="http://schemas.microsoft.com/office/drawing/2014/main" id="{1A16A90B-6E48-C5D9-5622-090C857D35CD}"/>
+              </a:ext>
+            </a:extLst>
+          </p:cNvPr>
+          <p:cNvGraphicFramePr>
+            <a:graphicFrameLocks noGrp="1"/>
+          </p:cNvGraphicFramePr>
+          <p:nvPr>
+            <p:extLst>
+              <p:ext uri="{D42A27DB-BD31-4B8C-83A1-F6EECF244321}">
+                <p14:modId xmlns:p14="http://schemas.microsoft.com/office/powerpoint/2010/main" val="263874900"/>
+              </p:ext>
+            </p:extLst>
+          </p:nvPr>
+        </p:nvGraphicFramePr>
+        <p:xfrm>
+          <a:off x="272563" y="1087965"/>
+          <a:ext cx="11048470" cy="4219672"/>
+        </p:xfrm>
+        <a:graphic>
+          <a:graphicData uri="http://schemas.openxmlformats.org/drawingml/2006/table">
+            <a:tbl>
+              <a:tblPr firstRow="1" bandRow="1">
+                <a:tableStyleId>{5940675A-B579-460E-94D1-54222C63F5DA}</a:tableStyleId>
+              </a:tblPr>
+              <a:tblGrid>
+                <a:gridCol w="1684982">
+                  <a:extLst>
+                    <a:ext uri="{9D8B030D-6E8A-4147-A177-3AD203B41FA5}">
+                      <a16:colId xmlns:a16="http://schemas.microsoft.com/office/drawing/2014/main" val="2468772690"/>
+                    </a:ext>
+                  </a:extLst>
+                </a:gridCol>
+                <a:gridCol w="9363488">
+                  <a:extLst>
+                    <a:ext uri="{9D8B030D-6E8A-4147-A177-3AD203B41FA5}">
+                      <a16:colId xmlns:a16="http://schemas.microsoft.com/office/drawing/2014/main" val="1979571992"/>
+                    </a:ext>
+                  </a:extLst>
+                </a:gridCol>
+              </a:tblGrid>
+              <a:tr h="682191">
+                <a:tc>
+                  <a:txBody>
+                    <a:bodyPr/>
+                    <a:lstStyle/>
+                    <a:p>
+                      <a:r>
+                        <a:rPr lang="en-US" sz="1600" dirty="0"/>
+                        <a:t>$eq</a:t>
+                      </a:r>
+                    </a:p>
+                  </a:txBody>
+                  <a:tcPr/>
+                </a:tc>
+                <a:tc>
+                  <a:txBody>
+                    <a:bodyPr/>
+                    <a:lstStyle/>
+                    <a:p>
+                      <a:r>
+                        <a:rPr lang="en-US" sz="1600" dirty="0"/>
+                        <a:t>Returns true if the values are equivalent</a:t>
+                      </a:r>
+                    </a:p>
+                  </a:txBody>
+                  <a:tcPr/>
+                </a:tc>
+                <a:extLst>
+                  <a:ext uri="{0D108BD9-81ED-4DB2-BD59-A6C34878D82A}">
+                    <a16:rowId xmlns:a16="http://schemas.microsoft.com/office/drawing/2014/main" val="3237714857"/>
+                  </a:ext>
+                </a:extLst>
+              </a:tr>
+              <a:tr h="770821">
+                <a:tc>
+                  <a:txBody>
+                    <a:bodyPr/>
+                    <a:lstStyle/>
+                    <a:p>
+                      <a:r>
+                        <a:rPr lang="en-US" sz="1600" dirty="0"/>
+                        <a:t>$gt</a:t>
+                      </a:r>
+                    </a:p>
+                  </a:txBody>
+                  <a:tcPr/>
+                </a:tc>
+                <a:tc>
+                  <a:txBody>
+                    <a:bodyPr/>
+                    <a:lstStyle/>
+                    <a:p>
+                      <a:r>
+                        <a:rPr lang="en-US" sz="1600" dirty="0"/>
+                        <a:t>  Returns true if the first value is greater than the second.</a:t>
+                      </a:r>
+                    </a:p>
+                  </a:txBody>
+                  <a:tcPr/>
+                </a:tc>
+                <a:extLst>
+                  <a:ext uri="{0D108BD9-81ED-4DB2-BD59-A6C34878D82A}">
+                    <a16:rowId xmlns:a16="http://schemas.microsoft.com/office/drawing/2014/main" val="3501679011"/>
+                  </a:ext>
+                </a:extLst>
+              </a:tr>
+              <a:tr h="691665">
+                <a:tc>
+                  <a:txBody>
+                    <a:bodyPr/>
+                    <a:lstStyle/>
+                    <a:p>
+                      <a:r>
+                        <a:rPr lang="en-US" dirty="0"/>
+                        <a:t>$gte</a:t>
+                      </a:r>
+                    </a:p>
+                  </a:txBody>
+                  <a:tcPr anchor="ctr"/>
+                </a:tc>
+                <a:tc>
+                  <a:txBody>
+                    <a:bodyPr/>
+                    <a:lstStyle/>
+                    <a:p>
+                      <a:r>
+                        <a:rPr lang="en-US" sz="1600" dirty="0"/>
+                        <a:t>Returns true if the first value is greater than or equal to the second.</a:t>
+                      </a:r>
+                    </a:p>
+                  </a:txBody>
+                  <a:tcPr/>
+                </a:tc>
+                <a:extLst>
+                  <a:ext uri="{0D108BD9-81ED-4DB2-BD59-A6C34878D82A}">
+                    <a16:rowId xmlns:a16="http://schemas.microsoft.com/office/drawing/2014/main" val="2730696999"/>
+                  </a:ext>
+                </a:extLst>
+              </a:tr>
+              <a:tr h="691665">
+                <a:tc>
+                  <a:txBody>
+                    <a:bodyPr/>
+                    <a:lstStyle/>
+                    <a:p>
+                      <a:r>
+                        <a:rPr lang="en-US" sz="1600" dirty="0"/>
+                        <a:t>$lt</a:t>
+                      </a:r>
+                    </a:p>
+                  </a:txBody>
+                  <a:tcPr/>
+                </a:tc>
+                <a:tc>
+                  <a:txBody>
+                    <a:bodyPr/>
+                    <a:lstStyle/>
+                    <a:p>
+                      <a:r>
+                        <a:rPr lang="en-US" sz="1600" dirty="0"/>
+                        <a:t> Returns true if the first value is less than the second.</a:t>
+                      </a:r>
+                    </a:p>
+                  </a:txBody>
+                  <a:tcPr/>
+                </a:tc>
+                <a:extLst>
+                  <a:ext uri="{0D108BD9-81ED-4DB2-BD59-A6C34878D82A}">
+                    <a16:rowId xmlns:a16="http://schemas.microsoft.com/office/drawing/2014/main" val="246498707"/>
+                  </a:ext>
+                </a:extLst>
+              </a:tr>
+              <a:tr h="691665">
+                <a:tc>
+                  <a:txBody>
+                    <a:bodyPr/>
+                    <a:lstStyle/>
+                    <a:p>
+                      <a:r>
+                        <a:rPr lang="en-US" sz="1600" dirty="0"/>
+                        <a:t>$lte</a:t>
+                      </a:r>
+                      <a:endParaRPr lang="en-US" sz="1600" u="none" dirty="0"/>
+                    </a:p>
+                  </a:txBody>
+                  <a:tcPr/>
+                </a:tc>
+                <a:tc>
+                  <a:txBody>
+                    <a:bodyPr/>
+                    <a:lstStyle/>
+                    <a:p>
+                      <a:r>
+                        <a:rPr lang="en-US" sz="1600" dirty="0"/>
+                        <a:t> Returns true if the first value is less than or equal to the second.</a:t>
+                      </a:r>
+                    </a:p>
+                  </a:txBody>
+                  <a:tcPr/>
+                </a:tc>
+                <a:extLst>
+                  <a:ext uri="{0D108BD9-81ED-4DB2-BD59-A6C34878D82A}">
+                    <a16:rowId xmlns:a16="http://schemas.microsoft.com/office/drawing/2014/main" val="1519909763"/>
+                  </a:ext>
+                </a:extLst>
+              </a:tr>
+              <a:tr h="691665">
+                <a:tc>
+                  <a:txBody>
+                    <a:bodyPr/>
+                    <a:lstStyle/>
+                    <a:p>
+                      <a:r>
+                        <a:rPr lang="en-US" sz="1600" dirty="0"/>
+                        <a:t>$ne</a:t>
+                      </a:r>
+                    </a:p>
+                  </a:txBody>
+                  <a:tcPr/>
+                </a:tc>
+                <a:tc>
+                  <a:txBody>
+                    <a:bodyPr/>
+                    <a:lstStyle/>
+                    <a:p>
+                      <a:r>
+                        <a:rPr lang="en-US" sz="1600" dirty="0"/>
+                        <a:t>Returns true if the values are </a:t>
+                      </a:r>
+                      <a:r>
+                        <a:rPr lang="en-US" sz="1600" i="1" dirty="0"/>
+                        <a:t>not</a:t>
+                      </a:r>
+                      <a:r>
+                        <a:rPr lang="en-US" sz="1600" dirty="0"/>
+                        <a:t> equivalent.</a:t>
+                      </a:r>
+                    </a:p>
+                  </a:txBody>
+                  <a:tcPr/>
+                </a:tc>
+                <a:extLst>
+                  <a:ext uri="{0D108BD9-81ED-4DB2-BD59-A6C34878D82A}">
+                    <a16:rowId xmlns:a16="http://schemas.microsoft.com/office/drawing/2014/main" val="3448345847"/>
+                  </a:ext>
+                </a:extLst>
+              </a:tr>
+            </a:tbl>
+          </a:graphicData>
+        </a:graphic>
+      </p:graphicFrame>
+    </p:spTree>
+    <p:extLst>
+      <p:ext uri="{BB962C8B-B14F-4D97-AF65-F5344CB8AC3E}">
+        <p14:creationId xmlns:p14="http://schemas.microsoft.com/office/powerpoint/2010/main" val="1506330412"/>
       </p:ext>
     </p:extLst>
   </p:cSld>

--- a/Mongo-Advance/Master.pptx
+++ b/Mongo-Advance/Master.pptx
@@ -4,6 +4,9 @@
   <p:sldMasterIdLst>
     <p:sldMasterId id="2147483648" r:id="rId1"/>
   </p:sldMasterIdLst>
+  <p:notesMasterIdLst>
+    <p:notesMasterId r:id="rId41"/>
+  </p:notesMasterIdLst>
   <p:sldIdLst>
     <p:sldId id="256" r:id="rId2"/>
     <p:sldId id="257" r:id="rId3"/>
@@ -39,6 +42,11 @@
     <p:sldId id="287" r:id="rId33"/>
     <p:sldId id="289" r:id="rId34"/>
     <p:sldId id="288" r:id="rId35"/>
+    <p:sldId id="290" r:id="rId36"/>
+    <p:sldId id="291" r:id="rId37"/>
+    <p:sldId id="292" r:id="rId38"/>
+    <p:sldId id="294" r:id="rId39"/>
+    <p:sldId id="293" r:id="rId40"/>
   </p:sldIdLst>
   <p:sldSz cx="12192000" cy="6858000"/>
   <p:notesSz cx="6858000" cy="9144000"/>
@@ -145,6 +153,439 @@
 </p:presentation>
 </file>
 
+<file path=ppt/notesMasters/notesMaster1.xml><?xml version="1.0" encoding="utf-8"?>
+<p:notesMaster xmlns:a="http://schemas.openxmlformats.org/drawingml/2006/main" xmlns:r="http://schemas.openxmlformats.org/officeDocument/2006/relationships" xmlns:p="http://schemas.openxmlformats.org/presentationml/2006/main">
+  <p:cSld>
+    <p:bg>
+      <p:bgRef idx="1001">
+        <a:schemeClr val="bg1"/>
+      </p:bgRef>
+    </p:bg>
+    <p:spTree>
+      <p:nvGrpSpPr>
+        <p:cNvPr id="1" name=""/>
+        <p:cNvGrpSpPr/>
+        <p:nvPr/>
+      </p:nvGrpSpPr>
+      <p:grpSpPr>
+        <a:xfrm>
+          <a:off x="0" y="0"/>
+          <a:ext cx="0" cy="0"/>
+          <a:chOff x="0" y="0"/>
+          <a:chExt cx="0" cy="0"/>
+        </a:xfrm>
+      </p:grpSpPr>
+      <p:sp>
+        <p:nvSpPr>
+          <p:cNvPr id="2" name="Header Placeholder 1"/>
+          <p:cNvSpPr>
+            <a:spLocks noGrp="1"/>
+          </p:cNvSpPr>
+          <p:nvPr>
+            <p:ph type="hdr" sz="quarter"/>
+          </p:nvPr>
+        </p:nvSpPr>
+        <p:spPr>
+          <a:xfrm>
+            <a:off x="0" y="0"/>
+            <a:ext cx="2971800" cy="458788"/>
+          </a:xfrm>
+          <a:prstGeom prst="rect">
+            <a:avLst/>
+          </a:prstGeom>
+        </p:spPr>
+        <p:txBody>
+          <a:bodyPr vert="horz" lIns="91440" tIns="45720" rIns="91440" bIns="45720" rtlCol="0"/>
+          <a:lstStyle>
+            <a:lvl1pPr algn="l">
+              <a:defRPr sz="1200"/>
+            </a:lvl1pPr>
+          </a:lstStyle>
+          <a:p>
+            <a:endParaRPr lang="en-US"/>
+          </a:p>
+        </p:txBody>
+      </p:sp>
+      <p:sp>
+        <p:nvSpPr>
+          <p:cNvPr id="3" name="Date Placeholder 2"/>
+          <p:cNvSpPr>
+            <a:spLocks noGrp="1"/>
+          </p:cNvSpPr>
+          <p:nvPr>
+            <p:ph type="dt" idx="1"/>
+          </p:nvPr>
+        </p:nvSpPr>
+        <p:spPr>
+          <a:xfrm>
+            <a:off x="3884613" y="0"/>
+            <a:ext cx="2971800" cy="458788"/>
+          </a:xfrm>
+          <a:prstGeom prst="rect">
+            <a:avLst/>
+          </a:prstGeom>
+        </p:spPr>
+        <p:txBody>
+          <a:bodyPr vert="horz" lIns="91440" tIns="45720" rIns="91440" bIns="45720" rtlCol="0"/>
+          <a:lstStyle>
+            <a:lvl1pPr algn="r">
+              <a:defRPr sz="1200"/>
+            </a:lvl1pPr>
+          </a:lstStyle>
+          <a:p>
+            <a:fld id="{8AD0EA7F-1AD9-4546-B237-1EA26D5B3887}" type="datetimeFigureOut">
+              <a:rPr lang="en-US" smtClean="0"/>
+              <a:t>6/11/2022</a:t>
+            </a:fld>
+            <a:endParaRPr lang="en-US"/>
+          </a:p>
+        </p:txBody>
+      </p:sp>
+      <p:sp>
+        <p:nvSpPr>
+          <p:cNvPr id="4" name="Slide Image Placeholder 3"/>
+          <p:cNvSpPr>
+            <a:spLocks noGrp="1" noRot="1" noChangeAspect="1"/>
+          </p:cNvSpPr>
+          <p:nvPr>
+            <p:ph type="sldImg" idx="2"/>
+          </p:nvPr>
+        </p:nvSpPr>
+        <p:spPr>
+          <a:xfrm>
+            <a:off x="685800" y="1143000"/>
+            <a:ext cx="5486400" cy="3086100"/>
+          </a:xfrm>
+          <a:prstGeom prst="rect">
+            <a:avLst/>
+          </a:prstGeom>
+          <a:noFill/>
+          <a:ln w="12700">
+            <a:solidFill>
+              <a:prstClr val="black"/>
+            </a:solidFill>
+          </a:ln>
+        </p:spPr>
+        <p:txBody>
+          <a:bodyPr vert="horz" lIns="91440" tIns="45720" rIns="91440" bIns="45720" rtlCol="0" anchor="ctr"/>
+          <a:lstStyle/>
+          <a:p>
+            <a:endParaRPr lang="en-US"/>
+          </a:p>
+        </p:txBody>
+      </p:sp>
+      <p:sp>
+        <p:nvSpPr>
+          <p:cNvPr id="5" name="Notes Placeholder 4"/>
+          <p:cNvSpPr>
+            <a:spLocks noGrp="1"/>
+          </p:cNvSpPr>
+          <p:nvPr>
+            <p:ph type="body" sz="quarter" idx="3"/>
+          </p:nvPr>
+        </p:nvSpPr>
+        <p:spPr>
+          <a:xfrm>
+            <a:off x="685800" y="4400550"/>
+            <a:ext cx="5486400" cy="3600450"/>
+          </a:xfrm>
+          <a:prstGeom prst="rect">
+            <a:avLst/>
+          </a:prstGeom>
+        </p:spPr>
+        <p:txBody>
+          <a:bodyPr vert="horz" lIns="91440" tIns="45720" rIns="91440" bIns="45720" rtlCol="0"/>
+          <a:lstStyle/>
+          <a:p>
+            <a:pPr lvl="0"/>
+            <a:r>
+              <a:rPr lang="en-US"/>
+              <a:t>Click to edit Master text styles</a:t>
+            </a:r>
+          </a:p>
+          <a:p>
+            <a:pPr lvl="1"/>
+            <a:r>
+              <a:rPr lang="en-US"/>
+              <a:t>Second level</a:t>
+            </a:r>
+          </a:p>
+          <a:p>
+            <a:pPr lvl="2"/>
+            <a:r>
+              <a:rPr lang="en-US"/>
+              <a:t>Third level</a:t>
+            </a:r>
+          </a:p>
+          <a:p>
+            <a:pPr lvl="3"/>
+            <a:r>
+              <a:rPr lang="en-US"/>
+              <a:t>Fourth level</a:t>
+            </a:r>
+          </a:p>
+          <a:p>
+            <a:pPr lvl="4"/>
+            <a:r>
+              <a:rPr lang="en-US"/>
+              <a:t>Fifth level</a:t>
+            </a:r>
+          </a:p>
+        </p:txBody>
+      </p:sp>
+      <p:sp>
+        <p:nvSpPr>
+          <p:cNvPr id="6" name="Footer Placeholder 5"/>
+          <p:cNvSpPr>
+            <a:spLocks noGrp="1"/>
+          </p:cNvSpPr>
+          <p:nvPr>
+            <p:ph type="ftr" sz="quarter" idx="4"/>
+          </p:nvPr>
+        </p:nvSpPr>
+        <p:spPr>
+          <a:xfrm>
+            <a:off x="0" y="8685213"/>
+            <a:ext cx="2971800" cy="458787"/>
+          </a:xfrm>
+          <a:prstGeom prst="rect">
+            <a:avLst/>
+          </a:prstGeom>
+        </p:spPr>
+        <p:txBody>
+          <a:bodyPr vert="horz" lIns="91440" tIns="45720" rIns="91440" bIns="45720" rtlCol="0" anchor="b"/>
+          <a:lstStyle>
+            <a:lvl1pPr algn="l">
+              <a:defRPr sz="1200"/>
+            </a:lvl1pPr>
+          </a:lstStyle>
+          <a:p>
+            <a:endParaRPr lang="en-US"/>
+          </a:p>
+        </p:txBody>
+      </p:sp>
+      <p:sp>
+        <p:nvSpPr>
+          <p:cNvPr id="7" name="Slide Number Placeholder 6"/>
+          <p:cNvSpPr>
+            <a:spLocks noGrp="1"/>
+          </p:cNvSpPr>
+          <p:nvPr>
+            <p:ph type="sldNum" sz="quarter" idx="5"/>
+          </p:nvPr>
+        </p:nvSpPr>
+        <p:spPr>
+          <a:xfrm>
+            <a:off x="3884613" y="8685213"/>
+            <a:ext cx="2971800" cy="458787"/>
+          </a:xfrm>
+          <a:prstGeom prst="rect">
+            <a:avLst/>
+          </a:prstGeom>
+        </p:spPr>
+        <p:txBody>
+          <a:bodyPr vert="horz" lIns="91440" tIns="45720" rIns="91440" bIns="45720" rtlCol="0" anchor="b"/>
+          <a:lstStyle>
+            <a:lvl1pPr algn="r">
+              <a:defRPr sz="1200"/>
+            </a:lvl1pPr>
+          </a:lstStyle>
+          <a:p>
+            <a:fld id="{8D4A93E5-2A71-4903-87CA-8AD9BAA58A1D}" type="slidenum">
+              <a:rPr lang="en-US" smtClean="0"/>
+              <a:t>‹#›</a:t>
+            </a:fld>
+            <a:endParaRPr lang="en-US"/>
+          </a:p>
+        </p:txBody>
+      </p:sp>
+    </p:spTree>
+    <p:extLst>
+      <p:ext uri="{BB962C8B-B14F-4D97-AF65-F5344CB8AC3E}">
+        <p14:creationId xmlns:p14="http://schemas.microsoft.com/office/powerpoint/2010/main" val="2925196430"/>
+      </p:ext>
+    </p:extLst>
+  </p:cSld>
+  <p:clrMap bg1="lt1" tx1="dk1" bg2="lt2" tx2="dk2" accent1="accent1" accent2="accent2" accent3="accent3" accent4="accent4" accent5="accent5" accent6="accent6" hlink="hlink" folHlink="folHlink"/>
+  <p:notesStyle>
+    <a:lvl1pPr marL="0" algn="l" defTabSz="914400" rtl="0" eaLnBrk="1" latinLnBrk="0" hangingPunct="1">
+      <a:defRPr sz="1200" kern="1200">
+        <a:solidFill>
+          <a:schemeClr val="tx1"/>
+        </a:solidFill>
+        <a:latin typeface="+mn-lt"/>
+        <a:ea typeface="+mn-ea"/>
+        <a:cs typeface="+mn-cs"/>
+      </a:defRPr>
+    </a:lvl1pPr>
+    <a:lvl2pPr marL="457200" algn="l" defTabSz="914400" rtl="0" eaLnBrk="1" latinLnBrk="0" hangingPunct="1">
+      <a:defRPr sz="1200" kern="1200">
+        <a:solidFill>
+          <a:schemeClr val="tx1"/>
+        </a:solidFill>
+        <a:latin typeface="+mn-lt"/>
+        <a:ea typeface="+mn-ea"/>
+        <a:cs typeface="+mn-cs"/>
+      </a:defRPr>
+    </a:lvl2pPr>
+    <a:lvl3pPr marL="914400" algn="l" defTabSz="914400" rtl="0" eaLnBrk="1" latinLnBrk="0" hangingPunct="1">
+      <a:defRPr sz="1200" kern="1200">
+        <a:solidFill>
+          <a:schemeClr val="tx1"/>
+        </a:solidFill>
+        <a:latin typeface="+mn-lt"/>
+        <a:ea typeface="+mn-ea"/>
+        <a:cs typeface="+mn-cs"/>
+      </a:defRPr>
+    </a:lvl3pPr>
+    <a:lvl4pPr marL="1371600" algn="l" defTabSz="914400" rtl="0" eaLnBrk="1" latinLnBrk="0" hangingPunct="1">
+      <a:defRPr sz="1200" kern="1200">
+        <a:solidFill>
+          <a:schemeClr val="tx1"/>
+        </a:solidFill>
+        <a:latin typeface="+mn-lt"/>
+        <a:ea typeface="+mn-ea"/>
+        <a:cs typeface="+mn-cs"/>
+      </a:defRPr>
+    </a:lvl4pPr>
+    <a:lvl5pPr marL="1828800" algn="l" defTabSz="914400" rtl="0" eaLnBrk="1" latinLnBrk="0" hangingPunct="1">
+      <a:defRPr sz="1200" kern="1200">
+        <a:solidFill>
+          <a:schemeClr val="tx1"/>
+        </a:solidFill>
+        <a:latin typeface="+mn-lt"/>
+        <a:ea typeface="+mn-ea"/>
+        <a:cs typeface="+mn-cs"/>
+      </a:defRPr>
+    </a:lvl5pPr>
+    <a:lvl6pPr marL="2286000" algn="l" defTabSz="914400" rtl="0" eaLnBrk="1" latinLnBrk="0" hangingPunct="1">
+      <a:defRPr sz="1200" kern="1200">
+        <a:solidFill>
+          <a:schemeClr val="tx1"/>
+        </a:solidFill>
+        <a:latin typeface="+mn-lt"/>
+        <a:ea typeface="+mn-ea"/>
+        <a:cs typeface="+mn-cs"/>
+      </a:defRPr>
+    </a:lvl6pPr>
+    <a:lvl7pPr marL="2743200" algn="l" defTabSz="914400" rtl="0" eaLnBrk="1" latinLnBrk="0" hangingPunct="1">
+      <a:defRPr sz="1200" kern="1200">
+        <a:solidFill>
+          <a:schemeClr val="tx1"/>
+        </a:solidFill>
+        <a:latin typeface="+mn-lt"/>
+        <a:ea typeface="+mn-ea"/>
+        <a:cs typeface="+mn-cs"/>
+      </a:defRPr>
+    </a:lvl7pPr>
+    <a:lvl8pPr marL="3200400" algn="l" defTabSz="914400" rtl="0" eaLnBrk="1" latinLnBrk="0" hangingPunct="1">
+      <a:defRPr sz="1200" kern="1200">
+        <a:solidFill>
+          <a:schemeClr val="tx1"/>
+        </a:solidFill>
+        <a:latin typeface="+mn-lt"/>
+        <a:ea typeface="+mn-ea"/>
+        <a:cs typeface="+mn-cs"/>
+      </a:defRPr>
+    </a:lvl8pPr>
+    <a:lvl9pPr marL="3657600" algn="l" defTabSz="914400" rtl="0" eaLnBrk="1" latinLnBrk="0" hangingPunct="1">
+      <a:defRPr sz="1200" kern="1200">
+        <a:solidFill>
+          <a:schemeClr val="tx1"/>
+        </a:solidFill>
+        <a:latin typeface="+mn-lt"/>
+        <a:ea typeface="+mn-ea"/>
+        <a:cs typeface="+mn-cs"/>
+      </a:defRPr>
+    </a:lvl9pPr>
+  </p:notesStyle>
+</p:notesMaster>
+</file>
+
+<file path=ppt/notesSlides/notesSlide1.xml><?xml version="1.0" encoding="utf-8"?>
+<p:notes xmlns:a="http://schemas.openxmlformats.org/drawingml/2006/main" xmlns:r="http://schemas.openxmlformats.org/officeDocument/2006/relationships" xmlns:p="http://schemas.openxmlformats.org/presentationml/2006/main">
+  <p:cSld>
+    <p:spTree>
+      <p:nvGrpSpPr>
+        <p:cNvPr id="1" name=""/>
+        <p:cNvGrpSpPr/>
+        <p:nvPr/>
+      </p:nvGrpSpPr>
+      <p:grpSpPr>
+        <a:xfrm>
+          <a:off x="0" y="0"/>
+          <a:ext cx="0" cy="0"/>
+          <a:chOff x="0" y="0"/>
+          <a:chExt cx="0" cy="0"/>
+        </a:xfrm>
+      </p:grpSpPr>
+      <p:sp>
+        <p:nvSpPr>
+          <p:cNvPr id="2" name="Slide Image Placeholder 1"/>
+          <p:cNvSpPr>
+            <a:spLocks noGrp="1" noRot="1" noChangeAspect="1"/>
+          </p:cNvSpPr>
+          <p:nvPr>
+            <p:ph type="sldImg"/>
+          </p:nvPr>
+        </p:nvSpPr>
+        <p:spPr/>
+      </p:sp>
+      <p:sp>
+        <p:nvSpPr>
+          <p:cNvPr id="3" name="Notes Placeholder 2"/>
+          <p:cNvSpPr>
+            <a:spLocks noGrp="1"/>
+          </p:cNvSpPr>
+          <p:nvPr>
+            <p:ph type="body" idx="1"/>
+          </p:nvPr>
+        </p:nvSpPr>
+        <p:spPr/>
+        <p:txBody>
+          <a:bodyPr/>
+          <a:lstStyle/>
+          <a:p>
+            <a:endParaRPr lang="en-US" dirty="0"/>
+          </a:p>
+        </p:txBody>
+      </p:sp>
+      <p:sp>
+        <p:nvSpPr>
+          <p:cNvPr id="4" name="Slide Number Placeholder 3"/>
+          <p:cNvSpPr>
+            <a:spLocks noGrp="1"/>
+          </p:cNvSpPr>
+          <p:nvPr>
+            <p:ph type="sldNum" sz="quarter" idx="5"/>
+          </p:nvPr>
+        </p:nvSpPr>
+        <p:spPr/>
+        <p:txBody>
+          <a:bodyPr/>
+          <a:lstStyle/>
+          <a:p>
+            <a:fld id="{8D4A93E5-2A71-4903-87CA-8AD9BAA58A1D}" type="slidenum">
+              <a:rPr lang="en-US" smtClean="0"/>
+              <a:t>39</a:t>
+            </a:fld>
+            <a:endParaRPr lang="en-US"/>
+          </a:p>
+        </p:txBody>
+      </p:sp>
+    </p:spTree>
+    <p:extLst>
+      <p:ext uri="{BB962C8B-B14F-4D97-AF65-F5344CB8AC3E}">
+        <p14:creationId xmlns:p14="http://schemas.microsoft.com/office/powerpoint/2010/main" val="1141388686"/>
+      </p:ext>
+    </p:extLst>
+  </p:cSld>
+  <p:clrMapOvr>
+    <a:masterClrMapping/>
+  </p:clrMapOvr>
+</p:notes>
+</file>
+
 <file path=ppt/slideLayouts/slideLayout1.xml><?xml version="1.0" encoding="utf-8"?>
 <p:sldLayout xmlns:a="http://schemas.openxmlformats.org/drawingml/2006/main" xmlns:r="http://schemas.openxmlformats.org/officeDocument/2006/relationships" xmlns:p="http://schemas.openxmlformats.org/presentationml/2006/main" type="title" preserve="1">
   <p:cSld name="Title Slide">
@@ -292,7 +733,7 @@
           <a:p>
             <a:fld id="{4178D16C-85F9-4C11-9473-56CBDFBF9DB8}" type="datetimeFigureOut">
               <a:rPr lang="en-US" smtClean="0"/>
-              <a:t>6/10/2022</a:t>
+              <a:t>6/11/2022</a:t>
             </a:fld>
             <a:endParaRPr lang="en-US"/>
           </a:p>
@@ -490,7 +931,7 @@
           <a:p>
             <a:fld id="{4178D16C-85F9-4C11-9473-56CBDFBF9DB8}" type="datetimeFigureOut">
               <a:rPr lang="en-US" smtClean="0"/>
-              <a:t>6/10/2022</a:t>
+              <a:t>6/11/2022</a:t>
             </a:fld>
             <a:endParaRPr lang="en-US"/>
           </a:p>
@@ -698,7 +1139,7 @@
           <a:p>
             <a:fld id="{4178D16C-85F9-4C11-9473-56CBDFBF9DB8}" type="datetimeFigureOut">
               <a:rPr lang="en-US" smtClean="0"/>
-              <a:t>6/10/2022</a:t>
+              <a:t>6/11/2022</a:t>
             </a:fld>
             <a:endParaRPr lang="en-US"/>
           </a:p>
@@ -896,7 +1337,7 @@
           <a:p>
             <a:fld id="{4178D16C-85F9-4C11-9473-56CBDFBF9DB8}" type="datetimeFigureOut">
               <a:rPr lang="en-US" smtClean="0"/>
-              <a:t>6/10/2022</a:t>
+              <a:t>6/11/2022</a:t>
             </a:fld>
             <a:endParaRPr lang="en-US"/>
           </a:p>
@@ -1171,7 +1612,7 @@
           <a:p>
             <a:fld id="{4178D16C-85F9-4C11-9473-56CBDFBF9DB8}" type="datetimeFigureOut">
               <a:rPr lang="en-US" smtClean="0"/>
-              <a:t>6/10/2022</a:t>
+              <a:t>6/11/2022</a:t>
             </a:fld>
             <a:endParaRPr lang="en-US"/>
           </a:p>
@@ -1436,7 +1877,7 @@
           <a:p>
             <a:fld id="{4178D16C-85F9-4C11-9473-56CBDFBF9DB8}" type="datetimeFigureOut">
               <a:rPr lang="en-US" smtClean="0"/>
-              <a:t>6/10/2022</a:t>
+              <a:t>6/11/2022</a:t>
             </a:fld>
             <a:endParaRPr lang="en-US"/>
           </a:p>
@@ -1848,7 +2289,7 @@
           <a:p>
             <a:fld id="{4178D16C-85F9-4C11-9473-56CBDFBF9DB8}" type="datetimeFigureOut">
               <a:rPr lang="en-US" smtClean="0"/>
-              <a:t>6/10/2022</a:t>
+              <a:t>6/11/2022</a:t>
             </a:fld>
             <a:endParaRPr lang="en-US"/>
           </a:p>
@@ -1989,7 +2430,7 @@
           <a:p>
             <a:fld id="{4178D16C-85F9-4C11-9473-56CBDFBF9DB8}" type="datetimeFigureOut">
               <a:rPr lang="en-US" smtClean="0"/>
-              <a:t>6/10/2022</a:t>
+              <a:t>6/11/2022</a:t>
             </a:fld>
             <a:endParaRPr lang="en-US"/>
           </a:p>
@@ -2102,7 +2543,7 @@
           <a:p>
             <a:fld id="{4178D16C-85F9-4C11-9473-56CBDFBF9DB8}" type="datetimeFigureOut">
               <a:rPr lang="en-US" smtClean="0"/>
-              <a:t>6/10/2022</a:t>
+              <a:t>6/11/2022</a:t>
             </a:fld>
             <a:endParaRPr lang="en-US"/>
           </a:p>
@@ -2413,7 +2854,7 @@
           <a:p>
             <a:fld id="{4178D16C-85F9-4C11-9473-56CBDFBF9DB8}" type="datetimeFigureOut">
               <a:rPr lang="en-US" smtClean="0"/>
-              <a:t>6/10/2022</a:t>
+              <a:t>6/11/2022</a:t>
             </a:fld>
             <a:endParaRPr lang="en-US"/>
           </a:p>
@@ -2701,7 +3142,7 @@
           <a:p>
             <a:fld id="{4178D16C-85F9-4C11-9473-56CBDFBF9DB8}" type="datetimeFigureOut">
               <a:rPr lang="en-US" smtClean="0"/>
-              <a:t>6/10/2022</a:t>
+              <a:t>6/11/2022</a:t>
             </a:fld>
             <a:endParaRPr lang="en-US"/>
           </a:p>
@@ -2951,7 +3392,7 @@
           <a:p>
             <a:fld id="{4178D16C-85F9-4C11-9473-56CBDFBF9DB8}" type="datetimeFigureOut">
               <a:rPr lang="en-US" smtClean="0"/>
-              <a:t>6/10/2022</a:t>
+              <a:t>6/11/2022</a:t>
             </a:fld>
             <a:endParaRPr lang="en-US"/>
           </a:p>
@@ -9283,14 +9724,14 @@
           <p:nvPr>
             <p:extLst>
               <p:ext uri="{D42A27DB-BD31-4B8C-83A1-F6EECF244321}">
-                <p14:modId xmlns:p14="http://schemas.microsoft.com/office/powerpoint/2010/main" val="263874900"/>
+                <p14:modId xmlns:p14="http://schemas.microsoft.com/office/powerpoint/2010/main" val="369403589"/>
               </p:ext>
             </p:extLst>
           </p:nvPr>
         </p:nvGraphicFramePr>
         <p:xfrm>
-          <a:off x="272563" y="1087965"/>
-          <a:ext cx="11048470" cy="4219672"/>
+          <a:off x="298938" y="1087965"/>
+          <a:ext cx="11022095" cy="4219672"/>
         </p:xfrm>
         <a:graphic>
           <a:graphicData uri="http://schemas.openxmlformats.org/drawingml/2006/table">
@@ -9299,7 +9740,7 @@
                 <a:tableStyleId>{5940675A-B579-460E-94D1-54222C63F5DA}</a:tableStyleId>
               </a:tblPr>
               <a:tblGrid>
-                <a:gridCol w="1684982">
+                <a:gridCol w="1658607">
                   <a:extLst>
                     <a:ext uri="{9D8B030D-6E8A-4147-A177-3AD203B41FA5}">
                       <a16:colId xmlns:a16="http://schemas.microsoft.com/office/drawing/2014/main" val="2468772690"/>
@@ -9535,6 +9976,3552 @@
   <p:clrMapOvr>
     <a:masterClrMapping/>
   </p:clrMapOvr>
+</p:sld>
+</file>
+
+<file path=ppt/slides/slide35.xml><?xml version="1.0" encoding="utf-8"?>
+<p:sld xmlns:a="http://schemas.openxmlformats.org/drawingml/2006/main" xmlns:r="http://schemas.openxmlformats.org/officeDocument/2006/relationships" xmlns:p="http://schemas.openxmlformats.org/presentationml/2006/main">
+  <p:cSld>
+    <p:spTree>
+      <p:nvGrpSpPr>
+        <p:cNvPr id="1" name=""/>
+        <p:cNvGrpSpPr/>
+        <p:nvPr/>
+      </p:nvGrpSpPr>
+      <p:grpSpPr>
+        <a:xfrm>
+          <a:off x="0" y="0"/>
+          <a:ext cx="0" cy="0"/>
+          <a:chOff x="0" y="0"/>
+          <a:chExt cx="0" cy="0"/>
+        </a:xfrm>
+      </p:grpSpPr>
+      <p:sp>
+        <p:nvSpPr>
+          <p:cNvPr id="6" name="TextBox 5">
+            <a:extLst>
+              <a:ext uri="{FF2B5EF4-FFF2-40B4-BE49-F238E27FC236}">
+                <a16:creationId xmlns:a16="http://schemas.microsoft.com/office/drawing/2014/main" id="{9B7E9EF7-9A48-9236-48BE-C506A7ED34B6}"/>
+              </a:ext>
+            </a:extLst>
+          </p:cNvPr>
+          <p:cNvSpPr txBox="1"/>
+          <p:nvPr/>
+        </p:nvSpPr>
+        <p:spPr>
+          <a:xfrm>
+            <a:off x="7346242" y="4034232"/>
+            <a:ext cx="2351314" cy="646331"/>
+          </a:xfrm>
+          <a:prstGeom prst="rect">
+            <a:avLst/>
+          </a:prstGeom>
+          <a:noFill/>
+        </p:spPr>
+        <p:txBody>
+          <a:bodyPr wrap="square" rtlCol="0">
+            <a:spAutoFit/>
+          </a:bodyPr>
+          <a:lstStyle/>
+          <a:p>
+            <a:r>
+              <a:rPr lang="en-US" sz="3600" b="1" dirty="0">
+                <a:solidFill>
+                  <a:schemeClr val="bg1"/>
+                </a:solidFill>
+              </a:rPr>
+              <a:t>Master</a:t>
+            </a:r>
+          </a:p>
+        </p:txBody>
+      </p:sp>
+      <p:sp>
+        <p:nvSpPr>
+          <p:cNvPr id="9" name="TextBox 8">
+            <a:extLst>
+              <a:ext uri="{FF2B5EF4-FFF2-40B4-BE49-F238E27FC236}">
+                <a16:creationId xmlns:a16="http://schemas.microsoft.com/office/drawing/2014/main" id="{1A178001-BB54-176A-8C9F-DBD5C8E4923C}"/>
+              </a:ext>
+            </a:extLst>
+          </p:cNvPr>
+          <p:cNvSpPr txBox="1"/>
+          <p:nvPr/>
+        </p:nvSpPr>
+        <p:spPr>
+          <a:xfrm>
+            <a:off x="293196" y="172349"/>
+            <a:ext cx="6591181" cy="523220"/>
+          </a:xfrm>
+          <a:prstGeom prst="rect">
+            <a:avLst/>
+          </a:prstGeom>
+          <a:noFill/>
+        </p:spPr>
+        <p:txBody>
+          <a:bodyPr wrap="square" rtlCol="0">
+            <a:spAutoFit/>
+          </a:bodyPr>
+          <a:lstStyle/>
+          <a:p>
+            <a:r>
+              <a:rPr lang="en-US" sz="2800" b="1" dirty="0">
+                <a:solidFill>
+                  <a:srgbClr val="00B050"/>
+                </a:solidFill>
+                <a:latin typeface="Consolas" panose="020B0609020204030204" pitchFamily="49" charset="0"/>
+              </a:rPr>
+              <a:t>Boolean Aggregation Operators</a:t>
+            </a:r>
+            <a:endParaRPr lang="en-US" sz="2800" b="1" dirty="0">
+              <a:solidFill>
+                <a:srgbClr val="00B050"/>
+              </a:solidFill>
+            </a:endParaRPr>
+          </a:p>
+        </p:txBody>
+      </p:sp>
+      <p:sp>
+        <p:nvSpPr>
+          <p:cNvPr id="2" name="TextBox 1">
+            <a:extLst>
+              <a:ext uri="{FF2B5EF4-FFF2-40B4-BE49-F238E27FC236}">
+                <a16:creationId xmlns:a16="http://schemas.microsoft.com/office/drawing/2014/main" id="{BE3D35A1-0CF3-B750-F111-90F0781D54FC}"/>
+              </a:ext>
+            </a:extLst>
+          </p:cNvPr>
+          <p:cNvSpPr txBox="1"/>
+          <p:nvPr/>
+        </p:nvSpPr>
+        <p:spPr>
+          <a:xfrm>
+            <a:off x="527539" y="1228378"/>
+            <a:ext cx="2769576" cy="523220"/>
+          </a:xfrm>
+          <a:prstGeom prst="rect">
+            <a:avLst/>
+          </a:prstGeom>
+          <a:noFill/>
+        </p:spPr>
+        <p:txBody>
+          <a:bodyPr wrap="square" rtlCol="0">
+            <a:spAutoFit/>
+          </a:bodyPr>
+          <a:lstStyle/>
+          <a:p>
+            <a:r>
+              <a:rPr lang="en-US" sz="2800" b="1" dirty="0">
+                <a:solidFill>
+                  <a:srgbClr val="00B050"/>
+                </a:solidFill>
+              </a:rPr>
+              <a:t>$and </a:t>
+            </a:r>
+            <a:r>
+              <a:rPr lang="en-US" sz="2800" b="1" dirty="0">
+                <a:solidFill>
+                  <a:srgbClr val="00B050"/>
+                </a:solidFill>
+                <a:latin typeface="Consolas" panose="020B0609020204030204" pitchFamily="49" charset="0"/>
+              </a:rPr>
+              <a:t>Operator</a:t>
+            </a:r>
+            <a:endParaRPr lang="en-US" sz="2800" b="1" dirty="0">
+              <a:solidFill>
+                <a:srgbClr val="00B050"/>
+              </a:solidFill>
+            </a:endParaRPr>
+          </a:p>
+        </p:txBody>
+      </p:sp>
+      <p:sp>
+        <p:nvSpPr>
+          <p:cNvPr id="7" name="TextBox 6">
+            <a:extLst>
+              <a:ext uri="{FF2B5EF4-FFF2-40B4-BE49-F238E27FC236}">
+                <a16:creationId xmlns:a16="http://schemas.microsoft.com/office/drawing/2014/main" id="{F9D55B37-DE9B-E5E7-92A1-6A6CF5633C9D}"/>
+              </a:ext>
+            </a:extLst>
+          </p:cNvPr>
+          <p:cNvSpPr txBox="1"/>
+          <p:nvPr/>
+        </p:nvSpPr>
+        <p:spPr>
+          <a:xfrm>
+            <a:off x="527539" y="1754144"/>
+            <a:ext cx="10234245" cy="646331"/>
+          </a:xfrm>
+          <a:prstGeom prst="rect">
+            <a:avLst/>
+          </a:prstGeom>
+          <a:noFill/>
+        </p:spPr>
+        <p:txBody>
+          <a:bodyPr wrap="square" rtlCol="0">
+            <a:spAutoFit/>
+          </a:bodyPr>
+          <a:lstStyle/>
+          <a:p>
+            <a:pPr marL="285750" indent="-285750">
+              <a:buFont typeface="Arial" panose="020B0604020202020204" pitchFamily="34" charset="0"/>
+              <a:buChar char="•"/>
+            </a:pPr>
+            <a:r>
+              <a:rPr lang="en-US" b="1" dirty="0"/>
+              <a:t>Returns true only when all its expressions evaluate to true. </a:t>
+            </a:r>
+          </a:p>
+          <a:p>
+            <a:pPr marL="285750" indent="-285750">
+              <a:buFont typeface="Arial" panose="020B0604020202020204" pitchFamily="34" charset="0"/>
+              <a:buChar char="•"/>
+            </a:pPr>
+            <a:r>
+              <a:rPr lang="en-US" b="1" dirty="0"/>
+              <a:t>Accepts any number of argument expressions.</a:t>
+            </a:r>
+          </a:p>
+        </p:txBody>
+      </p:sp>
+      <p:sp>
+        <p:nvSpPr>
+          <p:cNvPr id="12" name="TextBox 11">
+            <a:extLst>
+              <a:ext uri="{FF2B5EF4-FFF2-40B4-BE49-F238E27FC236}">
+                <a16:creationId xmlns:a16="http://schemas.microsoft.com/office/drawing/2014/main" id="{329CCEC9-CCDE-33A2-49E0-2B918252E45B}"/>
+              </a:ext>
+            </a:extLst>
+          </p:cNvPr>
+          <p:cNvSpPr txBox="1"/>
+          <p:nvPr/>
+        </p:nvSpPr>
+        <p:spPr>
+          <a:xfrm>
+            <a:off x="527539" y="2631305"/>
+            <a:ext cx="2769576" cy="523220"/>
+          </a:xfrm>
+          <a:prstGeom prst="rect">
+            <a:avLst/>
+          </a:prstGeom>
+          <a:noFill/>
+        </p:spPr>
+        <p:txBody>
+          <a:bodyPr wrap="square" rtlCol="0">
+            <a:spAutoFit/>
+          </a:bodyPr>
+          <a:lstStyle/>
+          <a:p>
+            <a:r>
+              <a:rPr lang="en-US" sz="2800" b="1" dirty="0">
+                <a:solidFill>
+                  <a:srgbClr val="00B050"/>
+                </a:solidFill>
+              </a:rPr>
+              <a:t>$or </a:t>
+            </a:r>
+            <a:r>
+              <a:rPr lang="en-US" sz="2800" b="1" dirty="0">
+                <a:solidFill>
+                  <a:srgbClr val="00B050"/>
+                </a:solidFill>
+                <a:latin typeface="Consolas" panose="020B0609020204030204" pitchFamily="49" charset="0"/>
+              </a:rPr>
+              <a:t>Operator</a:t>
+            </a:r>
+            <a:endParaRPr lang="en-US" sz="2800" b="1" dirty="0">
+              <a:solidFill>
+                <a:srgbClr val="00B050"/>
+              </a:solidFill>
+            </a:endParaRPr>
+          </a:p>
+        </p:txBody>
+      </p:sp>
+      <p:sp>
+        <p:nvSpPr>
+          <p:cNvPr id="13" name="TextBox 12">
+            <a:extLst>
+              <a:ext uri="{FF2B5EF4-FFF2-40B4-BE49-F238E27FC236}">
+                <a16:creationId xmlns:a16="http://schemas.microsoft.com/office/drawing/2014/main" id="{2FD2CF30-B548-62AD-79CD-431F53D95DC0}"/>
+              </a:ext>
+            </a:extLst>
+          </p:cNvPr>
+          <p:cNvSpPr txBox="1"/>
+          <p:nvPr/>
+        </p:nvSpPr>
+        <p:spPr>
+          <a:xfrm>
+            <a:off x="527539" y="3157071"/>
+            <a:ext cx="10234245" cy="646331"/>
+          </a:xfrm>
+          <a:prstGeom prst="rect">
+            <a:avLst/>
+          </a:prstGeom>
+          <a:noFill/>
+        </p:spPr>
+        <p:txBody>
+          <a:bodyPr wrap="square" rtlCol="0">
+            <a:spAutoFit/>
+          </a:bodyPr>
+          <a:lstStyle/>
+          <a:p>
+            <a:pPr marL="285750" indent="-285750">
+              <a:buFont typeface="Arial" panose="020B0604020202020204" pitchFamily="34" charset="0"/>
+              <a:buChar char="•"/>
+            </a:pPr>
+            <a:r>
+              <a:rPr lang="en-US" b="1" dirty="0"/>
+              <a:t>Returns true only when any its expressions evaluate to true. </a:t>
+            </a:r>
+          </a:p>
+          <a:p>
+            <a:pPr marL="285750" indent="-285750">
+              <a:buFont typeface="Arial" panose="020B0604020202020204" pitchFamily="34" charset="0"/>
+              <a:buChar char="•"/>
+            </a:pPr>
+            <a:r>
+              <a:rPr lang="en-US" b="1" dirty="0"/>
+              <a:t>Accepts any number of argument expressions.</a:t>
+            </a:r>
+          </a:p>
+        </p:txBody>
+      </p:sp>
+      <p:sp>
+        <p:nvSpPr>
+          <p:cNvPr id="14" name="TextBox 13">
+            <a:extLst>
+              <a:ext uri="{FF2B5EF4-FFF2-40B4-BE49-F238E27FC236}">
+                <a16:creationId xmlns:a16="http://schemas.microsoft.com/office/drawing/2014/main" id="{DCCE3A89-7CAD-49F5-2641-E9D893460B70}"/>
+              </a:ext>
+            </a:extLst>
+          </p:cNvPr>
+          <p:cNvSpPr txBox="1"/>
+          <p:nvPr/>
+        </p:nvSpPr>
+        <p:spPr>
+          <a:xfrm>
+            <a:off x="527539" y="4036778"/>
+            <a:ext cx="2769576" cy="523220"/>
+          </a:xfrm>
+          <a:prstGeom prst="rect">
+            <a:avLst/>
+          </a:prstGeom>
+          <a:noFill/>
+        </p:spPr>
+        <p:txBody>
+          <a:bodyPr wrap="square" rtlCol="0">
+            <a:spAutoFit/>
+          </a:bodyPr>
+          <a:lstStyle/>
+          <a:p>
+            <a:r>
+              <a:rPr lang="en-US" sz="2800" b="1" dirty="0">
+                <a:solidFill>
+                  <a:srgbClr val="00B050"/>
+                </a:solidFill>
+              </a:rPr>
+              <a:t>$not </a:t>
+            </a:r>
+            <a:r>
+              <a:rPr lang="en-US" sz="2800" b="1" dirty="0">
+                <a:solidFill>
+                  <a:srgbClr val="00B050"/>
+                </a:solidFill>
+                <a:latin typeface="Consolas" panose="020B0609020204030204" pitchFamily="49" charset="0"/>
+              </a:rPr>
+              <a:t>Operator</a:t>
+            </a:r>
+            <a:endParaRPr lang="en-US" sz="2800" b="1" dirty="0">
+              <a:solidFill>
+                <a:srgbClr val="00B050"/>
+              </a:solidFill>
+            </a:endParaRPr>
+          </a:p>
+        </p:txBody>
+      </p:sp>
+      <p:sp>
+        <p:nvSpPr>
+          <p:cNvPr id="16" name="TextBox 15">
+            <a:extLst>
+              <a:ext uri="{FF2B5EF4-FFF2-40B4-BE49-F238E27FC236}">
+                <a16:creationId xmlns:a16="http://schemas.microsoft.com/office/drawing/2014/main" id="{0FE97E7E-8164-287B-F6B2-DED8A78251F7}"/>
+              </a:ext>
+            </a:extLst>
+          </p:cNvPr>
+          <p:cNvSpPr txBox="1"/>
+          <p:nvPr/>
+        </p:nvSpPr>
+        <p:spPr>
+          <a:xfrm>
+            <a:off x="460250" y="4650958"/>
+            <a:ext cx="10234245" cy="646331"/>
+          </a:xfrm>
+          <a:prstGeom prst="rect">
+            <a:avLst/>
+          </a:prstGeom>
+          <a:noFill/>
+        </p:spPr>
+        <p:txBody>
+          <a:bodyPr wrap="square" rtlCol="0">
+            <a:spAutoFit/>
+          </a:bodyPr>
+          <a:lstStyle/>
+          <a:p>
+            <a:pPr marL="285750" indent="-285750">
+              <a:buFont typeface="Arial" panose="020B0604020202020204" pitchFamily="34" charset="0"/>
+              <a:buChar char="•"/>
+            </a:pPr>
+            <a:r>
+              <a:rPr lang="en-US" b="1" dirty="0"/>
+              <a:t>Returns the </a:t>
+            </a:r>
+            <a:r>
+              <a:rPr lang="en-US" b="1" dirty="0" err="1"/>
+              <a:t>boolean</a:t>
+            </a:r>
+            <a:r>
+              <a:rPr lang="en-US" b="1" dirty="0"/>
+              <a:t> value that is the opposite of its argument expression. </a:t>
+            </a:r>
+          </a:p>
+          <a:p>
+            <a:pPr marL="285750" indent="-285750">
+              <a:buFont typeface="Arial" panose="020B0604020202020204" pitchFamily="34" charset="0"/>
+              <a:buChar char="•"/>
+            </a:pPr>
+            <a:r>
+              <a:rPr lang="en-US" b="1" dirty="0"/>
+              <a:t>Accepts a single argument expression.</a:t>
+            </a:r>
+          </a:p>
+        </p:txBody>
+      </p:sp>
+    </p:spTree>
+    <p:extLst>
+      <p:ext uri="{BB962C8B-B14F-4D97-AF65-F5344CB8AC3E}">
+        <p14:creationId xmlns:p14="http://schemas.microsoft.com/office/powerpoint/2010/main" val="4031700364"/>
+      </p:ext>
+    </p:extLst>
+  </p:cSld>
+  <p:clrMapOvr>
+    <a:masterClrMapping/>
+  </p:clrMapOvr>
+  <p:timing>
+    <p:tnLst>
+      <p:par>
+        <p:cTn id="1" dur="indefinite" restart="never" nodeType="tmRoot">
+          <p:childTnLst>
+            <p:seq concurrent="1" nextAc="seek">
+              <p:cTn id="2" dur="indefinite" nodeType="mainSeq">
+                <p:childTnLst>
+                  <p:par>
+                    <p:cTn id="3" fill="hold">
+                      <p:stCondLst>
+                        <p:cond delay="indefinite"/>
+                      </p:stCondLst>
+                      <p:childTnLst>
+                        <p:par>
+                          <p:cTn id="4" fill="hold">
+                            <p:stCondLst>
+                              <p:cond delay="0"/>
+                            </p:stCondLst>
+                            <p:childTnLst>
+                              <p:par>
+                                <p:cTn id="5" presetID="42" presetClass="entr" presetSubtype="0" fill="hold" grpId="0" nodeType="clickEffect">
+                                  <p:stCondLst>
+                                    <p:cond delay="0"/>
+                                  </p:stCondLst>
+                                  <p:childTnLst>
+                                    <p:set>
+                                      <p:cBhvr>
+                                        <p:cTn id="6" dur="1" fill="hold">
+                                          <p:stCondLst>
+                                            <p:cond delay="0"/>
+                                          </p:stCondLst>
+                                        </p:cTn>
+                                        <p:tgtEl>
+                                          <p:spTgt spid="2"/>
+                                        </p:tgtEl>
+                                        <p:attrNameLst>
+                                          <p:attrName>style.visibility</p:attrName>
+                                        </p:attrNameLst>
+                                      </p:cBhvr>
+                                      <p:to>
+                                        <p:strVal val="visible"/>
+                                      </p:to>
+                                    </p:set>
+                                    <p:animEffect transition="in" filter="fade">
+                                      <p:cBhvr>
+                                        <p:cTn id="7" dur="1000"/>
+                                        <p:tgtEl>
+                                          <p:spTgt spid="2"/>
+                                        </p:tgtEl>
+                                      </p:cBhvr>
+                                    </p:animEffect>
+                                    <p:anim calcmode="lin" valueType="num">
+                                      <p:cBhvr>
+                                        <p:cTn id="8" dur="1000" fill="hold"/>
+                                        <p:tgtEl>
+                                          <p:spTgt spid="2"/>
+                                        </p:tgtEl>
+                                        <p:attrNameLst>
+                                          <p:attrName>ppt_x</p:attrName>
+                                        </p:attrNameLst>
+                                      </p:cBhvr>
+                                      <p:tavLst>
+                                        <p:tav tm="0">
+                                          <p:val>
+                                            <p:strVal val="#ppt_x"/>
+                                          </p:val>
+                                        </p:tav>
+                                        <p:tav tm="100000">
+                                          <p:val>
+                                            <p:strVal val="#ppt_x"/>
+                                          </p:val>
+                                        </p:tav>
+                                      </p:tavLst>
+                                    </p:anim>
+                                    <p:anim calcmode="lin" valueType="num">
+                                      <p:cBhvr>
+                                        <p:cTn id="9" dur="1000" fill="hold"/>
+                                        <p:tgtEl>
+                                          <p:spTgt spid="2"/>
+                                        </p:tgtEl>
+                                        <p:attrNameLst>
+                                          <p:attrName>ppt_y</p:attrName>
+                                        </p:attrNameLst>
+                                      </p:cBhvr>
+                                      <p:tavLst>
+                                        <p:tav tm="0">
+                                          <p:val>
+                                            <p:strVal val="#ppt_y+.1"/>
+                                          </p:val>
+                                        </p:tav>
+                                        <p:tav tm="100000">
+                                          <p:val>
+                                            <p:strVal val="#ppt_y"/>
+                                          </p:val>
+                                        </p:tav>
+                                      </p:tavLst>
+                                    </p:anim>
+                                  </p:childTnLst>
+                                </p:cTn>
+                              </p:par>
+                            </p:childTnLst>
+                          </p:cTn>
+                        </p:par>
+                      </p:childTnLst>
+                    </p:cTn>
+                  </p:par>
+                  <p:par>
+                    <p:cTn id="10" fill="hold">
+                      <p:stCondLst>
+                        <p:cond delay="indefinite"/>
+                      </p:stCondLst>
+                      <p:childTnLst>
+                        <p:par>
+                          <p:cTn id="11" fill="hold">
+                            <p:stCondLst>
+                              <p:cond delay="0"/>
+                            </p:stCondLst>
+                            <p:childTnLst>
+                              <p:par>
+                                <p:cTn id="12" presetID="42" presetClass="entr" presetSubtype="0" fill="hold" nodeType="clickEffect">
+                                  <p:stCondLst>
+                                    <p:cond delay="0"/>
+                                  </p:stCondLst>
+                                  <p:childTnLst>
+                                    <p:set>
+                                      <p:cBhvr>
+                                        <p:cTn id="13" dur="1" fill="hold">
+                                          <p:stCondLst>
+                                            <p:cond delay="0"/>
+                                          </p:stCondLst>
+                                        </p:cTn>
+                                        <p:tgtEl>
+                                          <p:spTgt spid="7">
+                                            <p:txEl>
+                                              <p:pRg st="0" end="0"/>
+                                            </p:txEl>
+                                          </p:spTgt>
+                                        </p:tgtEl>
+                                        <p:attrNameLst>
+                                          <p:attrName>style.visibility</p:attrName>
+                                        </p:attrNameLst>
+                                      </p:cBhvr>
+                                      <p:to>
+                                        <p:strVal val="visible"/>
+                                      </p:to>
+                                    </p:set>
+                                    <p:animEffect transition="in" filter="fade">
+                                      <p:cBhvr>
+                                        <p:cTn id="14" dur="1000"/>
+                                        <p:tgtEl>
+                                          <p:spTgt spid="7">
+                                            <p:txEl>
+                                              <p:pRg st="0" end="0"/>
+                                            </p:txEl>
+                                          </p:spTgt>
+                                        </p:tgtEl>
+                                      </p:cBhvr>
+                                    </p:animEffect>
+                                    <p:anim calcmode="lin" valueType="num">
+                                      <p:cBhvr>
+                                        <p:cTn id="15" dur="1000" fill="hold"/>
+                                        <p:tgtEl>
+                                          <p:spTgt spid="7">
+                                            <p:txEl>
+                                              <p:pRg st="0" end="0"/>
+                                            </p:txEl>
+                                          </p:spTgt>
+                                        </p:tgtEl>
+                                        <p:attrNameLst>
+                                          <p:attrName>ppt_x</p:attrName>
+                                        </p:attrNameLst>
+                                      </p:cBhvr>
+                                      <p:tavLst>
+                                        <p:tav tm="0">
+                                          <p:val>
+                                            <p:strVal val="#ppt_x"/>
+                                          </p:val>
+                                        </p:tav>
+                                        <p:tav tm="100000">
+                                          <p:val>
+                                            <p:strVal val="#ppt_x"/>
+                                          </p:val>
+                                        </p:tav>
+                                      </p:tavLst>
+                                    </p:anim>
+                                    <p:anim calcmode="lin" valueType="num">
+                                      <p:cBhvr>
+                                        <p:cTn id="16" dur="1000" fill="hold"/>
+                                        <p:tgtEl>
+                                          <p:spTgt spid="7">
+                                            <p:txEl>
+                                              <p:pRg st="0" end="0"/>
+                                            </p:txEl>
+                                          </p:spTgt>
+                                        </p:tgtEl>
+                                        <p:attrNameLst>
+                                          <p:attrName>ppt_y</p:attrName>
+                                        </p:attrNameLst>
+                                      </p:cBhvr>
+                                      <p:tavLst>
+                                        <p:tav tm="0">
+                                          <p:val>
+                                            <p:strVal val="#ppt_y+.1"/>
+                                          </p:val>
+                                        </p:tav>
+                                        <p:tav tm="100000">
+                                          <p:val>
+                                            <p:strVal val="#ppt_y"/>
+                                          </p:val>
+                                        </p:tav>
+                                      </p:tavLst>
+                                    </p:anim>
+                                  </p:childTnLst>
+                                </p:cTn>
+                              </p:par>
+                            </p:childTnLst>
+                          </p:cTn>
+                        </p:par>
+                      </p:childTnLst>
+                    </p:cTn>
+                  </p:par>
+                  <p:par>
+                    <p:cTn id="17" fill="hold">
+                      <p:stCondLst>
+                        <p:cond delay="indefinite"/>
+                      </p:stCondLst>
+                      <p:childTnLst>
+                        <p:par>
+                          <p:cTn id="18" fill="hold">
+                            <p:stCondLst>
+                              <p:cond delay="0"/>
+                            </p:stCondLst>
+                            <p:childTnLst>
+                              <p:par>
+                                <p:cTn id="19" presetID="42" presetClass="entr" presetSubtype="0" fill="hold" nodeType="clickEffect">
+                                  <p:stCondLst>
+                                    <p:cond delay="0"/>
+                                  </p:stCondLst>
+                                  <p:childTnLst>
+                                    <p:set>
+                                      <p:cBhvr>
+                                        <p:cTn id="20" dur="1" fill="hold">
+                                          <p:stCondLst>
+                                            <p:cond delay="0"/>
+                                          </p:stCondLst>
+                                        </p:cTn>
+                                        <p:tgtEl>
+                                          <p:spTgt spid="7">
+                                            <p:txEl>
+                                              <p:pRg st="1" end="1"/>
+                                            </p:txEl>
+                                          </p:spTgt>
+                                        </p:tgtEl>
+                                        <p:attrNameLst>
+                                          <p:attrName>style.visibility</p:attrName>
+                                        </p:attrNameLst>
+                                      </p:cBhvr>
+                                      <p:to>
+                                        <p:strVal val="visible"/>
+                                      </p:to>
+                                    </p:set>
+                                    <p:animEffect transition="in" filter="fade">
+                                      <p:cBhvr>
+                                        <p:cTn id="21" dur="1000"/>
+                                        <p:tgtEl>
+                                          <p:spTgt spid="7">
+                                            <p:txEl>
+                                              <p:pRg st="1" end="1"/>
+                                            </p:txEl>
+                                          </p:spTgt>
+                                        </p:tgtEl>
+                                      </p:cBhvr>
+                                    </p:animEffect>
+                                    <p:anim calcmode="lin" valueType="num">
+                                      <p:cBhvr>
+                                        <p:cTn id="22" dur="1000" fill="hold"/>
+                                        <p:tgtEl>
+                                          <p:spTgt spid="7">
+                                            <p:txEl>
+                                              <p:pRg st="1" end="1"/>
+                                            </p:txEl>
+                                          </p:spTgt>
+                                        </p:tgtEl>
+                                        <p:attrNameLst>
+                                          <p:attrName>ppt_x</p:attrName>
+                                        </p:attrNameLst>
+                                      </p:cBhvr>
+                                      <p:tavLst>
+                                        <p:tav tm="0">
+                                          <p:val>
+                                            <p:strVal val="#ppt_x"/>
+                                          </p:val>
+                                        </p:tav>
+                                        <p:tav tm="100000">
+                                          <p:val>
+                                            <p:strVal val="#ppt_x"/>
+                                          </p:val>
+                                        </p:tav>
+                                      </p:tavLst>
+                                    </p:anim>
+                                    <p:anim calcmode="lin" valueType="num">
+                                      <p:cBhvr>
+                                        <p:cTn id="23" dur="1000" fill="hold"/>
+                                        <p:tgtEl>
+                                          <p:spTgt spid="7">
+                                            <p:txEl>
+                                              <p:pRg st="1" end="1"/>
+                                            </p:txEl>
+                                          </p:spTgt>
+                                        </p:tgtEl>
+                                        <p:attrNameLst>
+                                          <p:attrName>ppt_y</p:attrName>
+                                        </p:attrNameLst>
+                                      </p:cBhvr>
+                                      <p:tavLst>
+                                        <p:tav tm="0">
+                                          <p:val>
+                                            <p:strVal val="#ppt_y+.1"/>
+                                          </p:val>
+                                        </p:tav>
+                                        <p:tav tm="100000">
+                                          <p:val>
+                                            <p:strVal val="#ppt_y"/>
+                                          </p:val>
+                                        </p:tav>
+                                      </p:tavLst>
+                                    </p:anim>
+                                  </p:childTnLst>
+                                </p:cTn>
+                              </p:par>
+                            </p:childTnLst>
+                          </p:cTn>
+                        </p:par>
+                      </p:childTnLst>
+                    </p:cTn>
+                  </p:par>
+                  <p:par>
+                    <p:cTn id="24" fill="hold">
+                      <p:stCondLst>
+                        <p:cond delay="indefinite"/>
+                      </p:stCondLst>
+                      <p:childTnLst>
+                        <p:par>
+                          <p:cTn id="25" fill="hold">
+                            <p:stCondLst>
+                              <p:cond delay="0"/>
+                            </p:stCondLst>
+                            <p:childTnLst>
+                              <p:par>
+                                <p:cTn id="26" presetID="42" presetClass="entr" presetSubtype="0" fill="hold" nodeType="clickEffect">
+                                  <p:stCondLst>
+                                    <p:cond delay="0"/>
+                                  </p:stCondLst>
+                                  <p:childTnLst>
+                                    <p:set>
+                                      <p:cBhvr>
+                                        <p:cTn id="27" dur="1" fill="hold">
+                                          <p:stCondLst>
+                                            <p:cond delay="0"/>
+                                          </p:stCondLst>
+                                        </p:cTn>
+                                        <p:tgtEl>
+                                          <p:spTgt spid="12">
+                                            <p:txEl>
+                                              <p:pRg st="0" end="0"/>
+                                            </p:txEl>
+                                          </p:spTgt>
+                                        </p:tgtEl>
+                                        <p:attrNameLst>
+                                          <p:attrName>style.visibility</p:attrName>
+                                        </p:attrNameLst>
+                                      </p:cBhvr>
+                                      <p:to>
+                                        <p:strVal val="visible"/>
+                                      </p:to>
+                                    </p:set>
+                                    <p:animEffect transition="in" filter="fade">
+                                      <p:cBhvr>
+                                        <p:cTn id="28" dur="1000"/>
+                                        <p:tgtEl>
+                                          <p:spTgt spid="12">
+                                            <p:txEl>
+                                              <p:pRg st="0" end="0"/>
+                                            </p:txEl>
+                                          </p:spTgt>
+                                        </p:tgtEl>
+                                      </p:cBhvr>
+                                    </p:animEffect>
+                                    <p:anim calcmode="lin" valueType="num">
+                                      <p:cBhvr>
+                                        <p:cTn id="29" dur="1000" fill="hold"/>
+                                        <p:tgtEl>
+                                          <p:spTgt spid="12">
+                                            <p:txEl>
+                                              <p:pRg st="0" end="0"/>
+                                            </p:txEl>
+                                          </p:spTgt>
+                                        </p:tgtEl>
+                                        <p:attrNameLst>
+                                          <p:attrName>ppt_x</p:attrName>
+                                        </p:attrNameLst>
+                                      </p:cBhvr>
+                                      <p:tavLst>
+                                        <p:tav tm="0">
+                                          <p:val>
+                                            <p:strVal val="#ppt_x"/>
+                                          </p:val>
+                                        </p:tav>
+                                        <p:tav tm="100000">
+                                          <p:val>
+                                            <p:strVal val="#ppt_x"/>
+                                          </p:val>
+                                        </p:tav>
+                                      </p:tavLst>
+                                    </p:anim>
+                                    <p:anim calcmode="lin" valueType="num">
+                                      <p:cBhvr>
+                                        <p:cTn id="30" dur="1000" fill="hold"/>
+                                        <p:tgtEl>
+                                          <p:spTgt spid="12">
+                                            <p:txEl>
+                                              <p:pRg st="0" end="0"/>
+                                            </p:txEl>
+                                          </p:spTgt>
+                                        </p:tgtEl>
+                                        <p:attrNameLst>
+                                          <p:attrName>ppt_y</p:attrName>
+                                        </p:attrNameLst>
+                                      </p:cBhvr>
+                                      <p:tavLst>
+                                        <p:tav tm="0">
+                                          <p:val>
+                                            <p:strVal val="#ppt_y+.1"/>
+                                          </p:val>
+                                        </p:tav>
+                                        <p:tav tm="100000">
+                                          <p:val>
+                                            <p:strVal val="#ppt_y"/>
+                                          </p:val>
+                                        </p:tav>
+                                      </p:tavLst>
+                                    </p:anim>
+                                  </p:childTnLst>
+                                </p:cTn>
+                              </p:par>
+                            </p:childTnLst>
+                          </p:cTn>
+                        </p:par>
+                      </p:childTnLst>
+                    </p:cTn>
+                  </p:par>
+                  <p:par>
+                    <p:cTn id="31" fill="hold">
+                      <p:stCondLst>
+                        <p:cond delay="indefinite"/>
+                      </p:stCondLst>
+                      <p:childTnLst>
+                        <p:par>
+                          <p:cTn id="32" fill="hold">
+                            <p:stCondLst>
+                              <p:cond delay="0"/>
+                            </p:stCondLst>
+                            <p:childTnLst>
+                              <p:par>
+                                <p:cTn id="33" presetID="42" presetClass="entr" presetSubtype="0" fill="hold" nodeType="clickEffect">
+                                  <p:stCondLst>
+                                    <p:cond delay="0"/>
+                                  </p:stCondLst>
+                                  <p:childTnLst>
+                                    <p:set>
+                                      <p:cBhvr>
+                                        <p:cTn id="34" dur="1" fill="hold">
+                                          <p:stCondLst>
+                                            <p:cond delay="0"/>
+                                          </p:stCondLst>
+                                        </p:cTn>
+                                        <p:tgtEl>
+                                          <p:spTgt spid="13">
+                                            <p:txEl>
+                                              <p:pRg st="0" end="0"/>
+                                            </p:txEl>
+                                          </p:spTgt>
+                                        </p:tgtEl>
+                                        <p:attrNameLst>
+                                          <p:attrName>style.visibility</p:attrName>
+                                        </p:attrNameLst>
+                                      </p:cBhvr>
+                                      <p:to>
+                                        <p:strVal val="visible"/>
+                                      </p:to>
+                                    </p:set>
+                                    <p:animEffect transition="in" filter="fade">
+                                      <p:cBhvr>
+                                        <p:cTn id="35" dur="1000"/>
+                                        <p:tgtEl>
+                                          <p:spTgt spid="13">
+                                            <p:txEl>
+                                              <p:pRg st="0" end="0"/>
+                                            </p:txEl>
+                                          </p:spTgt>
+                                        </p:tgtEl>
+                                      </p:cBhvr>
+                                    </p:animEffect>
+                                    <p:anim calcmode="lin" valueType="num">
+                                      <p:cBhvr>
+                                        <p:cTn id="36" dur="1000" fill="hold"/>
+                                        <p:tgtEl>
+                                          <p:spTgt spid="13">
+                                            <p:txEl>
+                                              <p:pRg st="0" end="0"/>
+                                            </p:txEl>
+                                          </p:spTgt>
+                                        </p:tgtEl>
+                                        <p:attrNameLst>
+                                          <p:attrName>ppt_x</p:attrName>
+                                        </p:attrNameLst>
+                                      </p:cBhvr>
+                                      <p:tavLst>
+                                        <p:tav tm="0">
+                                          <p:val>
+                                            <p:strVal val="#ppt_x"/>
+                                          </p:val>
+                                        </p:tav>
+                                        <p:tav tm="100000">
+                                          <p:val>
+                                            <p:strVal val="#ppt_x"/>
+                                          </p:val>
+                                        </p:tav>
+                                      </p:tavLst>
+                                    </p:anim>
+                                    <p:anim calcmode="lin" valueType="num">
+                                      <p:cBhvr>
+                                        <p:cTn id="37" dur="1000" fill="hold"/>
+                                        <p:tgtEl>
+                                          <p:spTgt spid="13">
+                                            <p:txEl>
+                                              <p:pRg st="0" end="0"/>
+                                            </p:txEl>
+                                          </p:spTgt>
+                                        </p:tgtEl>
+                                        <p:attrNameLst>
+                                          <p:attrName>ppt_y</p:attrName>
+                                        </p:attrNameLst>
+                                      </p:cBhvr>
+                                      <p:tavLst>
+                                        <p:tav tm="0">
+                                          <p:val>
+                                            <p:strVal val="#ppt_y+.1"/>
+                                          </p:val>
+                                        </p:tav>
+                                        <p:tav tm="100000">
+                                          <p:val>
+                                            <p:strVal val="#ppt_y"/>
+                                          </p:val>
+                                        </p:tav>
+                                      </p:tavLst>
+                                    </p:anim>
+                                  </p:childTnLst>
+                                </p:cTn>
+                              </p:par>
+                            </p:childTnLst>
+                          </p:cTn>
+                        </p:par>
+                      </p:childTnLst>
+                    </p:cTn>
+                  </p:par>
+                  <p:par>
+                    <p:cTn id="38" fill="hold">
+                      <p:stCondLst>
+                        <p:cond delay="indefinite"/>
+                      </p:stCondLst>
+                      <p:childTnLst>
+                        <p:par>
+                          <p:cTn id="39" fill="hold">
+                            <p:stCondLst>
+                              <p:cond delay="0"/>
+                            </p:stCondLst>
+                            <p:childTnLst>
+                              <p:par>
+                                <p:cTn id="40" presetID="42" presetClass="entr" presetSubtype="0" fill="hold" nodeType="clickEffect">
+                                  <p:stCondLst>
+                                    <p:cond delay="0"/>
+                                  </p:stCondLst>
+                                  <p:childTnLst>
+                                    <p:set>
+                                      <p:cBhvr>
+                                        <p:cTn id="41" dur="1" fill="hold">
+                                          <p:stCondLst>
+                                            <p:cond delay="0"/>
+                                          </p:stCondLst>
+                                        </p:cTn>
+                                        <p:tgtEl>
+                                          <p:spTgt spid="13">
+                                            <p:txEl>
+                                              <p:pRg st="1" end="1"/>
+                                            </p:txEl>
+                                          </p:spTgt>
+                                        </p:tgtEl>
+                                        <p:attrNameLst>
+                                          <p:attrName>style.visibility</p:attrName>
+                                        </p:attrNameLst>
+                                      </p:cBhvr>
+                                      <p:to>
+                                        <p:strVal val="visible"/>
+                                      </p:to>
+                                    </p:set>
+                                    <p:animEffect transition="in" filter="fade">
+                                      <p:cBhvr>
+                                        <p:cTn id="42" dur="1000"/>
+                                        <p:tgtEl>
+                                          <p:spTgt spid="13">
+                                            <p:txEl>
+                                              <p:pRg st="1" end="1"/>
+                                            </p:txEl>
+                                          </p:spTgt>
+                                        </p:tgtEl>
+                                      </p:cBhvr>
+                                    </p:animEffect>
+                                    <p:anim calcmode="lin" valueType="num">
+                                      <p:cBhvr>
+                                        <p:cTn id="43" dur="1000" fill="hold"/>
+                                        <p:tgtEl>
+                                          <p:spTgt spid="13">
+                                            <p:txEl>
+                                              <p:pRg st="1" end="1"/>
+                                            </p:txEl>
+                                          </p:spTgt>
+                                        </p:tgtEl>
+                                        <p:attrNameLst>
+                                          <p:attrName>ppt_x</p:attrName>
+                                        </p:attrNameLst>
+                                      </p:cBhvr>
+                                      <p:tavLst>
+                                        <p:tav tm="0">
+                                          <p:val>
+                                            <p:strVal val="#ppt_x"/>
+                                          </p:val>
+                                        </p:tav>
+                                        <p:tav tm="100000">
+                                          <p:val>
+                                            <p:strVal val="#ppt_x"/>
+                                          </p:val>
+                                        </p:tav>
+                                      </p:tavLst>
+                                    </p:anim>
+                                    <p:anim calcmode="lin" valueType="num">
+                                      <p:cBhvr>
+                                        <p:cTn id="44" dur="1000" fill="hold"/>
+                                        <p:tgtEl>
+                                          <p:spTgt spid="13">
+                                            <p:txEl>
+                                              <p:pRg st="1" end="1"/>
+                                            </p:txEl>
+                                          </p:spTgt>
+                                        </p:tgtEl>
+                                        <p:attrNameLst>
+                                          <p:attrName>ppt_y</p:attrName>
+                                        </p:attrNameLst>
+                                      </p:cBhvr>
+                                      <p:tavLst>
+                                        <p:tav tm="0">
+                                          <p:val>
+                                            <p:strVal val="#ppt_y+.1"/>
+                                          </p:val>
+                                        </p:tav>
+                                        <p:tav tm="100000">
+                                          <p:val>
+                                            <p:strVal val="#ppt_y"/>
+                                          </p:val>
+                                        </p:tav>
+                                      </p:tavLst>
+                                    </p:anim>
+                                  </p:childTnLst>
+                                </p:cTn>
+                              </p:par>
+                            </p:childTnLst>
+                          </p:cTn>
+                        </p:par>
+                      </p:childTnLst>
+                    </p:cTn>
+                  </p:par>
+                  <p:par>
+                    <p:cTn id="45" fill="hold">
+                      <p:stCondLst>
+                        <p:cond delay="indefinite"/>
+                      </p:stCondLst>
+                      <p:childTnLst>
+                        <p:par>
+                          <p:cTn id="46" fill="hold">
+                            <p:stCondLst>
+                              <p:cond delay="0"/>
+                            </p:stCondLst>
+                            <p:childTnLst>
+                              <p:par>
+                                <p:cTn id="47" presetID="42" presetClass="entr" presetSubtype="0" fill="hold" nodeType="clickEffect">
+                                  <p:stCondLst>
+                                    <p:cond delay="0"/>
+                                  </p:stCondLst>
+                                  <p:childTnLst>
+                                    <p:set>
+                                      <p:cBhvr>
+                                        <p:cTn id="48" dur="1" fill="hold">
+                                          <p:stCondLst>
+                                            <p:cond delay="0"/>
+                                          </p:stCondLst>
+                                        </p:cTn>
+                                        <p:tgtEl>
+                                          <p:spTgt spid="14">
+                                            <p:txEl>
+                                              <p:pRg st="0" end="0"/>
+                                            </p:txEl>
+                                          </p:spTgt>
+                                        </p:tgtEl>
+                                        <p:attrNameLst>
+                                          <p:attrName>style.visibility</p:attrName>
+                                        </p:attrNameLst>
+                                      </p:cBhvr>
+                                      <p:to>
+                                        <p:strVal val="visible"/>
+                                      </p:to>
+                                    </p:set>
+                                    <p:animEffect transition="in" filter="fade">
+                                      <p:cBhvr>
+                                        <p:cTn id="49" dur="1000"/>
+                                        <p:tgtEl>
+                                          <p:spTgt spid="14">
+                                            <p:txEl>
+                                              <p:pRg st="0" end="0"/>
+                                            </p:txEl>
+                                          </p:spTgt>
+                                        </p:tgtEl>
+                                      </p:cBhvr>
+                                    </p:animEffect>
+                                    <p:anim calcmode="lin" valueType="num">
+                                      <p:cBhvr>
+                                        <p:cTn id="50" dur="1000" fill="hold"/>
+                                        <p:tgtEl>
+                                          <p:spTgt spid="14">
+                                            <p:txEl>
+                                              <p:pRg st="0" end="0"/>
+                                            </p:txEl>
+                                          </p:spTgt>
+                                        </p:tgtEl>
+                                        <p:attrNameLst>
+                                          <p:attrName>ppt_x</p:attrName>
+                                        </p:attrNameLst>
+                                      </p:cBhvr>
+                                      <p:tavLst>
+                                        <p:tav tm="0">
+                                          <p:val>
+                                            <p:strVal val="#ppt_x"/>
+                                          </p:val>
+                                        </p:tav>
+                                        <p:tav tm="100000">
+                                          <p:val>
+                                            <p:strVal val="#ppt_x"/>
+                                          </p:val>
+                                        </p:tav>
+                                      </p:tavLst>
+                                    </p:anim>
+                                    <p:anim calcmode="lin" valueType="num">
+                                      <p:cBhvr>
+                                        <p:cTn id="51" dur="1000" fill="hold"/>
+                                        <p:tgtEl>
+                                          <p:spTgt spid="14">
+                                            <p:txEl>
+                                              <p:pRg st="0" end="0"/>
+                                            </p:txEl>
+                                          </p:spTgt>
+                                        </p:tgtEl>
+                                        <p:attrNameLst>
+                                          <p:attrName>ppt_y</p:attrName>
+                                        </p:attrNameLst>
+                                      </p:cBhvr>
+                                      <p:tavLst>
+                                        <p:tav tm="0">
+                                          <p:val>
+                                            <p:strVal val="#ppt_y+.1"/>
+                                          </p:val>
+                                        </p:tav>
+                                        <p:tav tm="100000">
+                                          <p:val>
+                                            <p:strVal val="#ppt_y"/>
+                                          </p:val>
+                                        </p:tav>
+                                      </p:tavLst>
+                                    </p:anim>
+                                  </p:childTnLst>
+                                </p:cTn>
+                              </p:par>
+                            </p:childTnLst>
+                          </p:cTn>
+                        </p:par>
+                      </p:childTnLst>
+                    </p:cTn>
+                  </p:par>
+                  <p:par>
+                    <p:cTn id="52" fill="hold">
+                      <p:stCondLst>
+                        <p:cond delay="indefinite"/>
+                      </p:stCondLst>
+                      <p:childTnLst>
+                        <p:par>
+                          <p:cTn id="53" fill="hold">
+                            <p:stCondLst>
+                              <p:cond delay="0"/>
+                            </p:stCondLst>
+                            <p:childTnLst>
+                              <p:par>
+                                <p:cTn id="54" presetID="42" presetClass="entr" presetSubtype="0" fill="hold" nodeType="clickEffect">
+                                  <p:stCondLst>
+                                    <p:cond delay="0"/>
+                                  </p:stCondLst>
+                                  <p:childTnLst>
+                                    <p:set>
+                                      <p:cBhvr>
+                                        <p:cTn id="55" dur="1" fill="hold">
+                                          <p:stCondLst>
+                                            <p:cond delay="0"/>
+                                          </p:stCondLst>
+                                        </p:cTn>
+                                        <p:tgtEl>
+                                          <p:spTgt spid="16">
+                                            <p:txEl>
+                                              <p:pRg st="0" end="0"/>
+                                            </p:txEl>
+                                          </p:spTgt>
+                                        </p:tgtEl>
+                                        <p:attrNameLst>
+                                          <p:attrName>style.visibility</p:attrName>
+                                        </p:attrNameLst>
+                                      </p:cBhvr>
+                                      <p:to>
+                                        <p:strVal val="visible"/>
+                                      </p:to>
+                                    </p:set>
+                                    <p:animEffect transition="in" filter="fade">
+                                      <p:cBhvr>
+                                        <p:cTn id="56" dur="1000"/>
+                                        <p:tgtEl>
+                                          <p:spTgt spid="16">
+                                            <p:txEl>
+                                              <p:pRg st="0" end="0"/>
+                                            </p:txEl>
+                                          </p:spTgt>
+                                        </p:tgtEl>
+                                      </p:cBhvr>
+                                    </p:animEffect>
+                                    <p:anim calcmode="lin" valueType="num">
+                                      <p:cBhvr>
+                                        <p:cTn id="57" dur="1000" fill="hold"/>
+                                        <p:tgtEl>
+                                          <p:spTgt spid="16">
+                                            <p:txEl>
+                                              <p:pRg st="0" end="0"/>
+                                            </p:txEl>
+                                          </p:spTgt>
+                                        </p:tgtEl>
+                                        <p:attrNameLst>
+                                          <p:attrName>ppt_x</p:attrName>
+                                        </p:attrNameLst>
+                                      </p:cBhvr>
+                                      <p:tavLst>
+                                        <p:tav tm="0">
+                                          <p:val>
+                                            <p:strVal val="#ppt_x"/>
+                                          </p:val>
+                                        </p:tav>
+                                        <p:tav tm="100000">
+                                          <p:val>
+                                            <p:strVal val="#ppt_x"/>
+                                          </p:val>
+                                        </p:tav>
+                                      </p:tavLst>
+                                    </p:anim>
+                                    <p:anim calcmode="lin" valueType="num">
+                                      <p:cBhvr>
+                                        <p:cTn id="58" dur="1000" fill="hold"/>
+                                        <p:tgtEl>
+                                          <p:spTgt spid="16">
+                                            <p:txEl>
+                                              <p:pRg st="0" end="0"/>
+                                            </p:txEl>
+                                          </p:spTgt>
+                                        </p:tgtEl>
+                                        <p:attrNameLst>
+                                          <p:attrName>ppt_y</p:attrName>
+                                        </p:attrNameLst>
+                                      </p:cBhvr>
+                                      <p:tavLst>
+                                        <p:tav tm="0">
+                                          <p:val>
+                                            <p:strVal val="#ppt_y+.1"/>
+                                          </p:val>
+                                        </p:tav>
+                                        <p:tav tm="100000">
+                                          <p:val>
+                                            <p:strVal val="#ppt_y"/>
+                                          </p:val>
+                                        </p:tav>
+                                      </p:tavLst>
+                                    </p:anim>
+                                  </p:childTnLst>
+                                </p:cTn>
+                              </p:par>
+                            </p:childTnLst>
+                          </p:cTn>
+                        </p:par>
+                      </p:childTnLst>
+                    </p:cTn>
+                  </p:par>
+                  <p:par>
+                    <p:cTn id="59" fill="hold">
+                      <p:stCondLst>
+                        <p:cond delay="indefinite"/>
+                      </p:stCondLst>
+                      <p:childTnLst>
+                        <p:par>
+                          <p:cTn id="60" fill="hold">
+                            <p:stCondLst>
+                              <p:cond delay="0"/>
+                            </p:stCondLst>
+                            <p:childTnLst>
+                              <p:par>
+                                <p:cTn id="61" presetID="10" presetClass="entr" presetSubtype="0" fill="hold" nodeType="clickEffect">
+                                  <p:stCondLst>
+                                    <p:cond delay="0"/>
+                                  </p:stCondLst>
+                                  <p:childTnLst>
+                                    <p:set>
+                                      <p:cBhvr>
+                                        <p:cTn id="62" dur="1" fill="hold">
+                                          <p:stCondLst>
+                                            <p:cond delay="0"/>
+                                          </p:stCondLst>
+                                        </p:cTn>
+                                        <p:tgtEl>
+                                          <p:spTgt spid="16">
+                                            <p:txEl>
+                                              <p:pRg st="1" end="1"/>
+                                            </p:txEl>
+                                          </p:spTgt>
+                                        </p:tgtEl>
+                                        <p:attrNameLst>
+                                          <p:attrName>style.visibility</p:attrName>
+                                        </p:attrNameLst>
+                                      </p:cBhvr>
+                                      <p:to>
+                                        <p:strVal val="visible"/>
+                                      </p:to>
+                                    </p:set>
+                                    <p:animEffect transition="in" filter="fade">
+                                      <p:cBhvr>
+                                        <p:cTn id="63" dur="500"/>
+                                        <p:tgtEl>
+                                          <p:spTgt spid="16">
+                                            <p:txEl>
+                                              <p:pRg st="1" end="1"/>
+                                            </p:txEl>
+                                          </p:spTgt>
+                                        </p:tgtEl>
+                                      </p:cBhvr>
+                                    </p:animEffect>
+                                  </p:childTnLst>
+                                </p:cTn>
+                              </p:par>
+                            </p:childTnLst>
+                          </p:cTn>
+                        </p:par>
+                      </p:childTnLst>
+                    </p:cTn>
+                  </p:par>
+                </p:childTnLst>
+              </p:cTn>
+              <p:prevCondLst>
+                <p:cond evt="onPrev" delay="0">
+                  <p:tgtEl>
+                    <p:sldTgt/>
+                  </p:tgtEl>
+                </p:cond>
+              </p:prevCondLst>
+              <p:nextCondLst>
+                <p:cond evt="onNext" delay="0">
+                  <p:tgtEl>
+                    <p:sldTgt/>
+                  </p:tgtEl>
+                </p:cond>
+              </p:nextCondLst>
+            </p:seq>
+          </p:childTnLst>
+        </p:cTn>
+      </p:par>
+    </p:tnLst>
+    <p:bldLst>
+      <p:bldP spid="2" grpId="0"/>
+    </p:bldLst>
+  </p:timing>
+</p:sld>
+</file>
+
+<file path=ppt/slides/slide36.xml><?xml version="1.0" encoding="utf-8"?>
+<p:sld xmlns:a="http://schemas.openxmlformats.org/drawingml/2006/main" xmlns:r="http://schemas.openxmlformats.org/officeDocument/2006/relationships" xmlns:p="http://schemas.openxmlformats.org/presentationml/2006/main">
+  <p:cSld>
+    <p:spTree>
+      <p:nvGrpSpPr>
+        <p:cNvPr id="1" name=""/>
+        <p:cNvGrpSpPr/>
+        <p:nvPr/>
+      </p:nvGrpSpPr>
+      <p:grpSpPr>
+        <a:xfrm>
+          <a:off x="0" y="0"/>
+          <a:ext cx="0" cy="0"/>
+          <a:chOff x="0" y="0"/>
+          <a:chExt cx="0" cy="0"/>
+        </a:xfrm>
+      </p:grpSpPr>
+      <p:sp>
+        <p:nvSpPr>
+          <p:cNvPr id="6" name="TextBox 5">
+            <a:extLst>
+              <a:ext uri="{FF2B5EF4-FFF2-40B4-BE49-F238E27FC236}">
+                <a16:creationId xmlns:a16="http://schemas.microsoft.com/office/drawing/2014/main" id="{9B7E9EF7-9A48-9236-48BE-C506A7ED34B6}"/>
+              </a:ext>
+            </a:extLst>
+          </p:cNvPr>
+          <p:cNvSpPr txBox="1"/>
+          <p:nvPr/>
+        </p:nvSpPr>
+        <p:spPr>
+          <a:xfrm>
+            <a:off x="7346242" y="4034232"/>
+            <a:ext cx="2351314" cy="646331"/>
+          </a:xfrm>
+          <a:prstGeom prst="rect">
+            <a:avLst/>
+          </a:prstGeom>
+          <a:noFill/>
+        </p:spPr>
+        <p:txBody>
+          <a:bodyPr wrap="square" rtlCol="0">
+            <a:spAutoFit/>
+          </a:bodyPr>
+          <a:lstStyle/>
+          <a:p>
+            <a:r>
+              <a:rPr lang="en-US" sz="3600" b="1" dirty="0">
+                <a:solidFill>
+                  <a:schemeClr val="bg1"/>
+                </a:solidFill>
+              </a:rPr>
+              <a:t>Master</a:t>
+            </a:r>
+          </a:p>
+        </p:txBody>
+      </p:sp>
+      <p:sp>
+        <p:nvSpPr>
+          <p:cNvPr id="9" name="TextBox 8">
+            <a:extLst>
+              <a:ext uri="{FF2B5EF4-FFF2-40B4-BE49-F238E27FC236}">
+                <a16:creationId xmlns:a16="http://schemas.microsoft.com/office/drawing/2014/main" id="{1A178001-BB54-176A-8C9F-DBD5C8E4923C}"/>
+              </a:ext>
+            </a:extLst>
+          </p:cNvPr>
+          <p:cNvSpPr txBox="1"/>
+          <p:nvPr/>
+        </p:nvSpPr>
+        <p:spPr>
+          <a:xfrm>
+            <a:off x="293196" y="172349"/>
+            <a:ext cx="8771673" cy="523220"/>
+          </a:xfrm>
+          <a:prstGeom prst="rect">
+            <a:avLst/>
+          </a:prstGeom>
+          <a:noFill/>
+        </p:spPr>
+        <p:txBody>
+          <a:bodyPr wrap="square" rtlCol="0">
+            <a:spAutoFit/>
+          </a:bodyPr>
+          <a:lstStyle/>
+          <a:p>
+            <a:r>
+              <a:rPr lang="en-US" sz="2800" b="1" dirty="0">
+                <a:solidFill>
+                  <a:srgbClr val="00B050"/>
+                </a:solidFill>
+                <a:latin typeface="Consolas" panose="020B0609020204030204" pitchFamily="49" charset="0"/>
+              </a:rPr>
+              <a:t>Practices to write mongo queries </a:t>
+            </a:r>
+            <a:endParaRPr lang="en-US" sz="2800" b="1" dirty="0">
+              <a:solidFill>
+                <a:srgbClr val="00B050"/>
+              </a:solidFill>
+            </a:endParaRPr>
+          </a:p>
+        </p:txBody>
+      </p:sp>
+      <p:sp>
+        <p:nvSpPr>
+          <p:cNvPr id="19" name="TextBox 18">
+            <a:extLst>
+              <a:ext uri="{FF2B5EF4-FFF2-40B4-BE49-F238E27FC236}">
+                <a16:creationId xmlns:a16="http://schemas.microsoft.com/office/drawing/2014/main" id="{F9467D84-A9CC-87D8-39C4-A96D77A7ABDA}"/>
+              </a:ext>
+            </a:extLst>
+          </p:cNvPr>
+          <p:cNvSpPr txBox="1"/>
+          <p:nvPr/>
+        </p:nvSpPr>
+        <p:spPr>
+          <a:xfrm>
+            <a:off x="395654" y="1252983"/>
+            <a:ext cx="10234245" cy="2585323"/>
+          </a:xfrm>
+          <a:prstGeom prst="rect">
+            <a:avLst/>
+          </a:prstGeom>
+          <a:noFill/>
+        </p:spPr>
+        <p:txBody>
+          <a:bodyPr wrap="square" rtlCol="0">
+            <a:spAutoFit/>
+          </a:bodyPr>
+          <a:lstStyle/>
+          <a:p>
+            <a:pPr marL="285750" indent="-285750">
+              <a:buFont typeface="Arial" panose="020B0604020202020204" pitchFamily="34" charset="0"/>
+              <a:buChar char="•"/>
+            </a:pPr>
+            <a:r>
+              <a:rPr lang="en-US" b="1" dirty="0"/>
+              <a:t>More concentration over projection </a:t>
+            </a:r>
+          </a:p>
+          <a:p>
+            <a:pPr marL="285750" indent="-285750">
+              <a:buFont typeface="Arial" panose="020B0604020202020204" pitchFamily="34" charset="0"/>
+              <a:buChar char="•"/>
+            </a:pPr>
+            <a:r>
+              <a:rPr lang="en-US" b="1" dirty="0"/>
+              <a:t>Prepare projection map before running queries </a:t>
+            </a:r>
+          </a:p>
+          <a:p>
+            <a:pPr marL="285750" indent="-285750">
+              <a:buFont typeface="Arial" panose="020B0604020202020204" pitchFamily="34" charset="0"/>
+              <a:buChar char="•"/>
+            </a:pPr>
+            <a:r>
+              <a:rPr lang="en-US" b="1" dirty="0"/>
+              <a:t>Projection  will describe your output </a:t>
+            </a:r>
+          </a:p>
+          <a:p>
+            <a:pPr marL="285750" indent="-285750">
+              <a:buFont typeface="Arial" panose="020B0604020202020204" pitchFamily="34" charset="0"/>
+              <a:buChar char="•"/>
+            </a:pPr>
+            <a:r>
+              <a:rPr lang="en-US" b="1" dirty="0"/>
+              <a:t>In Projection  section, we will solve the logics, calculation, conversion and others</a:t>
+            </a:r>
+          </a:p>
+          <a:p>
+            <a:pPr marL="285750" indent="-285750">
+              <a:buFont typeface="Arial" panose="020B0604020202020204" pitchFamily="34" charset="0"/>
+              <a:buChar char="•"/>
+            </a:pPr>
+            <a:r>
+              <a:rPr lang="en-US" b="1" dirty="0">
+                <a:solidFill>
+                  <a:srgbClr val="00B050"/>
+                </a:solidFill>
+              </a:rPr>
+              <a:t>Benefit: </a:t>
+            </a:r>
+            <a:r>
+              <a:rPr lang="en-US" b="1" dirty="0"/>
+              <a:t>More control over database quires </a:t>
+            </a:r>
+          </a:p>
+          <a:p>
+            <a:pPr marL="285750" indent="-285750">
+              <a:buFont typeface="Arial" panose="020B0604020202020204" pitchFamily="34" charset="0"/>
+              <a:buChar char="•"/>
+            </a:pPr>
+            <a:r>
+              <a:rPr lang="en-US" b="1" dirty="0">
+                <a:solidFill>
+                  <a:srgbClr val="00B050"/>
+                </a:solidFill>
+              </a:rPr>
+              <a:t>Benefit: </a:t>
+            </a:r>
+            <a:r>
+              <a:rPr lang="en-US" b="1" dirty="0"/>
+              <a:t>Centralize the application business logics </a:t>
+            </a:r>
+          </a:p>
+          <a:p>
+            <a:pPr marL="285750" indent="-285750">
+              <a:buFont typeface="Arial" panose="020B0604020202020204" pitchFamily="34" charset="0"/>
+              <a:buChar char="•"/>
+            </a:pPr>
+            <a:r>
+              <a:rPr lang="en-US" b="1" dirty="0">
+                <a:solidFill>
+                  <a:srgbClr val="00B050"/>
+                </a:solidFill>
+              </a:rPr>
+              <a:t>Benefit: </a:t>
+            </a:r>
+            <a:r>
+              <a:rPr lang="en-US" b="1" dirty="0"/>
+              <a:t>Reduce application server side complexities </a:t>
+            </a:r>
+          </a:p>
+          <a:p>
+            <a:pPr marL="285750" indent="-285750">
+              <a:buFont typeface="Arial" panose="020B0604020202020204" pitchFamily="34" charset="0"/>
+              <a:buChar char="•"/>
+            </a:pPr>
+            <a:r>
+              <a:rPr lang="en-US" b="1" dirty="0">
+                <a:solidFill>
+                  <a:srgbClr val="00B050"/>
+                </a:solidFill>
+              </a:rPr>
+              <a:t>Benefit: </a:t>
+            </a:r>
+            <a:r>
+              <a:rPr lang="en-US" b="1" dirty="0"/>
+              <a:t>Reduce front-end complexities </a:t>
+            </a:r>
+          </a:p>
+          <a:p>
+            <a:pPr marL="285750" indent="-285750">
+              <a:buFont typeface="Arial" panose="020B0604020202020204" pitchFamily="34" charset="0"/>
+              <a:buChar char="•"/>
+            </a:pPr>
+            <a:endParaRPr lang="en-US" b="1" dirty="0"/>
+          </a:p>
+        </p:txBody>
+      </p:sp>
+    </p:spTree>
+    <p:extLst>
+      <p:ext uri="{BB962C8B-B14F-4D97-AF65-F5344CB8AC3E}">
+        <p14:creationId xmlns:p14="http://schemas.microsoft.com/office/powerpoint/2010/main" val="1599438386"/>
+      </p:ext>
+    </p:extLst>
+  </p:cSld>
+  <p:clrMapOvr>
+    <a:masterClrMapping/>
+  </p:clrMapOvr>
+  <p:timing>
+    <p:tnLst>
+      <p:par>
+        <p:cTn id="1" dur="indefinite" restart="never" nodeType="tmRoot">
+          <p:childTnLst>
+            <p:seq concurrent="1" nextAc="seek">
+              <p:cTn id="2" dur="indefinite" nodeType="mainSeq">
+                <p:childTnLst>
+                  <p:par>
+                    <p:cTn id="3" fill="hold">
+                      <p:stCondLst>
+                        <p:cond delay="indefinite"/>
+                      </p:stCondLst>
+                      <p:childTnLst>
+                        <p:par>
+                          <p:cTn id="4" fill="hold">
+                            <p:stCondLst>
+                              <p:cond delay="0"/>
+                            </p:stCondLst>
+                            <p:childTnLst>
+                              <p:par>
+                                <p:cTn id="5" presetID="42" presetClass="entr" presetSubtype="0" fill="hold" nodeType="clickEffect">
+                                  <p:stCondLst>
+                                    <p:cond delay="0"/>
+                                  </p:stCondLst>
+                                  <p:childTnLst>
+                                    <p:set>
+                                      <p:cBhvr>
+                                        <p:cTn id="6" dur="1" fill="hold">
+                                          <p:stCondLst>
+                                            <p:cond delay="0"/>
+                                          </p:stCondLst>
+                                        </p:cTn>
+                                        <p:tgtEl>
+                                          <p:spTgt spid="19">
+                                            <p:txEl>
+                                              <p:pRg st="0" end="0"/>
+                                            </p:txEl>
+                                          </p:spTgt>
+                                        </p:tgtEl>
+                                        <p:attrNameLst>
+                                          <p:attrName>style.visibility</p:attrName>
+                                        </p:attrNameLst>
+                                      </p:cBhvr>
+                                      <p:to>
+                                        <p:strVal val="visible"/>
+                                      </p:to>
+                                    </p:set>
+                                    <p:animEffect transition="in" filter="fade">
+                                      <p:cBhvr>
+                                        <p:cTn id="7" dur="1000"/>
+                                        <p:tgtEl>
+                                          <p:spTgt spid="19">
+                                            <p:txEl>
+                                              <p:pRg st="0" end="0"/>
+                                            </p:txEl>
+                                          </p:spTgt>
+                                        </p:tgtEl>
+                                      </p:cBhvr>
+                                    </p:animEffect>
+                                    <p:anim calcmode="lin" valueType="num">
+                                      <p:cBhvr>
+                                        <p:cTn id="8" dur="1000" fill="hold"/>
+                                        <p:tgtEl>
+                                          <p:spTgt spid="19">
+                                            <p:txEl>
+                                              <p:pRg st="0" end="0"/>
+                                            </p:txEl>
+                                          </p:spTgt>
+                                        </p:tgtEl>
+                                        <p:attrNameLst>
+                                          <p:attrName>ppt_x</p:attrName>
+                                        </p:attrNameLst>
+                                      </p:cBhvr>
+                                      <p:tavLst>
+                                        <p:tav tm="0">
+                                          <p:val>
+                                            <p:strVal val="#ppt_x"/>
+                                          </p:val>
+                                        </p:tav>
+                                        <p:tav tm="100000">
+                                          <p:val>
+                                            <p:strVal val="#ppt_x"/>
+                                          </p:val>
+                                        </p:tav>
+                                      </p:tavLst>
+                                    </p:anim>
+                                    <p:anim calcmode="lin" valueType="num">
+                                      <p:cBhvr>
+                                        <p:cTn id="9" dur="1000" fill="hold"/>
+                                        <p:tgtEl>
+                                          <p:spTgt spid="19">
+                                            <p:txEl>
+                                              <p:pRg st="0" end="0"/>
+                                            </p:txEl>
+                                          </p:spTgt>
+                                        </p:tgtEl>
+                                        <p:attrNameLst>
+                                          <p:attrName>ppt_y</p:attrName>
+                                        </p:attrNameLst>
+                                      </p:cBhvr>
+                                      <p:tavLst>
+                                        <p:tav tm="0">
+                                          <p:val>
+                                            <p:strVal val="#ppt_y+.1"/>
+                                          </p:val>
+                                        </p:tav>
+                                        <p:tav tm="100000">
+                                          <p:val>
+                                            <p:strVal val="#ppt_y"/>
+                                          </p:val>
+                                        </p:tav>
+                                      </p:tavLst>
+                                    </p:anim>
+                                  </p:childTnLst>
+                                </p:cTn>
+                              </p:par>
+                            </p:childTnLst>
+                          </p:cTn>
+                        </p:par>
+                      </p:childTnLst>
+                    </p:cTn>
+                  </p:par>
+                  <p:par>
+                    <p:cTn id="10" fill="hold">
+                      <p:stCondLst>
+                        <p:cond delay="indefinite"/>
+                      </p:stCondLst>
+                      <p:childTnLst>
+                        <p:par>
+                          <p:cTn id="11" fill="hold">
+                            <p:stCondLst>
+                              <p:cond delay="0"/>
+                            </p:stCondLst>
+                            <p:childTnLst>
+                              <p:par>
+                                <p:cTn id="12" presetID="42" presetClass="entr" presetSubtype="0" fill="hold" nodeType="clickEffect">
+                                  <p:stCondLst>
+                                    <p:cond delay="0"/>
+                                  </p:stCondLst>
+                                  <p:childTnLst>
+                                    <p:set>
+                                      <p:cBhvr>
+                                        <p:cTn id="13" dur="1" fill="hold">
+                                          <p:stCondLst>
+                                            <p:cond delay="0"/>
+                                          </p:stCondLst>
+                                        </p:cTn>
+                                        <p:tgtEl>
+                                          <p:spTgt spid="19">
+                                            <p:txEl>
+                                              <p:pRg st="1" end="1"/>
+                                            </p:txEl>
+                                          </p:spTgt>
+                                        </p:tgtEl>
+                                        <p:attrNameLst>
+                                          <p:attrName>style.visibility</p:attrName>
+                                        </p:attrNameLst>
+                                      </p:cBhvr>
+                                      <p:to>
+                                        <p:strVal val="visible"/>
+                                      </p:to>
+                                    </p:set>
+                                    <p:animEffect transition="in" filter="fade">
+                                      <p:cBhvr>
+                                        <p:cTn id="14" dur="1000"/>
+                                        <p:tgtEl>
+                                          <p:spTgt spid="19">
+                                            <p:txEl>
+                                              <p:pRg st="1" end="1"/>
+                                            </p:txEl>
+                                          </p:spTgt>
+                                        </p:tgtEl>
+                                      </p:cBhvr>
+                                    </p:animEffect>
+                                    <p:anim calcmode="lin" valueType="num">
+                                      <p:cBhvr>
+                                        <p:cTn id="15" dur="1000" fill="hold"/>
+                                        <p:tgtEl>
+                                          <p:spTgt spid="19">
+                                            <p:txEl>
+                                              <p:pRg st="1" end="1"/>
+                                            </p:txEl>
+                                          </p:spTgt>
+                                        </p:tgtEl>
+                                        <p:attrNameLst>
+                                          <p:attrName>ppt_x</p:attrName>
+                                        </p:attrNameLst>
+                                      </p:cBhvr>
+                                      <p:tavLst>
+                                        <p:tav tm="0">
+                                          <p:val>
+                                            <p:strVal val="#ppt_x"/>
+                                          </p:val>
+                                        </p:tav>
+                                        <p:tav tm="100000">
+                                          <p:val>
+                                            <p:strVal val="#ppt_x"/>
+                                          </p:val>
+                                        </p:tav>
+                                      </p:tavLst>
+                                    </p:anim>
+                                    <p:anim calcmode="lin" valueType="num">
+                                      <p:cBhvr>
+                                        <p:cTn id="16" dur="1000" fill="hold"/>
+                                        <p:tgtEl>
+                                          <p:spTgt spid="19">
+                                            <p:txEl>
+                                              <p:pRg st="1" end="1"/>
+                                            </p:txEl>
+                                          </p:spTgt>
+                                        </p:tgtEl>
+                                        <p:attrNameLst>
+                                          <p:attrName>ppt_y</p:attrName>
+                                        </p:attrNameLst>
+                                      </p:cBhvr>
+                                      <p:tavLst>
+                                        <p:tav tm="0">
+                                          <p:val>
+                                            <p:strVal val="#ppt_y+.1"/>
+                                          </p:val>
+                                        </p:tav>
+                                        <p:tav tm="100000">
+                                          <p:val>
+                                            <p:strVal val="#ppt_y"/>
+                                          </p:val>
+                                        </p:tav>
+                                      </p:tavLst>
+                                    </p:anim>
+                                  </p:childTnLst>
+                                </p:cTn>
+                              </p:par>
+                            </p:childTnLst>
+                          </p:cTn>
+                        </p:par>
+                      </p:childTnLst>
+                    </p:cTn>
+                  </p:par>
+                  <p:par>
+                    <p:cTn id="17" fill="hold">
+                      <p:stCondLst>
+                        <p:cond delay="indefinite"/>
+                      </p:stCondLst>
+                      <p:childTnLst>
+                        <p:par>
+                          <p:cTn id="18" fill="hold">
+                            <p:stCondLst>
+                              <p:cond delay="0"/>
+                            </p:stCondLst>
+                            <p:childTnLst>
+                              <p:par>
+                                <p:cTn id="19" presetID="42" presetClass="entr" presetSubtype="0" fill="hold" nodeType="clickEffect">
+                                  <p:stCondLst>
+                                    <p:cond delay="0"/>
+                                  </p:stCondLst>
+                                  <p:childTnLst>
+                                    <p:set>
+                                      <p:cBhvr>
+                                        <p:cTn id="20" dur="1" fill="hold">
+                                          <p:stCondLst>
+                                            <p:cond delay="0"/>
+                                          </p:stCondLst>
+                                        </p:cTn>
+                                        <p:tgtEl>
+                                          <p:spTgt spid="19">
+                                            <p:txEl>
+                                              <p:pRg st="2" end="2"/>
+                                            </p:txEl>
+                                          </p:spTgt>
+                                        </p:tgtEl>
+                                        <p:attrNameLst>
+                                          <p:attrName>style.visibility</p:attrName>
+                                        </p:attrNameLst>
+                                      </p:cBhvr>
+                                      <p:to>
+                                        <p:strVal val="visible"/>
+                                      </p:to>
+                                    </p:set>
+                                    <p:animEffect transition="in" filter="fade">
+                                      <p:cBhvr>
+                                        <p:cTn id="21" dur="1000"/>
+                                        <p:tgtEl>
+                                          <p:spTgt spid="19">
+                                            <p:txEl>
+                                              <p:pRg st="2" end="2"/>
+                                            </p:txEl>
+                                          </p:spTgt>
+                                        </p:tgtEl>
+                                      </p:cBhvr>
+                                    </p:animEffect>
+                                    <p:anim calcmode="lin" valueType="num">
+                                      <p:cBhvr>
+                                        <p:cTn id="22" dur="1000" fill="hold"/>
+                                        <p:tgtEl>
+                                          <p:spTgt spid="19">
+                                            <p:txEl>
+                                              <p:pRg st="2" end="2"/>
+                                            </p:txEl>
+                                          </p:spTgt>
+                                        </p:tgtEl>
+                                        <p:attrNameLst>
+                                          <p:attrName>ppt_x</p:attrName>
+                                        </p:attrNameLst>
+                                      </p:cBhvr>
+                                      <p:tavLst>
+                                        <p:tav tm="0">
+                                          <p:val>
+                                            <p:strVal val="#ppt_x"/>
+                                          </p:val>
+                                        </p:tav>
+                                        <p:tav tm="100000">
+                                          <p:val>
+                                            <p:strVal val="#ppt_x"/>
+                                          </p:val>
+                                        </p:tav>
+                                      </p:tavLst>
+                                    </p:anim>
+                                    <p:anim calcmode="lin" valueType="num">
+                                      <p:cBhvr>
+                                        <p:cTn id="23" dur="1000" fill="hold"/>
+                                        <p:tgtEl>
+                                          <p:spTgt spid="19">
+                                            <p:txEl>
+                                              <p:pRg st="2" end="2"/>
+                                            </p:txEl>
+                                          </p:spTgt>
+                                        </p:tgtEl>
+                                        <p:attrNameLst>
+                                          <p:attrName>ppt_y</p:attrName>
+                                        </p:attrNameLst>
+                                      </p:cBhvr>
+                                      <p:tavLst>
+                                        <p:tav tm="0">
+                                          <p:val>
+                                            <p:strVal val="#ppt_y+.1"/>
+                                          </p:val>
+                                        </p:tav>
+                                        <p:tav tm="100000">
+                                          <p:val>
+                                            <p:strVal val="#ppt_y"/>
+                                          </p:val>
+                                        </p:tav>
+                                      </p:tavLst>
+                                    </p:anim>
+                                  </p:childTnLst>
+                                </p:cTn>
+                              </p:par>
+                            </p:childTnLst>
+                          </p:cTn>
+                        </p:par>
+                      </p:childTnLst>
+                    </p:cTn>
+                  </p:par>
+                  <p:par>
+                    <p:cTn id="24" fill="hold">
+                      <p:stCondLst>
+                        <p:cond delay="indefinite"/>
+                      </p:stCondLst>
+                      <p:childTnLst>
+                        <p:par>
+                          <p:cTn id="25" fill="hold">
+                            <p:stCondLst>
+                              <p:cond delay="0"/>
+                            </p:stCondLst>
+                            <p:childTnLst>
+                              <p:par>
+                                <p:cTn id="26" presetID="42" presetClass="entr" presetSubtype="0" fill="hold" nodeType="clickEffect">
+                                  <p:stCondLst>
+                                    <p:cond delay="0"/>
+                                  </p:stCondLst>
+                                  <p:childTnLst>
+                                    <p:set>
+                                      <p:cBhvr>
+                                        <p:cTn id="27" dur="1" fill="hold">
+                                          <p:stCondLst>
+                                            <p:cond delay="0"/>
+                                          </p:stCondLst>
+                                        </p:cTn>
+                                        <p:tgtEl>
+                                          <p:spTgt spid="19">
+                                            <p:txEl>
+                                              <p:pRg st="3" end="3"/>
+                                            </p:txEl>
+                                          </p:spTgt>
+                                        </p:tgtEl>
+                                        <p:attrNameLst>
+                                          <p:attrName>style.visibility</p:attrName>
+                                        </p:attrNameLst>
+                                      </p:cBhvr>
+                                      <p:to>
+                                        <p:strVal val="visible"/>
+                                      </p:to>
+                                    </p:set>
+                                    <p:animEffect transition="in" filter="fade">
+                                      <p:cBhvr>
+                                        <p:cTn id="28" dur="1000"/>
+                                        <p:tgtEl>
+                                          <p:spTgt spid="19">
+                                            <p:txEl>
+                                              <p:pRg st="3" end="3"/>
+                                            </p:txEl>
+                                          </p:spTgt>
+                                        </p:tgtEl>
+                                      </p:cBhvr>
+                                    </p:animEffect>
+                                    <p:anim calcmode="lin" valueType="num">
+                                      <p:cBhvr>
+                                        <p:cTn id="29" dur="1000" fill="hold"/>
+                                        <p:tgtEl>
+                                          <p:spTgt spid="19">
+                                            <p:txEl>
+                                              <p:pRg st="3" end="3"/>
+                                            </p:txEl>
+                                          </p:spTgt>
+                                        </p:tgtEl>
+                                        <p:attrNameLst>
+                                          <p:attrName>ppt_x</p:attrName>
+                                        </p:attrNameLst>
+                                      </p:cBhvr>
+                                      <p:tavLst>
+                                        <p:tav tm="0">
+                                          <p:val>
+                                            <p:strVal val="#ppt_x"/>
+                                          </p:val>
+                                        </p:tav>
+                                        <p:tav tm="100000">
+                                          <p:val>
+                                            <p:strVal val="#ppt_x"/>
+                                          </p:val>
+                                        </p:tav>
+                                      </p:tavLst>
+                                    </p:anim>
+                                    <p:anim calcmode="lin" valueType="num">
+                                      <p:cBhvr>
+                                        <p:cTn id="30" dur="1000" fill="hold"/>
+                                        <p:tgtEl>
+                                          <p:spTgt spid="19">
+                                            <p:txEl>
+                                              <p:pRg st="3" end="3"/>
+                                            </p:txEl>
+                                          </p:spTgt>
+                                        </p:tgtEl>
+                                        <p:attrNameLst>
+                                          <p:attrName>ppt_y</p:attrName>
+                                        </p:attrNameLst>
+                                      </p:cBhvr>
+                                      <p:tavLst>
+                                        <p:tav tm="0">
+                                          <p:val>
+                                            <p:strVal val="#ppt_y+.1"/>
+                                          </p:val>
+                                        </p:tav>
+                                        <p:tav tm="100000">
+                                          <p:val>
+                                            <p:strVal val="#ppt_y"/>
+                                          </p:val>
+                                        </p:tav>
+                                      </p:tavLst>
+                                    </p:anim>
+                                  </p:childTnLst>
+                                </p:cTn>
+                              </p:par>
+                            </p:childTnLst>
+                          </p:cTn>
+                        </p:par>
+                      </p:childTnLst>
+                    </p:cTn>
+                  </p:par>
+                  <p:par>
+                    <p:cTn id="31" fill="hold">
+                      <p:stCondLst>
+                        <p:cond delay="indefinite"/>
+                      </p:stCondLst>
+                      <p:childTnLst>
+                        <p:par>
+                          <p:cTn id="32" fill="hold">
+                            <p:stCondLst>
+                              <p:cond delay="0"/>
+                            </p:stCondLst>
+                            <p:childTnLst>
+                              <p:par>
+                                <p:cTn id="33" presetID="42" presetClass="entr" presetSubtype="0" fill="hold" nodeType="clickEffect">
+                                  <p:stCondLst>
+                                    <p:cond delay="0"/>
+                                  </p:stCondLst>
+                                  <p:childTnLst>
+                                    <p:set>
+                                      <p:cBhvr>
+                                        <p:cTn id="34" dur="1" fill="hold">
+                                          <p:stCondLst>
+                                            <p:cond delay="0"/>
+                                          </p:stCondLst>
+                                        </p:cTn>
+                                        <p:tgtEl>
+                                          <p:spTgt spid="19">
+                                            <p:txEl>
+                                              <p:pRg st="4" end="4"/>
+                                            </p:txEl>
+                                          </p:spTgt>
+                                        </p:tgtEl>
+                                        <p:attrNameLst>
+                                          <p:attrName>style.visibility</p:attrName>
+                                        </p:attrNameLst>
+                                      </p:cBhvr>
+                                      <p:to>
+                                        <p:strVal val="visible"/>
+                                      </p:to>
+                                    </p:set>
+                                    <p:animEffect transition="in" filter="fade">
+                                      <p:cBhvr>
+                                        <p:cTn id="35" dur="1000"/>
+                                        <p:tgtEl>
+                                          <p:spTgt spid="19">
+                                            <p:txEl>
+                                              <p:pRg st="4" end="4"/>
+                                            </p:txEl>
+                                          </p:spTgt>
+                                        </p:tgtEl>
+                                      </p:cBhvr>
+                                    </p:animEffect>
+                                    <p:anim calcmode="lin" valueType="num">
+                                      <p:cBhvr>
+                                        <p:cTn id="36" dur="1000" fill="hold"/>
+                                        <p:tgtEl>
+                                          <p:spTgt spid="19">
+                                            <p:txEl>
+                                              <p:pRg st="4" end="4"/>
+                                            </p:txEl>
+                                          </p:spTgt>
+                                        </p:tgtEl>
+                                        <p:attrNameLst>
+                                          <p:attrName>ppt_x</p:attrName>
+                                        </p:attrNameLst>
+                                      </p:cBhvr>
+                                      <p:tavLst>
+                                        <p:tav tm="0">
+                                          <p:val>
+                                            <p:strVal val="#ppt_x"/>
+                                          </p:val>
+                                        </p:tav>
+                                        <p:tav tm="100000">
+                                          <p:val>
+                                            <p:strVal val="#ppt_x"/>
+                                          </p:val>
+                                        </p:tav>
+                                      </p:tavLst>
+                                    </p:anim>
+                                    <p:anim calcmode="lin" valueType="num">
+                                      <p:cBhvr>
+                                        <p:cTn id="37" dur="1000" fill="hold"/>
+                                        <p:tgtEl>
+                                          <p:spTgt spid="19">
+                                            <p:txEl>
+                                              <p:pRg st="4" end="4"/>
+                                            </p:txEl>
+                                          </p:spTgt>
+                                        </p:tgtEl>
+                                        <p:attrNameLst>
+                                          <p:attrName>ppt_y</p:attrName>
+                                        </p:attrNameLst>
+                                      </p:cBhvr>
+                                      <p:tavLst>
+                                        <p:tav tm="0">
+                                          <p:val>
+                                            <p:strVal val="#ppt_y+.1"/>
+                                          </p:val>
+                                        </p:tav>
+                                        <p:tav tm="100000">
+                                          <p:val>
+                                            <p:strVal val="#ppt_y"/>
+                                          </p:val>
+                                        </p:tav>
+                                      </p:tavLst>
+                                    </p:anim>
+                                  </p:childTnLst>
+                                </p:cTn>
+                              </p:par>
+                            </p:childTnLst>
+                          </p:cTn>
+                        </p:par>
+                      </p:childTnLst>
+                    </p:cTn>
+                  </p:par>
+                  <p:par>
+                    <p:cTn id="38" fill="hold">
+                      <p:stCondLst>
+                        <p:cond delay="indefinite"/>
+                      </p:stCondLst>
+                      <p:childTnLst>
+                        <p:par>
+                          <p:cTn id="39" fill="hold">
+                            <p:stCondLst>
+                              <p:cond delay="0"/>
+                            </p:stCondLst>
+                            <p:childTnLst>
+                              <p:par>
+                                <p:cTn id="40" presetID="42" presetClass="entr" presetSubtype="0" fill="hold" nodeType="clickEffect">
+                                  <p:stCondLst>
+                                    <p:cond delay="0"/>
+                                  </p:stCondLst>
+                                  <p:childTnLst>
+                                    <p:set>
+                                      <p:cBhvr>
+                                        <p:cTn id="41" dur="1" fill="hold">
+                                          <p:stCondLst>
+                                            <p:cond delay="0"/>
+                                          </p:stCondLst>
+                                        </p:cTn>
+                                        <p:tgtEl>
+                                          <p:spTgt spid="19">
+                                            <p:txEl>
+                                              <p:pRg st="5" end="5"/>
+                                            </p:txEl>
+                                          </p:spTgt>
+                                        </p:tgtEl>
+                                        <p:attrNameLst>
+                                          <p:attrName>style.visibility</p:attrName>
+                                        </p:attrNameLst>
+                                      </p:cBhvr>
+                                      <p:to>
+                                        <p:strVal val="visible"/>
+                                      </p:to>
+                                    </p:set>
+                                    <p:animEffect transition="in" filter="fade">
+                                      <p:cBhvr>
+                                        <p:cTn id="42" dur="1000"/>
+                                        <p:tgtEl>
+                                          <p:spTgt spid="19">
+                                            <p:txEl>
+                                              <p:pRg st="5" end="5"/>
+                                            </p:txEl>
+                                          </p:spTgt>
+                                        </p:tgtEl>
+                                      </p:cBhvr>
+                                    </p:animEffect>
+                                    <p:anim calcmode="lin" valueType="num">
+                                      <p:cBhvr>
+                                        <p:cTn id="43" dur="1000" fill="hold"/>
+                                        <p:tgtEl>
+                                          <p:spTgt spid="19">
+                                            <p:txEl>
+                                              <p:pRg st="5" end="5"/>
+                                            </p:txEl>
+                                          </p:spTgt>
+                                        </p:tgtEl>
+                                        <p:attrNameLst>
+                                          <p:attrName>ppt_x</p:attrName>
+                                        </p:attrNameLst>
+                                      </p:cBhvr>
+                                      <p:tavLst>
+                                        <p:tav tm="0">
+                                          <p:val>
+                                            <p:strVal val="#ppt_x"/>
+                                          </p:val>
+                                        </p:tav>
+                                        <p:tav tm="100000">
+                                          <p:val>
+                                            <p:strVal val="#ppt_x"/>
+                                          </p:val>
+                                        </p:tav>
+                                      </p:tavLst>
+                                    </p:anim>
+                                    <p:anim calcmode="lin" valueType="num">
+                                      <p:cBhvr>
+                                        <p:cTn id="44" dur="1000" fill="hold"/>
+                                        <p:tgtEl>
+                                          <p:spTgt spid="19">
+                                            <p:txEl>
+                                              <p:pRg st="5" end="5"/>
+                                            </p:txEl>
+                                          </p:spTgt>
+                                        </p:tgtEl>
+                                        <p:attrNameLst>
+                                          <p:attrName>ppt_y</p:attrName>
+                                        </p:attrNameLst>
+                                      </p:cBhvr>
+                                      <p:tavLst>
+                                        <p:tav tm="0">
+                                          <p:val>
+                                            <p:strVal val="#ppt_y+.1"/>
+                                          </p:val>
+                                        </p:tav>
+                                        <p:tav tm="100000">
+                                          <p:val>
+                                            <p:strVal val="#ppt_y"/>
+                                          </p:val>
+                                        </p:tav>
+                                      </p:tavLst>
+                                    </p:anim>
+                                  </p:childTnLst>
+                                </p:cTn>
+                              </p:par>
+                            </p:childTnLst>
+                          </p:cTn>
+                        </p:par>
+                      </p:childTnLst>
+                    </p:cTn>
+                  </p:par>
+                  <p:par>
+                    <p:cTn id="45" fill="hold">
+                      <p:stCondLst>
+                        <p:cond delay="indefinite"/>
+                      </p:stCondLst>
+                      <p:childTnLst>
+                        <p:par>
+                          <p:cTn id="46" fill="hold">
+                            <p:stCondLst>
+                              <p:cond delay="0"/>
+                            </p:stCondLst>
+                            <p:childTnLst>
+                              <p:par>
+                                <p:cTn id="47" presetID="42" presetClass="entr" presetSubtype="0" fill="hold" nodeType="clickEffect">
+                                  <p:stCondLst>
+                                    <p:cond delay="0"/>
+                                  </p:stCondLst>
+                                  <p:childTnLst>
+                                    <p:set>
+                                      <p:cBhvr>
+                                        <p:cTn id="48" dur="1" fill="hold">
+                                          <p:stCondLst>
+                                            <p:cond delay="0"/>
+                                          </p:stCondLst>
+                                        </p:cTn>
+                                        <p:tgtEl>
+                                          <p:spTgt spid="19">
+                                            <p:txEl>
+                                              <p:pRg st="6" end="6"/>
+                                            </p:txEl>
+                                          </p:spTgt>
+                                        </p:tgtEl>
+                                        <p:attrNameLst>
+                                          <p:attrName>style.visibility</p:attrName>
+                                        </p:attrNameLst>
+                                      </p:cBhvr>
+                                      <p:to>
+                                        <p:strVal val="visible"/>
+                                      </p:to>
+                                    </p:set>
+                                    <p:animEffect transition="in" filter="fade">
+                                      <p:cBhvr>
+                                        <p:cTn id="49" dur="1000"/>
+                                        <p:tgtEl>
+                                          <p:spTgt spid="19">
+                                            <p:txEl>
+                                              <p:pRg st="6" end="6"/>
+                                            </p:txEl>
+                                          </p:spTgt>
+                                        </p:tgtEl>
+                                      </p:cBhvr>
+                                    </p:animEffect>
+                                    <p:anim calcmode="lin" valueType="num">
+                                      <p:cBhvr>
+                                        <p:cTn id="50" dur="1000" fill="hold"/>
+                                        <p:tgtEl>
+                                          <p:spTgt spid="19">
+                                            <p:txEl>
+                                              <p:pRg st="6" end="6"/>
+                                            </p:txEl>
+                                          </p:spTgt>
+                                        </p:tgtEl>
+                                        <p:attrNameLst>
+                                          <p:attrName>ppt_x</p:attrName>
+                                        </p:attrNameLst>
+                                      </p:cBhvr>
+                                      <p:tavLst>
+                                        <p:tav tm="0">
+                                          <p:val>
+                                            <p:strVal val="#ppt_x"/>
+                                          </p:val>
+                                        </p:tav>
+                                        <p:tav tm="100000">
+                                          <p:val>
+                                            <p:strVal val="#ppt_x"/>
+                                          </p:val>
+                                        </p:tav>
+                                      </p:tavLst>
+                                    </p:anim>
+                                    <p:anim calcmode="lin" valueType="num">
+                                      <p:cBhvr>
+                                        <p:cTn id="51" dur="1000" fill="hold"/>
+                                        <p:tgtEl>
+                                          <p:spTgt spid="19">
+                                            <p:txEl>
+                                              <p:pRg st="6" end="6"/>
+                                            </p:txEl>
+                                          </p:spTgt>
+                                        </p:tgtEl>
+                                        <p:attrNameLst>
+                                          <p:attrName>ppt_y</p:attrName>
+                                        </p:attrNameLst>
+                                      </p:cBhvr>
+                                      <p:tavLst>
+                                        <p:tav tm="0">
+                                          <p:val>
+                                            <p:strVal val="#ppt_y+.1"/>
+                                          </p:val>
+                                        </p:tav>
+                                        <p:tav tm="100000">
+                                          <p:val>
+                                            <p:strVal val="#ppt_y"/>
+                                          </p:val>
+                                        </p:tav>
+                                      </p:tavLst>
+                                    </p:anim>
+                                  </p:childTnLst>
+                                </p:cTn>
+                              </p:par>
+                            </p:childTnLst>
+                          </p:cTn>
+                        </p:par>
+                      </p:childTnLst>
+                    </p:cTn>
+                  </p:par>
+                  <p:par>
+                    <p:cTn id="52" fill="hold">
+                      <p:stCondLst>
+                        <p:cond delay="indefinite"/>
+                      </p:stCondLst>
+                      <p:childTnLst>
+                        <p:par>
+                          <p:cTn id="53" fill="hold">
+                            <p:stCondLst>
+                              <p:cond delay="0"/>
+                            </p:stCondLst>
+                            <p:childTnLst>
+                              <p:par>
+                                <p:cTn id="54" presetID="42" presetClass="entr" presetSubtype="0" fill="hold" nodeType="clickEffect">
+                                  <p:stCondLst>
+                                    <p:cond delay="0"/>
+                                  </p:stCondLst>
+                                  <p:childTnLst>
+                                    <p:set>
+                                      <p:cBhvr>
+                                        <p:cTn id="55" dur="1" fill="hold">
+                                          <p:stCondLst>
+                                            <p:cond delay="0"/>
+                                          </p:stCondLst>
+                                        </p:cTn>
+                                        <p:tgtEl>
+                                          <p:spTgt spid="19">
+                                            <p:txEl>
+                                              <p:pRg st="7" end="7"/>
+                                            </p:txEl>
+                                          </p:spTgt>
+                                        </p:tgtEl>
+                                        <p:attrNameLst>
+                                          <p:attrName>style.visibility</p:attrName>
+                                        </p:attrNameLst>
+                                      </p:cBhvr>
+                                      <p:to>
+                                        <p:strVal val="visible"/>
+                                      </p:to>
+                                    </p:set>
+                                    <p:animEffect transition="in" filter="fade">
+                                      <p:cBhvr>
+                                        <p:cTn id="56" dur="1000"/>
+                                        <p:tgtEl>
+                                          <p:spTgt spid="19">
+                                            <p:txEl>
+                                              <p:pRg st="7" end="7"/>
+                                            </p:txEl>
+                                          </p:spTgt>
+                                        </p:tgtEl>
+                                      </p:cBhvr>
+                                    </p:animEffect>
+                                    <p:anim calcmode="lin" valueType="num">
+                                      <p:cBhvr>
+                                        <p:cTn id="57" dur="1000" fill="hold"/>
+                                        <p:tgtEl>
+                                          <p:spTgt spid="19">
+                                            <p:txEl>
+                                              <p:pRg st="7" end="7"/>
+                                            </p:txEl>
+                                          </p:spTgt>
+                                        </p:tgtEl>
+                                        <p:attrNameLst>
+                                          <p:attrName>ppt_x</p:attrName>
+                                        </p:attrNameLst>
+                                      </p:cBhvr>
+                                      <p:tavLst>
+                                        <p:tav tm="0">
+                                          <p:val>
+                                            <p:strVal val="#ppt_x"/>
+                                          </p:val>
+                                        </p:tav>
+                                        <p:tav tm="100000">
+                                          <p:val>
+                                            <p:strVal val="#ppt_x"/>
+                                          </p:val>
+                                        </p:tav>
+                                      </p:tavLst>
+                                    </p:anim>
+                                    <p:anim calcmode="lin" valueType="num">
+                                      <p:cBhvr>
+                                        <p:cTn id="58" dur="1000" fill="hold"/>
+                                        <p:tgtEl>
+                                          <p:spTgt spid="19">
+                                            <p:txEl>
+                                              <p:pRg st="7" end="7"/>
+                                            </p:txEl>
+                                          </p:spTgt>
+                                        </p:tgtEl>
+                                        <p:attrNameLst>
+                                          <p:attrName>ppt_y</p:attrName>
+                                        </p:attrNameLst>
+                                      </p:cBhvr>
+                                      <p:tavLst>
+                                        <p:tav tm="0">
+                                          <p:val>
+                                            <p:strVal val="#ppt_y+.1"/>
+                                          </p:val>
+                                        </p:tav>
+                                        <p:tav tm="100000">
+                                          <p:val>
+                                            <p:strVal val="#ppt_y"/>
+                                          </p:val>
+                                        </p:tav>
+                                      </p:tavLst>
+                                    </p:anim>
+                                  </p:childTnLst>
+                                </p:cTn>
+                              </p:par>
+                            </p:childTnLst>
+                          </p:cTn>
+                        </p:par>
+                      </p:childTnLst>
+                    </p:cTn>
+                  </p:par>
+                </p:childTnLst>
+              </p:cTn>
+              <p:prevCondLst>
+                <p:cond evt="onPrev" delay="0">
+                  <p:tgtEl>
+                    <p:sldTgt/>
+                  </p:tgtEl>
+                </p:cond>
+              </p:prevCondLst>
+              <p:nextCondLst>
+                <p:cond evt="onNext" delay="0">
+                  <p:tgtEl>
+                    <p:sldTgt/>
+                  </p:tgtEl>
+                </p:cond>
+              </p:nextCondLst>
+            </p:seq>
+          </p:childTnLst>
+        </p:cTn>
+      </p:par>
+    </p:tnLst>
+  </p:timing>
+</p:sld>
+</file>
+
+<file path=ppt/slides/slide37.xml><?xml version="1.0" encoding="utf-8"?>
+<p:sld xmlns:a="http://schemas.openxmlformats.org/drawingml/2006/main" xmlns:r="http://schemas.openxmlformats.org/officeDocument/2006/relationships" xmlns:p="http://schemas.openxmlformats.org/presentationml/2006/main">
+  <p:cSld>
+    <p:spTree>
+      <p:nvGrpSpPr>
+        <p:cNvPr id="1" name=""/>
+        <p:cNvGrpSpPr/>
+        <p:nvPr/>
+      </p:nvGrpSpPr>
+      <p:grpSpPr>
+        <a:xfrm>
+          <a:off x="0" y="0"/>
+          <a:ext cx="0" cy="0"/>
+          <a:chOff x="0" y="0"/>
+          <a:chExt cx="0" cy="0"/>
+        </a:xfrm>
+      </p:grpSpPr>
+      <p:sp>
+        <p:nvSpPr>
+          <p:cNvPr id="6" name="TextBox 5">
+            <a:extLst>
+              <a:ext uri="{FF2B5EF4-FFF2-40B4-BE49-F238E27FC236}">
+                <a16:creationId xmlns:a16="http://schemas.microsoft.com/office/drawing/2014/main" id="{9B7E9EF7-9A48-9236-48BE-C506A7ED34B6}"/>
+              </a:ext>
+            </a:extLst>
+          </p:cNvPr>
+          <p:cNvSpPr txBox="1"/>
+          <p:nvPr/>
+        </p:nvSpPr>
+        <p:spPr>
+          <a:xfrm>
+            <a:off x="7346242" y="4034232"/>
+            <a:ext cx="2351314" cy="646331"/>
+          </a:xfrm>
+          <a:prstGeom prst="rect">
+            <a:avLst/>
+          </a:prstGeom>
+          <a:noFill/>
+        </p:spPr>
+        <p:txBody>
+          <a:bodyPr wrap="square" rtlCol="0">
+            <a:spAutoFit/>
+          </a:bodyPr>
+          <a:lstStyle/>
+          <a:p>
+            <a:r>
+              <a:rPr lang="en-US" sz="3600" b="1" dirty="0">
+                <a:solidFill>
+                  <a:schemeClr val="bg1"/>
+                </a:solidFill>
+              </a:rPr>
+              <a:t>Master</a:t>
+            </a:r>
+          </a:p>
+        </p:txBody>
+      </p:sp>
+      <p:sp>
+        <p:nvSpPr>
+          <p:cNvPr id="9" name="TextBox 8">
+            <a:extLst>
+              <a:ext uri="{FF2B5EF4-FFF2-40B4-BE49-F238E27FC236}">
+                <a16:creationId xmlns:a16="http://schemas.microsoft.com/office/drawing/2014/main" id="{1A178001-BB54-176A-8C9F-DBD5C8E4923C}"/>
+              </a:ext>
+            </a:extLst>
+          </p:cNvPr>
+          <p:cNvSpPr txBox="1"/>
+          <p:nvPr/>
+        </p:nvSpPr>
+        <p:spPr>
+          <a:xfrm>
+            <a:off x="293196" y="172349"/>
+            <a:ext cx="8771673" cy="523220"/>
+          </a:xfrm>
+          <a:prstGeom prst="rect">
+            <a:avLst/>
+          </a:prstGeom>
+          <a:noFill/>
+        </p:spPr>
+        <p:txBody>
+          <a:bodyPr wrap="square" rtlCol="0">
+            <a:spAutoFit/>
+          </a:bodyPr>
+          <a:lstStyle/>
+          <a:p>
+            <a:r>
+              <a:rPr lang="en-US" sz="2800" b="1" dirty="0">
+                <a:solidFill>
+                  <a:srgbClr val="00B050"/>
+                </a:solidFill>
+                <a:latin typeface="Consolas" panose="020B0609020204030204" pitchFamily="49" charset="0"/>
+              </a:rPr>
+              <a:t>Practices to write mongo queries </a:t>
+            </a:r>
+            <a:endParaRPr lang="en-US" sz="2800" b="1" dirty="0">
+              <a:solidFill>
+                <a:srgbClr val="00B050"/>
+              </a:solidFill>
+            </a:endParaRPr>
+          </a:p>
+        </p:txBody>
+      </p:sp>
+      <p:pic>
+        <p:nvPicPr>
+          <p:cNvPr id="5" name="Picture 4">
+            <a:extLst>
+              <a:ext uri="{FF2B5EF4-FFF2-40B4-BE49-F238E27FC236}">
+                <a16:creationId xmlns:a16="http://schemas.microsoft.com/office/drawing/2014/main" id="{95984BC5-0AFC-C34E-1D3F-CBE32214C0CE}"/>
+              </a:ext>
+            </a:extLst>
+          </p:cNvPr>
+          <p:cNvPicPr>
+            <a:picLocks noChangeAspect="1"/>
+          </p:cNvPicPr>
+          <p:nvPr/>
+        </p:nvPicPr>
+        <p:blipFill>
+          <a:blip r:embed="rId2"/>
+          <a:stretch>
+            <a:fillRect/>
+          </a:stretch>
+        </p:blipFill>
+        <p:spPr>
+          <a:xfrm>
+            <a:off x="143727" y="1036125"/>
+            <a:ext cx="2643435" cy="2077355"/>
+          </a:xfrm>
+          <a:prstGeom prst="rect">
+            <a:avLst/>
+          </a:prstGeom>
+        </p:spPr>
+      </p:pic>
+      <p:pic>
+        <p:nvPicPr>
+          <p:cNvPr id="3" name="Picture 2">
+            <a:extLst>
+              <a:ext uri="{FF2B5EF4-FFF2-40B4-BE49-F238E27FC236}">
+                <a16:creationId xmlns:a16="http://schemas.microsoft.com/office/drawing/2014/main" id="{C774F781-348F-3FC0-1FE1-40CE2EF2F608}"/>
+              </a:ext>
+            </a:extLst>
+          </p:cNvPr>
+          <p:cNvPicPr>
+            <a:picLocks noChangeAspect="1"/>
+          </p:cNvPicPr>
+          <p:nvPr/>
+        </p:nvPicPr>
+        <p:blipFill>
+          <a:blip r:embed="rId3"/>
+          <a:stretch>
+            <a:fillRect/>
+          </a:stretch>
+        </p:blipFill>
+        <p:spPr>
+          <a:xfrm>
+            <a:off x="2936631" y="1036125"/>
+            <a:ext cx="4727187" cy="4956139"/>
+          </a:xfrm>
+          <a:prstGeom prst="rect">
+            <a:avLst/>
+          </a:prstGeom>
+        </p:spPr>
+      </p:pic>
+      <p:pic>
+        <p:nvPicPr>
+          <p:cNvPr id="7" name="Picture 6">
+            <a:extLst>
+              <a:ext uri="{FF2B5EF4-FFF2-40B4-BE49-F238E27FC236}">
+                <a16:creationId xmlns:a16="http://schemas.microsoft.com/office/drawing/2014/main" id="{A00F5498-EEF7-FD41-DDD8-0A8E2AD96206}"/>
+              </a:ext>
+            </a:extLst>
+          </p:cNvPr>
+          <p:cNvPicPr>
+            <a:picLocks noChangeAspect="1"/>
+          </p:cNvPicPr>
+          <p:nvPr/>
+        </p:nvPicPr>
+        <p:blipFill>
+          <a:blip r:embed="rId4"/>
+          <a:stretch>
+            <a:fillRect/>
+          </a:stretch>
+        </p:blipFill>
+        <p:spPr>
+          <a:xfrm>
+            <a:off x="7734157" y="1036125"/>
+            <a:ext cx="4235021" cy="2172910"/>
+          </a:xfrm>
+          <a:prstGeom prst="rect">
+            <a:avLst/>
+          </a:prstGeom>
+        </p:spPr>
+      </p:pic>
+    </p:spTree>
+    <p:extLst>
+      <p:ext uri="{BB962C8B-B14F-4D97-AF65-F5344CB8AC3E}">
+        <p14:creationId xmlns:p14="http://schemas.microsoft.com/office/powerpoint/2010/main" val="3692075570"/>
+      </p:ext>
+    </p:extLst>
+  </p:cSld>
+  <p:clrMapOvr>
+    <a:masterClrMapping/>
+  </p:clrMapOvr>
+</p:sld>
+</file>
+
+<file path=ppt/slides/slide38.xml><?xml version="1.0" encoding="utf-8"?>
+<p:sld xmlns:a="http://schemas.openxmlformats.org/drawingml/2006/main" xmlns:r="http://schemas.openxmlformats.org/officeDocument/2006/relationships" xmlns:p="http://schemas.openxmlformats.org/presentationml/2006/main">
+  <p:cSld>
+    <p:spTree>
+      <p:nvGrpSpPr>
+        <p:cNvPr id="1" name=""/>
+        <p:cNvGrpSpPr/>
+        <p:nvPr/>
+      </p:nvGrpSpPr>
+      <p:grpSpPr>
+        <a:xfrm>
+          <a:off x="0" y="0"/>
+          <a:ext cx="0" cy="0"/>
+          <a:chOff x="0" y="0"/>
+          <a:chExt cx="0" cy="0"/>
+        </a:xfrm>
+      </p:grpSpPr>
+      <p:sp>
+        <p:nvSpPr>
+          <p:cNvPr id="6" name="TextBox 5">
+            <a:extLst>
+              <a:ext uri="{FF2B5EF4-FFF2-40B4-BE49-F238E27FC236}">
+                <a16:creationId xmlns:a16="http://schemas.microsoft.com/office/drawing/2014/main" id="{9B7E9EF7-9A48-9236-48BE-C506A7ED34B6}"/>
+              </a:ext>
+            </a:extLst>
+          </p:cNvPr>
+          <p:cNvSpPr txBox="1"/>
+          <p:nvPr/>
+        </p:nvSpPr>
+        <p:spPr>
+          <a:xfrm>
+            <a:off x="7346242" y="4034232"/>
+            <a:ext cx="2351314" cy="646331"/>
+          </a:xfrm>
+          <a:prstGeom prst="rect">
+            <a:avLst/>
+          </a:prstGeom>
+          <a:noFill/>
+        </p:spPr>
+        <p:txBody>
+          <a:bodyPr wrap="square" rtlCol="0">
+            <a:spAutoFit/>
+          </a:bodyPr>
+          <a:lstStyle/>
+          <a:p>
+            <a:r>
+              <a:rPr lang="en-US" sz="3600" b="1" dirty="0">
+                <a:solidFill>
+                  <a:schemeClr val="bg1"/>
+                </a:solidFill>
+              </a:rPr>
+              <a:t>Master</a:t>
+            </a:r>
+          </a:p>
+        </p:txBody>
+      </p:sp>
+      <p:sp>
+        <p:nvSpPr>
+          <p:cNvPr id="9" name="TextBox 8">
+            <a:extLst>
+              <a:ext uri="{FF2B5EF4-FFF2-40B4-BE49-F238E27FC236}">
+                <a16:creationId xmlns:a16="http://schemas.microsoft.com/office/drawing/2014/main" id="{1A178001-BB54-176A-8C9F-DBD5C8E4923C}"/>
+              </a:ext>
+            </a:extLst>
+          </p:cNvPr>
+          <p:cNvSpPr txBox="1"/>
+          <p:nvPr/>
+        </p:nvSpPr>
+        <p:spPr>
+          <a:xfrm>
+            <a:off x="293196" y="172349"/>
+            <a:ext cx="8771673" cy="523220"/>
+          </a:xfrm>
+          <a:prstGeom prst="rect">
+            <a:avLst/>
+          </a:prstGeom>
+          <a:noFill/>
+        </p:spPr>
+        <p:txBody>
+          <a:bodyPr wrap="square" rtlCol="0">
+            <a:spAutoFit/>
+          </a:bodyPr>
+          <a:lstStyle/>
+          <a:p>
+            <a:r>
+              <a:rPr lang="en-US" sz="2800" b="1" dirty="0">
+                <a:solidFill>
+                  <a:srgbClr val="00B050"/>
+                </a:solidFill>
+                <a:latin typeface="Consolas" panose="020B0609020204030204" pitchFamily="49" charset="0"/>
+              </a:rPr>
+              <a:t>Conditional Aggregation Operators</a:t>
+            </a:r>
+            <a:endParaRPr lang="en-US" sz="2800" b="1" dirty="0">
+              <a:solidFill>
+                <a:srgbClr val="00B050"/>
+              </a:solidFill>
+            </a:endParaRPr>
+          </a:p>
+        </p:txBody>
+      </p:sp>
+      <p:sp>
+        <p:nvSpPr>
+          <p:cNvPr id="8" name="TextBox 7">
+            <a:extLst>
+              <a:ext uri="{FF2B5EF4-FFF2-40B4-BE49-F238E27FC236}">
+                <a16:creationId xmlns:a16="http://schemas.microsoft.com/office/drawing/2014/main" id="{BB71473C-9143-CAAC-E1A7-525A1E4E81D2}"/>
+              </a:ext>
+            </a:extLst>
+          </p:cNvPr>
+          <p:cNvSpPr txBox="1"/>
+          <p:nvPr/>
+        </p:nvSpPr>
+        <p:spPr>
+          <a:xfrm>
+            <a:off x="139211" y="1010513"/>
+            <a:ext cx="11913578" cy="1077218"/>
+          </a:xfrm>
+          <a:prstGeom prst="rect">
+            <a:avLst/>
+          </a:prstGeom>
+          <a:noFill/>
+        </p:spPr>
+        <p:txBody>
+          <a:bodyPr wrap="square" rtlCol="0">
+            <a:spAutoFit/>
+          </a:bodyPr>
+          <a:lstStyle/>
+          <a:p>
+            <a:r>
+              <a:rPr lang="en-US" sz="2800" b="1" dirty="0">
+                <a:solidFill>
+                  <a:srgbClr val="00B050"/>
+                </a:solidFill>
+              </a:rPr>
+              <a:t>$</a:t>
+            </a:r>
+            <a:r>
+              <a:rPr lang="en-US" sz="2800" b="1" dirty="0" err="1">
+                <a:solidFill>
+                  <a:srgbClr val="00B050"/>
+                </a:solidFill>
+              </a:rPr>
+              <a:t>cond</a:t>
+            </a:r>
+            <a:r>
+              <a:rPr lang="en-US" sz="2800" b="1" dirty="0">
+                <a:solidFill>
+                  <a:srgbClr val="00B050"/>
+                </a:solidFill>
+              </a:rPr>
+              <a:t> </a:t>
+            </a:r>
+            <a:r>
+              <a:rPr lang="en-US" sz="2800" b="1" dirty="0">
+                <a:solidFill>
+                  <a:srgbClr val="00B050"/>
+                </a:solidFill>
+                <a:latin typeface="Consolas" panose="020B0609020204030204" pitchFamily="49" charset="0"/>
+              </a:rPr>
+              <a:t>Operator</a:t>
+            </a:r>
+          </a:p>
+          <a:p>
+            <a:pPr marL="285750" indent="-285750">
+              <a:buFont typeface="Arial" panose="020B0604020202020204" pitchFamily="34" charset="0"/>
+              <a:buChar char="•"/>
+            </a:pPr>
+            <a:r>
+              <a:rPr lang="en-US" b="1" dirty="0"/>
+              <a:t>A ternary operator that evaluates one expression, and depending on the result, returns the value of one of the other two</a:t>
+            </a:r>
+          </a:p>
+          <a:p>
+            <a:pPr marL="285750" indent="-285750">
+              <a:buFont typeface="Arial" panose="020B0604020202020204" pitchFamily="34" charset="0"/>
+              <a:buChar char="•"/>
+            </a:pPr>
+            <a:r>
+              <a:rPr lang="en-US" b="1" dirty="0"/>
+              <a:t>Accepts either three expressions in an ordered list or three named parameters.</a:t>
+            </a:r>
+          </a:p>
+        </p:txBody>
+      </p:sp>
+      <p:pic>
+        <p:nvPicPr>
+          <p:cNvPr id="13" name="Picture 12">
+            <a:extLst>
+              <a:ext uri="{FF2B5EF4-FFF2-40B4-BE49-F238E27FC236}">
+                <a16:creationId xmlns:a16="http://schemas.microsoft.com/office/drawing/2014/main" id="{7261F24B-EFBB-8288-365C-3BCCCE3A604B}"/>
+              </a:ext>
+            </a:extLst>
+          </p:cNvPr>
+          <p:cNvPicPr>
+            <a:picLocks noChangeAspect="1"/>
+          </p:cNvPicPr>
+          <p:nvPr/>
+        </p:nvPicPr>
+        <p:blipFill>
+          <a:blip r:embed="rId2"/>
+          <a:stretch>
+            <a:fillRect/>
+          </a:stretch>
+        </p:blipFill>
+        <p:spPr>
+          <a:xfrm>
+            <a:off x="139211" y="2217441"/>
+            <a:ext cx="11287125" cy="1285875"/>
+          </a:xfrm>
+          <a:prstGeom prst="rect">
+            <a:avLst/>
+          </a:prstGeom>
+        </p:spPr>
+      </p:pic>
+    </p:spTree>
+    <p:extLst>
+      <p:ext uri="{BB962C8B-B14F-4D97-AF65-F5344CB8AC3E}">
+        <p14:creationId xmlns:p14="http://schemas.microsoft.com/office/powerpoint/2010/main" val="3297673841"/>
+      </p:ext>
+    </p:extLst>
+  </p:cSld>
+  <p:clrMapOvr>
+    <a:masterClrMapping/>
+  </p:clrMapOvr>
+  <p:timing>
+    <p:tnLst>
+      <p:par>
+        <p:cTn id="1" dur="indefinite" restart="never" nodeType="tmRoot">
+          <p:childTnLst>
+            <p:seq concurrent="1" nextAc="seek">
+              <p:cTn id="2" dur="indefinite" nodeType="mainSeq">
+                <p:childTnLst>
+                  <p:par>
+                    <p:cTn id="3" fill="hold">
+                      <p:stCondLst>
+                        <p:cond delay="indefinite"/>
+                      </p:stCondLst>
+                      <p:childTnLst>
+                        <p:par>
+                          <p:cTn id="4" fill="hold">
+                            <p:stCondLst>
+                              <p:cond delay="0"/>
+                            </p:stCondLst>
+                            <p:childTnLst>
+                              <p:par>
+                                <p:cTn id="5" presetID="42" presetClass="entr" presetSubtype="0" fill="hold" grpId="0" nodeType="clickEffect">
+                                  <p:stCondLst>
+                                    <p:cond delay="0"/>
+                                  </p:stCondLst>
+                                  <p:childTnLst>
+                                    <p:set>
+                                      <p:cBhvr>
+                                        <p:cTn id="6" dur="1" fill="hold">
+                                          <p:stCondLst>
+                                            <p:cond delay="0"/>
+                                          </p:stCondLst>
+                                        </p:cTn>
+                                        <p:tgtEl>
+                                          <p:spTgt spid="8"/>
+                                        </p:tgtEl>
+                                        <p:attrNameLst>
+                                          <p:attrName>style.visibility</p:attrName>
+                                        </p:attrNameLst>
+                                      </p:cBhvr>
+                                      <p:to>
+                                        <p:strVal val="visible"/>
+                                      </p:to>
+                                    </p:set>
+                                    <p:animEffect transition="in" filter="fade">
+                                      <p:cBhvr>
+                                        <p:cTn id="7" dur="1000"/>
+                                        <p:tgtEl>
+                                          <p:spTgt spid="8"/>
+                                        </p:tgtEl>
+                                      </p:cBhvr>
+                                    </p:animEffect>
+                                    <p:anim calcmode="lin" valueType="num">
+                                      <p:cBhvr>
+                                        <p:cTn id="8" dur="1000" fill="hold"/>
+                                        <p:tgtEl>
+                                          <p:spTgt spid="8"/>
+                                        </p:tgtEl>
+                                        <p:attrNameLst>
+                                          <p:attrName>ppt_x</p:attrName>
+                                        </p:attrNameLst>
+                                      </p:cBhvr>
+                                      <p:tavLst>
+                                        <p:tav tm="0">
+                                          <p:val>
+                                            <p:strVal val="#ppt_x"/>
+                                          </p:val>
+                                        </p:tav>
+                                        <p:tav tm="100000">
+                                          <p:val>
+                                            <p:strVal val="#ppt_x"/>
+                                          </p:val>
+                                        </p:tav>
+                                      </p:tavLst>
+                                    </p:anim>
+                                    <p:anim calcmode="lin" valueType="num">
+                                      <p:cBhvr>
+                                        <p:cTn id="9" dur="1000" fill="hold"/>
+                                        <p:tgtEl>
+                                          <p:spTgt spid="8"/>
+                                        </p:tgtEl>
+                                        <p:attrNameLst>
+                                          <p:attrName>ppt_y</p:attrName>
+                                        </p:attrNameLst>
+                                      </p:cBhvr>
+                                      <p:tavLst>
+                                        <p:tav tm="0">
+                                          <p:val>
+                                            <p:strVal val="#ppt_y+.1"/>
+                                          </p:val>
+                                        </p:tav>
+                                        <p:tav tm="100000">
+                                          <p:val>
+                                            <p:strVal val="#ppt_y"/>
+                                          </p:val>
+                                        </p:tav>
+                                      </p:tavLst>
+                                    </p:anim>
+                                  </p:childTnLst>
+                                </p:cTn>
+                              </p:par>
+                            </p:childTnLst>
+                          </p:cTn>
+                        </p:par>
+                      </p:childTnLst>
+                    </p:cTn>
+                  </p:par>
+                </p:childTnLst>
+              </p:cTn>
+              <p:prevCondLst>
+                <p:cond evt="onPrev" delay="0">
+                  <p:tgtEl>
+                    <p:sldTgt/>
+                  </p:tgtEl>
+                </p:cond>
+              </p:prevCondLst>
+              <p:nextCondLst>
+                <p:cond evt="onNext" delay="0">
+                  <p:tgtEl>
+                    <p:sldTgt/>
+                  </p:tgtEl>
+                </p:cond>
+              </p:nextCondLst>
+            </p:seq>
+          </p:childTnLst>
+        </p:cTn>
+      </p:par>
+    </p:tnLst>
+    <p:bldLst>
+      <p:bldP spid="8" grpId="0"/>
+    </p:bldLst>
+  </p:timing>
+</p:sld>
+</file>
+
+<file path=ppt/slides/slide39.xml><?xml version="1.0" encoding="utf-8"?>
+<p:sld xmlns:a="http://schemas.openxmlformats.org/drawingml/2006/main" xmlns:r="http://schemas.openxmlformats.org/officeDocument/2006/relationships" xmlns:p="http://schemas.openxmlformats.org/presentationml/2006/main">
+  <p:cSld>
+    <p:spTree>
+      <p:nvGrpSpPr>
+        <p:cNvPr id="1" name=""/>
+        <p:cNvGrpSpPr/>
+        <p:nvPr/>
+      </p:nvGrpSpPr>
+      <p:grpSpPr>
+        <a:xfrm>
+          <a:off x="0" y="0"/>
+          <a:ext cx="0" cy="0"/>
+          <a:chOff x="0" y="0"/>
+          <a:chExt cx="0" cy="0"/>
+        </a:xfrm>
+      </p:grpSpPr>
+      <p:sp>
+        <p:nvSpPr>
+          <p:cNvPr id="6" name="TextBox 5">
+            <a:extLst>
+              <a:ext uri="{FF2B5EF4-FFF2-40B4-BE49-F238E27FC236}">
+                <a16:creationId xmlns:a16="http://schemas.microsoft.com/office/drawing/2014/main" id="{9B7E9EF7-9A48-9236-48BE-C506A7ED34B6}"/>
+              </a:ext>
+            </a:extLst>
+          </p:cNvPr>
+          <p:cNvSpPr txBox="1"/>
+          <p:nvPr/>
+        </p:nvSpPr>
+        <p:spPr>
+          <a:xfrm>
+            <a:off x="7346242" y="4034232"/>
+            <a:ext cx="2351314" cy="646331"/>
+          </a:xfrm>
+          <a:prstGeom prst="rect">
+            <a:avLst/>
+          </a:prstGeom>
+          <a:noFill/>
+        </p:spPr>
+        <p:txBody>
+          <a:bodyPr wrap="square" rtlCol="0">
+            <a:spAutoFit/>
+          </a:bodyPr>
+          <a:lstStyle/>
+          <a:p>
+            <a:r>
+              <a:rPr lang="en-US" sz="3600" b="1" dirty="0">
+                <a:solidFill>
+                  <a:schemeClr val="bg1"/>
+                </a:solidFill>
+              </a:rPr>
+              <a:t>Master</a:t>
+            </a:r>
+          </a:p>
+        </p:txBody>
+      </p:sp>
+      <p:sp>
+        <p:nvSpPr>
+          <p:cNvPr id="9" name="TextBox 8">
+            <a:extLst>
+              <a:ext uri="{FF2B5EF4-FFF2-40B4-BE49-F238E27FC236}">
+                <a16:creationId xmlns:a16="http://schemas.microsoft.com/office/drawing/2014/main" id="{1A178001-BB54-176A-8C9F-DBD5C8E4923C}"/>
+              </a:ext>
+            </a:extLst>
+          </p:cNvPr>
+          <p:cNvSpPr txBox="1"/>
+          <p:nvPr/>
+        </p:nvSpPr>
+        <p:spPr>
+          <a:xfrm>
+            <a:off x="293196" y="172349"/>
+            <a:ext cx="8771673" cy="523220"/>
+          </a:xfrm>
+          <a:prstGeom prst="rect">
+            <a:avLst/>
+          </a:prstGeom>
+          <a:noFill/>
+        </p:spPr>
+        <p:txBody>
+          <a:bodyPr wrap="square" rtlCol="0">
+            <a:spAutoFit/>
+          </a:bodyPr>
+          <a:lstStyle/>
+          <a:p>
+            <a:r>
+              <a:rPr lang="en-US" sz="2800" b="1" dirty="0">
+                <a:solidFill>
+                  <a:srgbClr val="00B050"/>
+                </a:solidFill>
+                <a:latin typeface="Consolas" panose="020B0609020204030204" pitchFamily="49" charset="0"/>
+              </a:rPr>
+              <a:t>Conditional Aggregation Operators</a:t>
+            </a:r>
+            <a:endParaRPr lang="en-US" sz="2800" b="1" dirty="0">
+              <a:solidFill>
+                <a:srgbClr val="00B050"/>
+              </a:solidFill>
+            </a:endParaRPr>
+          </a:p>
+        </p:txBody>
+      </p:sp>
+      <p:sp>
+        <p:nvSpPr>
+          <p:cNvPr id="10" name="TextBox 9">
+            <a:extLst>
+              <a:ext uri="{FF2B5EF4-FFF2-40B4-BE49-F238E27FC236}">
+                <a16:creationId xmlns:a16="http://schemas.microsoft.com/office/drawing/2014/main" id="{27654A16-6C74-98F8-8A7E-91DB85E44812}"/>
+              </a:ext>
+            </a:extLst>
+          </p:cNvPr>
+          <p:cNvSpPr txBox="1"/>
+          <p:nvPr/>
+        </p:nvSpPr>
+        <p:spPr>
+          <a:xfrm>
+            <a:off x="278422" y="1165688"/>
+            <a:ext cx="11913578" cy="1077218"/>
+          </a:xfrm>
+          <a:prstGeom prst="rect">
+            <a:avLst/>
+          </a:prstGeom>
+          <a:noFill/>
+        </p:spPr>
+        <p:txBody>
+          <a:bodyPr wrap="square" rtlCol="0">
+            <a:spAutoFit/>
+          </a:bodyPr>
+          <a:lstStyle/>
+          <a:p>
+            <a:r>
+              <a:rPr lang="en-US" sz="2800" b="1" dirty="0">
+                <a:solidFill>
+                  <a:srgbClr val="00B050"/>
+                </a:solidFill>
+              </a:rPr>
+              <a:t>$switch </a:t>
+            </a:r>
+            <a:r>
+              <a:rPr lang="en-US" sz="2800" b="1" dirty="0">
+                <a:solidFill>
+                  <a:srgbClr val="00B050"/>
+                </a:solidFill>
+                <a:latin typeface="Consolas" panose="020B0609020204030204" pitchFamily="49" charset="0"/>
+              </a:rPr>
+              <a:t>Operator</a:t>
+            </a:r>
+          </a:p>
+          <a:p>
+            <a:pPr marL="285750" indent="-285750">
+              <a:buFont typeface="Arial" panose="020B0604020202020204" pitchFamily="34" charset="0"/>
+              <a:buChar char="•"/>
+            </a:pPr>
+            <a:r>
+              <a:rPr lang="en-US" b="1" dirty="0"/>
+              <a:t>Evaluates a series of case expressions. </a:t>
+            </a:r>
+          </a:p>
+          <a:p>
+            <a:pPr marL="285750" indent="-285750">
+              <a:buFont typeface="Arial" panose="020B0604020202020204" pitchFamily="34" charset="0"/>
+              <a:buChar char="•"/>
+            </a:pPr>
+            <a:r>
+              <a:rPr lang="en-US" b="1" dirty="0"/>
+              <a:t>When it finds an expression which evaluates to true</a:t>
+            </a:r>
+          </a:p>
+        </p:txBody>
+      </p:sp>
+      <p:pic>
+        <p:nvPicPr>
+          <p:cNvPr id="14" name="Picture 13">
+            <a:extLst>
+              <a:ext uri="{FF2B5EF4-FFF2-40B4-BE49-F238E27FC236}">
+                <a16:creationId xmlns:a16="http://schemas.microsoft.com/office/drawing/2014/main" id="{57B9B583-5F23-4FBF-1FC9-576768327390}"/>
+              </a:ext>
+            </a:extLst>
+          </p:cNvPr>
+          <p:cNvPicPr>
+            <a:picLocks noChangeAspect="1"/>
+          </p:cNvPicPr>
+          <p:nvPr/>
+        </p:nvPicPr>
+        <p:blipFill>
+          <a:blip r:embed="rId3"/>
+          <a:stretch>
+            <a:fillRect/>
+          </a:stretch>
+        </p:blipFill>
+        <p:spPr>
+          <a:xfrm>
+            <a:off x="6531355" y="923192"/>
+            <a:ext cx="5660646" cy="5934808"/>
+          </a:xfrm>
+          <a:prstGeom prst="rect">
+            <a:avLst/>
+          </a:prstGeom>
+        </p:spPr>
+      </p:pic>
+    </p:spTree>
+    <p:extLst>
+      <p:ext uri="{BB962C8B-B14F-4D97-AF65-F5344CB8AC3E}">
+        <p14:creationId xmlns:p14="http://schemas.microsoft.com/office/powerpoint/2010/main" val="441849537"/>
+      </p:ext>
+    </p:extLst>
+  </p:cSld>
+  <p:clrMapOvr>
+    <a:masterClrMapping/>
+  </p:clrMapOvr>
+  <p:timing>
+    <p:tnLst>
+      <p:par>
+        <p:cTn id="1" dur="indefinite" restart="never" nodeType="tmRoot">
+          <p:childTnLst>
+            <p:seq concurrent="1" nextAc="seek">
+              <p:cTn id="2" dur="indefinite" nodeType="mainSeq">
+                <p:childTnLst>
+                  <p:par>
+                    <p:cTn id="3" fill="hold">
+                      <p:stCondLst>
+                        <p:cond delay="indefinite"/>
+                      </p:stCondLst>
+                      <p:childTnLst>
+                        <p:par>
+                          <p:cTn id="4" fill="hold">
+                            <p:stCondLst>
+                              <p:cond delay="0"/>
+                            </p:stCondLst>
+                            <p:childTnLst>
+                              <p:par>
+                                <p:cTn id="5" presetID="42" presetClass="entr" presetSubtype="0" fill="hold" grpId="0" nodeType="clickEffect">
+                                  <p:stCondLst>
+                                    <p:cond delay="0"/>
+                                  </p:stCondLst>
+                                  <p:childTnLst>
+                                    <p:set>
+                                      <p:cBhvr>
+                                        <p:cTn id="6" dur="1" fill="hold">
+                                          <p:stCondLst>
+                                            <p:cond delay="0"/>
+                                          </p:stCondLst>
+                                        </p:cTn>
+                                        <p:tgtEl>
+                                          <p:spTgt spid="10"/>
+                                        </p:tgtEl>
+                                        <p:attrNameLst>
+                                          <p:attrName>style.visibility</p:attrName>
+                                        </p:attrNameLst>
+                                      </p:cBhvr>
+                                      <p:to>
+                                        <p:strVal val="visible"/>
+                                      </p:to>
+                                    </p:set>
+                                    <p:animEffect transition="in" filter="fade">
+                                      <p:cBhvr>
+                                        <p:cTn id="7" dur="1000"/>
+                                        <p:tgtEl>
+                                          <p:spTgt spid="10"/>
+                                        </p:tgtEl>
+                                      </p:cBhvr>
+                                    </p:animEffect>
+                                    <p:anim calcmode="lin" valueType="num">
+                                      <p:cBhvr>
+                                        <p:cTn id="8" dur="1000" fill="hold"/>
+                                        <p:tgtEl>
+                                          <p:spTgt spid="10"/>
+                                        </p:tgtEl>
+                                        <p:attrNameLst>
+                                          <p:attrName>ppt_x</p:attrName>
+                                        </p:attrNameLst>
+                                      </p:cBhvr>
+                                      <p:tavLst>
+                                        <p:tav tm="0">
+                                          <p:val>
+                                            <p:strVal val="#ppt_x"/>
+                                          </p:val>
+                                        </p:tav>
+                                        <p:tav tm="100000">
+                                          <p:val>
+                                            <p:strVal val="#ppt_x"/>
+                                          </p:val>
+                                        </p:tav>
+                                      </p:tavLst>
+                                    </p:anim>
+                                    <p:anim calcmode="lin" valueType="num">
+                                      <p:cBhvr>
+                                        <p:cTn id="9" dur="1000" fill="hold"/>
+                                        <p:tgtEl>
+                                          <p:spTgt spid="10"/>
+                                        </p:tgtEl>
+                                        <p:attrNameLst>
+                                          <p:attrName>ppt_y</p:attrName>
+                                        </p:attrNameLst>
+                                      </p:cBhvr>
+                                      <p:tavLst>
+                                        <p:tav tm="0">
+                                          <p:val>
+                                            <p:strVal val="#ppt_y+.1"/>
+                                          </p:val>
+                                        </p:tav>
+                                        <p:tav tm="100000">
+                                          <p:val>
+                                            <p:strVal val="#ppt_y"/>
+                                          </p:val>
+                                        </p:tav>
+                                      </p:tavLst>
+                                    </p:anim>
+                                  </p:childTnLst>
+                                </p:cTn>
+                              </p:par>
+                            </p:childTnLst>
+                          </p:cTn>
+                        </p:par>
+                      </p:childTnLst>
+                    </p:cTn>
+                  </p:par>
+                </p:childTnLst>
+              </p:cTn>
+              <p:prevCondLst>
+                <p:cond evt="onPrev" delay="0">
+                  <p:tgtEl>
+                    <p:sldTgt/>
+                  </p:tgtEl>
+                </p:cond>
+              </p:prevCondLst>
+              <p:nextCondLst>
+                <p:cond evt="onNext" delay="0">
+                  <p:tgtEl>
+                    <p:sldTgt/>
+                  </p:tgtEl>
+                </p:cond>
+              </p:nextCondLst>
+            </p:seq>
+          </p:childTnLst>
+        </p:cTn>
+      </p:par>
+    </p:tnLst>
+    <p:bldLst>
+      <p:bldP spid="10" grpId="0"/>
+    </p:bldLst>
+  </p:timing>
 </p:sld>
 </file>
 
@@ -10659,4 +14646,299 @@
     </a:ext>
   </a:extLst>
 </a:theme>
+</file>
+
+<file path=ppt/theme/theme2.xml><?xml version="1.0" encoding="utf-8"?>
+<a:theme xmlns:a="http://schemas.openxmlformats.org/drawingml/2006/main" name="Office Theme">
+  <a:themeElements>
+    <a:clrScheme name="Office">
+      <a:dk1>
+        <a:sysClr val="windowText" lastClr="000000"/>
+      </a:dk1>
+      <a:lt1>
+        <a:sysClr val="window" lastClr="FFFFFF"/>
+      </a:lt1>
+      <a:dk2>
+        <a:srgbClr val="44546A"/>
+      </a:dk2>
+      <a:lt2>
+        <a:srgbClr val="E7E6E6"/>
+      </a:lt2>
+      <a:accent1>
+        <a:srgbClr val="4472C4"/>
+      </a:accent1>
+      <a:accent2>
+        <a:srgbClr val="ED7D31"/>
+      </a:accent2>
+      <a:accent3>
+        <a:srgbClr val="A5A5A5"/>
+      </a:accent3>
+      <a:accent4>
+        <a:srgbClr val="FFC000"/>
+      </a:accent4>
+      <a:accent5>
+        <a:srgbClr val="5B9BD5"/>
+      </a:accent5>
+      <a:accent6>
+        <a:srgbClr val="70AD47"/>
+      </a:accent6>
+      <a:hlink>
+        <a:srgbClr val="0563C1"/>
+      </a:hlink>
+      <a:folHlink>
+        <a:srgbClr val="954F72"/>
+      </a:folHlink>
+    </a:clrScheme>
+    <a:fontScheme name="Office">
+      <a:majorFont>
+        <a:latin typeface="Calibri Light" panose="020F0302020204030204"/>
+        <a:ea typeface=""/>
+        <a:cs typeface=""/>
+        <a:font script="Jpan" typeface="游ゴシック Light"/>
+        <a:font script="Hang" typeface="맑은 고딕"/>
+        <a:font script="Hans" typeface="等线 Light"/>
+        <a:font script="Hant" typeface="新細明體"/>
+        <a:font script="Arab" typeface="Times New Roman"/>
+        <a:font script="Hebr" typeface="Times New Roman"/>
+        <a:font script="Thai" typeface="Angsana New"/>
+        <a:font script="Ethi" typeface="Nyala"/>
+        <a:font script="Beng" typeface="Vrinda"/>
+        <a:font script="Gujr" typeface="Shruti"/>
+        <a:font script="Khmr" typeface="MoolBoran"/>
+        <a:font script="Knda" typeface="Tunga"/>
+        <a:font script="Guru" typeface="Raavi"/>
+        <a:font script="Cans" typeface="Euphemia"/>
+        <a:font script="Cher" typeface="Plantagenet Cherokee"/>
+        <a:font script="Yiii" typeface="Microsoft Yi Baiti"/>
+        <a:font script="Tibt" typeface="Microsoft Himalaya"/>
+        <a:font script="Thaa" typeface="MV Boli"/>
+        <a:font script="Deva" typeface="Mangal"/>
+        <a:font script="Telu" typeface="Gautami"/>
+        <a:font script="Taml" typeface="Latha"/>
+        <a:font script="Syrc" typeface="Estrangelo Edessa"/>
+        <a:font script="Orya" typeface="Kalinga"/>
+        <a:font script="Mlym" typeface="Kartika"/>
+        <a:font script="Laoo" typeface="DokChampa"/>
+        <a:font script="Sinh" typeface="Iskoola Pota"/>
+        <a:font script="Mong" typeface="Mongolian Baiti"/>
+        <a:font script="Viet" typeface="Times New Roman"/>
+        <a:font script="Uigh" typeface="Microsoft Uighur"/>
+        <a:font script="Geor" typeface="Sylfaen"/>
+        <a:font script="Armn" typeface="Arial"/>
+        <a:font script="Bugi" typeface="Leelawadee UI"/>
+        <a:font script="Bopo" typeface="Microsoft JhengHei"/>
+        <a:font script="Java" typeface="Javanese Text"/>
+        <a:font script="Lisu" typeface="Segoe UI"/>
+        <a:font script="Mymr" typeface="Myanmar Text"/>
+        <a:font script="Nkoo" typeface="Ebrima"/>
+        <a:font script="Olck" typeface="Nirmala UI"/>
+        <a:font script="Osma" typeface="Ebrima"/>
+        <a:font script="Phag" typeface="Phagspa"/>
+        <a:font script="Syrn" typeface="Estrangelo Edessa"/>
+        <a:font script="Syrj" typeface="Estrangelo Edessa"/>
+        <a:font script="Syre" typeface="Estrangelo Edessa"/>
+        <a:font script="Sora" typeface="Nirmala UI"/>
+        <a:font script="Tale" typeface="Microsoft Tai Le"/>
+        <a:font script="Talu" typeface="Microsoft New Tai Lue"/>
+        <a:font script="Tfng" typeface="Ebrima"/>
+      </a:majorFont>
+      <a:minorFont>
+        <a:latin typeface="Calibri" panose="020F0502020204030204"/>
+        <a:ea typeface=""/>
+        <a:cs typeface=""/>
+        <a:font script="Jpan" typeface="游ゴシック"/>
+        <a:font script="Hang" typeface="맑은 고딕"/>
+        <a:font script="Hans" typeface="等线"/>
+        <a:font script="Hant" typeface="新細明體"/>
+        <a:font script="Arab" typeface="Arial"/>
+        <a:font script="Hebr" typeface="Arial"/>
+        <a:font script="Thai" typeface="Cordia New"/>
+        <a:font script="Ethi" typeface="Nyala"/>
+        <a:font script="Beng" typeface="Vrinda"/>
+        <a:font script="Gujr" typeface="Shruti"/>
+        <a:font script="Khmr" typeface="DaunPenh"/>
+        <a:font script="Knda" typeface="Tunga"/>
+        <a:font script="Guru" typeface="Raavi"/>
+        <a:font script="Cans" typeface="Euphemia"/>
+        <a:font script="Cher" typeface="Plantagenet Cherokee"/>
+        <a:font script="Yiii" typeface="Microsoft Yi Baiti"/>
+        <a:font script="Tibt" typeface="Microsoft Himalaya"/>
+        <a:font script="Thaa" typeface="MV Boli"/>
+        <a:font script="Deva" typeface="Mangal"/>
+        <a:font script="Telu" typeface="Gautami"/>
+        <a:font script="Taml" typeface="Latha"/>
+        <a:font script="Syrc" typeface="Estrangelo Edessa"/>
+        <a:font script="Orya" typeface="Kalinga"/>
+        <a:font script="Mlym" typeface="Kartika"/>
+        <a:font script="Laoo" typeface="DokChampa"/>
+        <a:font script="Sinh" typeface="Iskoola Pota"/>
+        <a:font script="Mong" typeface="Mongolian Baiti"/>
+        <a:font script="Viet" typeface="Arial"/>
+        <a:font script="Uigh" typeface="Microsoft Uighur"/>
+        <a:font script="Geor" typeface="Sylfaen"/>
+        <a:font script="Armn" typeface="Arial"/>
+        <a:font script="Bugi" typeface="Leelawadee UI"/>
+        <a:font script="Bopo" typeface="Microsoft JhengHei"/>
+        <a:font script="Java" typeface="Javanese Text"/>
+        <a:font script="Lisu" typeface="Segoe UI"/>
+        <a:font script="Mymr" typeface="Myanmar Text"/>
+        <a:font script="Nkoo" typeface="Ebrima"/>
+        <a:font script="Olck" typeface="Nirmala UI"/>
+        <a:font script="Osma" typeface="Ebrima"/>
+        <a:font script="Phag" typeface="Phagspa"/>
+        <a:font script="Syrn" typeface="Estrangelo Edessa"/>
+        <a:font script="Syrj" typeface="Estrangelo Edessa"/>
+        <a:font script="Syre" typeface="Estrangelo Edessa"/>
+        <a:font script="Sora" typeface="Nirmala UI"/>
+        <a:font script="Tale" typeface="Microsoft Tai Le"/>
+        <a:font script="Talu" typeface="Microsoft New Tai Lue"/>
+        <a:font script="Tfng" typeface="Ebrima"/>
+      </a:minorFont>
+    </a:fontScheme>
+    <a:fmtScheme name="Office">
+      <a:fillStyleLst>
+        <a:solidFill>
+          <a:schemeClr val="phClr"/>
+        </a:solidFill>
+        <a:gradFill rotWithShape="1">
+          <a:gsLst>
+            <a:gs pos="0">
+              <a:schemeClr val="phClr">
+                <a:lumMod val="110000"/>
+                <a:satMod val="105000"/>
+                <a:tint val="67000"/>
+              </a:schemeClr>
+            </a:gs>
+            <a:gs pos="50000">
+              <a:schemeClr val="phClr">
+                <a:lumMod val="105000"/>
+                <a:satMod val="103000"/>
+                <a:tint val="73000"/>
+              </a:schemeClr>
+            </a:gs>
+            <a:gs pos="100000">
+              <a:schemeClr val="phClr">
+                <a:lumMod val="105000"/>
+                <a:satMod val="109000"/>
+                <a:tint val="81000"/>
+              </a:schemeClr>
+            </a:gs>
+          </a:gsLst>
+          <a:lin ang="5400000" scaled="0"/>
+        </a:gradFill>
+        <a:gradFill rotWithShape="1">
+          <a:gsLst>
+            <a:gs pos="0">
+              <a:schemeClr val="phClr">
+                <a:satMod val="103000"/>
+                <a:lumMod val="102000"/>
+                <a:tint val="94000"/>
+              </a:schemeClr>
+            </a:gs>
+            <a:gs pos="50000">
+              <a:schemeClr val="phClr">
+                <a:satMod val="110000"/>
+                <a:lumMod val="100000"/>
+                <a:shade val="100000"/>
+              </a:schemeClr>
+            </a:gs>
+            <a:gs pos="100000">
+              <a:schemeClr val="phClr">
+                <a:lumMod val="99000"/>
+                <a:satMod val="120000"/>
+                <a:shade val="78000"/>
+              </a:schemeClr>
+            </a:gs>
+          </a:gsLst>
+          <a:lin ang="5400000" scaled="0"/>
+        </a:gradFill>
+      </a:fillStyleLst>
+      <a:lnStyleLst>
+        <a:ln w="6350" cap="flat" cmpd="sng" algn="ctr">
+          <a:solidFill>
+            <a:schemeClr val="phClr"/>
+          </a:solidFill>
+          <a:prstDash val="solid"/>
+          <a:miter lim="800000"/>
+        </a:ln>
+        <a:ln w="12700" cap="flat" cmpd="sng" algn="ctr">
+          <a:solidFill>
+            <a:schemeClr val="phClr"/>
+          </a:solidFill>
+          <a:prstDash val="solid"/>
+          <a:miter lim="800000"/>
+        </a:ln>
+        <a:ln w="19050" cap="flat" cmpd="sng" algn="ctr">
+          <a:solidFill>
+            <a:schemeClr val="phClr"/>
+          </a:solidFill>
+          <a:prstDash val="solid"/>
+          <a:miter lim="800000"/>
+        </a:ln>
+      </a:lnStyleLst>
+      <a:effectStyleLst>
+        <a:effectStyle>
+          <a:effectLst/>
+        </a:effectStyle>
+        <a:effectStyle>
+          <a:effectLst/>
+        </a:effectStyle>
+        <a:effectStyle>
+          <a:effectLst>
+            <a:outerShdw blurRad="57150" dist="19050" dir="5400000" algn="ctr" rotWithShape="0">
+              <a:srgbClr val="000000">
+                <a:alpha val="63000"/>
+              </a:srgbClr>
+            </a:outerShdw>
+          </a:effectLst>
+        </a:effectStyle>
+      </a:effectStyleLst>
+      <a:bgFillStyleLst>
+        <a:solidFill>
+          <a:schemeClr val="phClr"/>
+        </a:solidFill>
+        <a:solidFill>
+          <a:schemeClr val="phClr">
+            <a:tint val="95000"/>
+            <a:satMod val="170000"/>
+          </a:schemeClr>
+        </a:solidFill>
+        <a:gradFill rotWithShape="1">
+          <a:gsLst>
+            <a:gs pos="0">
+              <a:schemeClr val="phClr">
+                <a:tint val="93000"/>
+                <a:satMod val="150000"/>
+                <a:shade val="98000"/>
+                <a:lumMod val="102000"/>
+              </a:schemeClr>
+            </a:gs>
+            <a:gs pos="50000">
+              <a:schemeClr val="phClr">
+                <a:tint val="98000"/>
+                <a:satMod val="130000"/>
+                <a:shade val="90000"/>
+                <a:lumMod val="103000"/>
+              </a:schemeClr>
+            </a:gs>
+            <a:gs pos="100000">
+              <a:schemeClr val="phClr">
+                <a:shade val="63000"/>
+                <a:satMod val="120000"/>
+              </a:schemeClr>
+            </a:gs>
+          </a:gsLst>
+          <a:lin ang="5400000" scaled="0"/>
+        </a:gradFill>
+      </a:bgFillStyleLst>
+    </a:fmtScheme>
+  </a:themeElements>
+  <a:objectDefaults/>
+  <a:extraClrSchemeLst/>
+  <a:extLst>
+    <a:ext uri="{05A4C25C-085E-4340-85A3-A5531E510DB2}">
+      <thm15:themeFamily xmlns:thm15="http://schemas.microsoft.com/office/thememl/2012/main" name="Office Theme" id="{62F939B6-93AF-4DB8-9C6B-D6C7DFDC589F}" vid="{4A3C46E8-61CC-4603-A589-7422A47A8E4A}"/>
+    </a:ext>
+  </a:extLst>
+</a:theme>
 </file>